--- a/info/biomasse_vergleich_MoMoK_BE.pptx
+++ b/info/biomasse_vergleich_MoMoK_BE.pptx
@@ -253,7 +253,7 @@
           <a:p>
             <a:fld id="{29D722E9-6DCE-4201-8B95-B327C6EEA894}" type="datetimeFigureOut">
               <a:rPr lang="de-DE" smtClean="0"/>
-              <a:t>06.04.2023</a:t>
+              <a:t>12.04.2023</a:t>
             </a:fld>
             <a:endParaRPr lang="de-DE"/>
           </a:p>
@@ -419,7 +419,7 @@
             <a:fld id="{7BE26D7E-6EA3-4F2D-BE94-EAA87D4EB8CD}" type="datetimeFigureOut">
               <a:rPr lang="de-DE" smtClean="0"/>
               <a:pPr/>
-              <a:t>06.04.2023</a:t>
+              <a:t>12.04.2023</a:t>
             </a:fld>
             <a:endParaRPr lang="de-DE"/>
           </a:p>
@@ -14551,7 +14551,7 @@
           <a:p>
             <a:r>
               <a:rPr lang="de-DE" dirty="0"/>
-              <a:t>Titel des Vortrages</a:t>
+              <a:t>Berechnung Biomassen-, Kohlenstoff-, Stockstoffvorrat</a:t>
             </a:r>
           </a:p>
         </p:txBody>
@@ -14610,28 +14610,6 @@
           <a:lstStyle/>
           <a:p>
             <a:endParaRPr lang="de-DE" dirty="0"/>
-          </a:p>
-        </p:txBody>
-      </p:sp>
-      <p:sp>
-        <p:nvSpPr>
-          <p:cNvPr id="7" name="Textplatzhalter 6"/>
-          <p:cNvSpPr>
-            <a:spLocks noGrp="1"/>
-          </p:cNvSpPr>
-          <p:nvPr>
-            <p:ph type="body" sz="quarter" idx="15"/>
-          </p:nvPr>
-        </p:nvSpPr>
-        <p:spPr/>
-        <p:txBody>
-          <a:bodyPr/>
-          <a:lstStyle/>
-          <a:p>
-            <a:r>
-              <a:rPr lang="de-DE" dirty="0"/>
-              <a:t>Untertitel</a:t>
-            </a:r>
           </a:p>
         </p:txBody>
       </p:sp>
@@ -25394,6 +25372,9 @@
           </a:p>
           <a:p>
             <a:pPr marL="285750" indent="-285750">
+              <a:spcAft>
+                <a:spcPts val="400"/>
+              </a:spcAft>
               <a:buFont typeface="Arial" panose="020B0604020202020204" pitchFamily="34" charset="0"/>
               <a:buChar char="•"/>
             </a:pPr>
@@ -25409,6 +25390,9 @@
           </a:p>
           <a:p>
             <a:pPr marL="285750" indent="-285750">
+              <a:spcAft>
+                <a:spcPts val="400"/>
+              </a:spcAft>
               <a:buFont typeface="Wingdings" panose="05000000000000000000" pitchFamily="2" charset="2"/>
               <a:buChar char="à"/>
             </a:pPr>
@@ -25427,6 +25411,9 @@
           </a:p>
           <a:p>
             <a:pPr marL="285750" indent="-285750">
+              <a:spcAft>
+                <a:spcPts val="400"/>
+              </a:spcAft>
               <a:buFont typeface="Arial" panose="020B0604020202020204" pitchFamily="34" charset="0"/>
               <a:buChar char="•"/>
             </a:pPr>
@@ -25437,6 +25424,9 @@
           </a:p>
           <a:p>
             <a:pPr marL="609750" lvl="1" indent="-285750">
+              <a:spcAft>
+                <a:spcPts val="400"/>
+              </a:spcAft>
               <a:buFont typeface="Arial" panose="020B0604020202020204" pitchFamily="34" charset="0"/>
               <a:buChar char="•"/>
             </a:pPr>
@@ -25448,6 +25438,9 @@
           </a:p>
           <a:p>
             <a:pPr marL="285750" indent="-285750">
+              <a:spcAft>
+                <a:spcPts val="400"/>
+              </a:spcAft>
               <a:buFont typeface="Arial" panose="020B0604020202020204" pitchFamily="34" charset="0"/>
               <a:buChar char="•"/>
             </a:pPr>
@@ -25481,8 +25474,8 @@
         </p:nvSpPr>
         <p:spPr>
           <a:xfrm>
-            <a:off x="4572000" y="923272"/>
-            <a:ext cx="3873552" cy="3278006"/>
+            <a:off x="4572000" y="923271"/>
+            <a:ext cx="3873552" cy="3779357"/>
           </a:xfrm>
           <a:prstGeom prst="rect">
             <a:avLst/>
@@ -25687,6 +25680,9 @@
           </a:p>
           <a:p>
             <a:pPr marL="285750" indent="-285750">
+              <a:spcAft>
+                <a:spcPts val="400"/>
+              </a:spcAft>
               <a:buFont typeface="Arial" panose="020B0604020202020204" pitchFamily="34" charset="0"/>
               <a:buChar char="•"/>
             </a:pPr>
@@ -25696,6 +25692,11 @@
             </a:r>
           </a:p>
           <a:p>
+            <a:pPr>
+              <a:spcAft>
+                <a:spcPts val="400"/>
+              </a:spcAft>
+            </a:pPr>
             <a:r>
               <a:rPr lang="de-DE" sz="1500" b="0" dirty="0">
                 <a:sym typeface="Wingdings" panose="05000000000000000000" pitchFamily="2" charset="2"/>
@@ -25718,6 +25719,9 @@
           </a:p>
           <a:p>
             <a:pPr marL="285750" indent="-285750">
+              <a:spcAft>
+                <a:spcPts val="400"/>
+              </a:spcAft>
               <a:buFont typeface="Arial" panose="020B0604020202020204" pitchFamily="34" charset="0"/>
               <a:buChar char="•"/>
             </a:pPr>
@@ -25736,6 +25740,9 @@
           </a:p>
           <a:p>
             <a:pPr marL="285750" indent="-285750">
+              <a:spcAft>
+                <a:spcPts val="400"/>
+              </a:spcAft>
               <a:buFont typeface="Wingdings" panose="05000000000000000000" pitchFamily="2" charset="2"/>
               <a:buChar char="à"/>
             </a:pPr>
@@ -25748,6 +25755,9 @@
           </a:p>
           <a:p>
             <a:pPr marL="285750" indent="-285750">
+              <a:spcAft>
+                <a:spcPts val="400"/>
+              </a:spcAft>
               <a:buFont typeface="Arial" panose="020B0604020202020204" pitchFamily="34" charset="0"/>
               <a:buChar char="•"/>
             </a:pPr>
@@ -25758,11 +25768,14 @@
                 </a:solidFill>
                 <a:sym typeface="Wingdings" panose="05000000000000000000" pitchFamily="2" charset="2"/>
               </a:rPr>
-              <a:t>Vergleichbarkeit mit Vergangen GHGI &amp; BWI jedoch eingeschränkt</a:t>
+              <a:t>Vergleichbarkeit mit Vergangen GHGI &amp; BWI eingeschränkt</a:t>
             </a:r>
           </a:p>
           <a:p>
             <a:pPr marL="285750" indent="-285750">
+              <a:spcAft>
+                <a:spcPts val="400"/>
+              </a:spcAft>
               <a:buFont typeface="Arial" panose="020B0604020202020204" pitchFamily="34" charset="0"/>
               <a:buChar char="•"/>
             </a:pPr>
@@ -25773,7 +25786,7 @@
                 </a:solidFill>
                 <a:sym typeface="Wingdings" panose="05000000000000000000" pitchFamily="2" charset="2"/>
               </a:rPr>
-              <a:t>Auswertungsalgorithmus ist abhängig von </a:t>
+              <a:t>Auswertungsalgorithmus ist evtl. abhängig von </a:t>
             </a:r>
             <a:r>
               <a:rPr lang="de-DE" sz="1500" b="0" dirty="0" err="1">
@@ -25810,6 +25823,53 @@
               </a:rPr>
               <a:t> </a:t>
             </a:r>
+          </a:p>
+          <a:p>
+            <a:pPr marL="285750" indent="-285750">
+              <a:spcAft>
+                <a:spcPts val="400"/>
+              </a:spcAft>
+              <a:buFont typeface="Arial" panose="020B0604020202020204" pitchFamily="34" charset="0"/>
+              <a:buChar char="•"/>
+            </a:pPr>
+            <a:r>
+              <a:rPr lang="de-DE" sz="1500" b="0" dirty="0" err="1">
+                <a:solidFill>
+                  <a:schemeClr val="tx1"/>
+                </a:solidFill>
+              </a:rPr>
+              <a:t>Verjünung</a:t>
+            </a:r>
+            <a:r>
+              <a:rPr lang="de-DE" sz="1500" b="0" dirty="0">
+                <a:solidFill>
+                  <a:schemeClr val="tx1"/>
+                </a:solidFill>
+              </a:rPr>
+              <a:t> wird wahrscheinlich mit GHGI berechnet –&gt; Einheitlichkeit?</a:t>
+            </a:r>
+          </a:p>
+          <a:p>
+            <a:pPr marL="285750" indent="-285750">
+              <a:buFont typeface="Arial" panose="020B0604020202020204" pitchFamily="34" charset="0"/>
+              <a:buChar char="•"/>
+            </a:pPr>
+            <a:endParaRPr lang="de-DE" sz="1800" dirty="0">
+              <a:solidFill>
+                <a:schemeClr val="tx1"/>
+              </a:solidFill>
+            </a:endParaRPr>
+          </a:p>
+          <a:p>
+            <a:pPr marL="285750" indent="-285750">
+              <a:buFont typeface="Arial" panose="020B0604020202020204" pitchFamily="34" charset="0"/>
+              <a:buChar char="•"/>
+            </a:pPr>
+            <a:endParaRPr lang="de-DE" sz="1800" dirty="0">
+              <a:solidFill>
+                <a:schemeClr val="tx1"/>
+              </a:solidFill>
+            </a:endParaRPr>
           </a:p>
           <a:p>
             <a:pPr marL="285750" indent="-285750">

--- a/info/biomasse_vergleich_MoMoK_BE.pptx
+++ b/info/biomasse_vergleich_MoMoK_BE.pptx
@@ -8,10 +8,10 @@
     <p:sldMasterId id="2147483684" r:id="rId4"/>
   </p:sldMasterIdLst>
   <p:notesMasterIdLst>
-    <p:notesMasterId r:id="rId21"/>
+    <p:notesMasterId r:id="rId22"/>
   </p:notesMasterIdLst>
   <p:handoutMasterIdLst>
-    <p:handoutMasterId r:id="rId22"/>
+    <p:handoutMasterId r:id="rId23"/>
   </p:handoutMasterIdLst>
   <p:sldIdLst>
     <p:sldId id="294" r:id="rId5"/>
@@ -27,9 +27,10 @@
     <p:sldId id="316" r:id="rId15"/>
     <p:sldId id="318" r:id="rId16"/>
     <p:sldId id="317" r:id="rId17"/>
-    <p:sldId id="307" r:id="rId18"/>
-    <p:sldId id="309" r:id="rId19"/>
-    <p:sldId id="303" r:id="rId20"/>
+    <p:sldId id="321" r:id="rId18"/>
+    <p:sldId id="307" r:id="rId19"/>
+    <p:sldId id="309" r:id="rId20"/>
+    <p:sldId id="303" r:id="rId21"/>
   </p:sldIdLst>
   <p:sldSz cx="9144000" cy="5143500" type="screen16x9"/>
   <p:notesSz cx="9928225" cy="6797675"/>
@@ -254,7 +255,7 @@
           <a:p>
             <a:fld id="{29D722E9-6DCE-4201-8B95-B327C6EEA894}" type="datetimeFigureOut">
               <a:rPr lang="de-DE" smtClean="0"/>
-              <a:t>12.04.2023</a:t>
+              <a:t>13.04.2023</a:t>
             </a:fld>
             <a:endParaRPr lang="de-DE"/>
           </a:p>
@@ -420,7 +421,7 @@
             <a:fld id="{7BE26D7E-6EA3-4F2D-BE94-EAA87D4EB8CD}" type="datetimeFigureOut">
               <a:rPr lang="de-DE" smtClean="0"/>
               <a:pPr/>
-              <a:t>12.04.2023</a:t>
+              <a:t>13.04.2023</a:t>
             </a:fld>
             <a:endParaRPr lang="de-DE"/>
           </a:p>
@@ -985,12 +986,7 @@
             <p:ph type="sldImg"/>
           </p:nvPr>
         </p:nvSpPr>
-        <p:spPr>
-          <a:xfrm>
-            <a:off x="2697163" y="509588"/>
-            <a:ext cx="4533900" cy="2549525"/>
-          </a:xfrm>
-        </p:spPr>
+        <p:spPr/>
       </p:sp>
       <p:sp>
         <p:nvSpPr>
@@ -1007,6 +1003,50 @@
           <a:bodyPr/>
           <a:lstStyle/>
           <a:p>
+            <a:r>
+              <a:rPr lang="de-DE" sz="1200" b="0" dirty="0">
+                <a:solidFill>
+                  <a:schemeClr val="tx1"/>
+                </a:solidFill>
+              </a:rPr>
+              <a:t>Gesamtbiomasse setzt sich aus Masse in einzelnen Kompartimenten zusammen </a:t>
+            </a:r>
+          </a:p>
+          <a:p>
+            <a:r>
+              <a:rPr lang="de-DE" sz="1200" b="0" dirty="0">
+                <a:solidFill>
+                  <a:schemeClr val="tx1"/>
+                </a:solidFill>
+                <a:sym typeface="Wingdings" panose="05000000000000000000" pitchFamily="2" charset="2"/>
+              </a:rPr>
+              <a:t> Fehlende Kompartimente können durch abziehen „extern“/ separat berechneter </a:t>
+            </a:r>
+            <a:r>
+              <a:rPr lang="de-DE" sz="1200" b="0" dirty="0" err="1">
+                <a:solidFill>
+                  <a:schemeClr val="tx1"/>
+                </a:solidFill>
+                <a:sym typeface="Wingdings" panose="05000000000000000000" pitchFamily="2" charset="2"/>
+              </a:rPr>
+              <a:t>Kompartimentmassen</a:t>
+            </a:r>
+            <a:r>
+              <a:rPr lang="de-DE" sz="1200" b="0" dirty="0">
+                <a:solidFill>
+                  <a:schemeClr val="tx1"/>
+                </a:solidFill>
+                <a:sym typeface="Wingdings" panose="05000000000000000000" pitchFamily="2" charset="2"/>
+              </a:rPr>
+              <a:t> berechnet werden</a:t>
+            </a:r>
+            <a:endParaRPr lang="de-DE" sz="1200" b="0" dirty="0">
+              <a:solidFill>
+                <a:schemeClr val="tx1"/>
+              </a:solidFill>
+            </a:endParaRPr>
+          </a:p>
+          <a:p>
             <a:endParaRPr lang="de-DE" dirty="0"/>
           </a:p>
         </p:txBody>
@@ -1018,7 +1058,7 @@
             <a:spLocks noGrp="1"/>
           </p:cNvSpPr>
           <p:nvPr>
-            <p:ph type="sldNum" sz="quarter" idx="10"/>
+            <p:ph type="sldNum" sz="quarter" idx="5"/>
           </p:nvPr>
         </p:nvSpPr>
         <p:spPr/>
@@ -1038,7 +1078,7 @@
     </p:spTree>
     <p:extLst>
       <p:ext uri="{BB962C8B-B14F-4D97-AF65-F5344CB8AC3E}">
-        <p14:creationId xmlns:p14="http://schemas.microsoft.com/office/powerpoint/2010/main" val="556276569"/>
+        <p14:creationId xmlns:p14="http://schemas.microsoft.com/office/powerpoint/2010/main" val="403994462"/>
       </p:ext>
     </p:extLst>
   </p:cSld>
@@ -1097,24 +1137,7 @@
           <a:bodyPr/>
           <a:lstStyle/>
           <a:p>
-            <a:pPr marL="171450" indent="-171450">
-              <a:buFontTx/>
-              <a:buChar char="-"/>
-            </a:pPr>
-            <a:r>
-              <a:rPr lang="de-DE" dirty="0"/>
-              <a:t>Unterschiede: </a:t>
-            </a:r>
-          </a:p>
-          <a:p>
-            <a:pPr marL="628650" lvl="1" indent="-171450">
-              <a:buFontTx/>
-              <a:buChar char="-"/>
-            </a:pPr>
-            <a:r>
-              <a:rPr lang="de-DE" dirty="0"/>
-              <a:t>Wg. Baumartengruppen</a:t>
-            </a:r>
+            <a:endParaRPr lang="de-DE" dirty="0"/>
           </a:p>
         </p:txBody>
       </p:sp>
@@ -1145,6 +1168,113 @@
     </p:spTree>
     <p:extLst>
       <p:ext uri="{BB962C8B-B14F-4D97-AF65-F5344CB8AC3E}">
+        <p14:creationId xmlns:p14="http://schemas.microsoft.com/office/powerpoint/2010/main" val="556276569"/>
+      </p:ext>
+    </p:extLst>
+  </p:cSld>
+  <p:clrMapOvr>
+    <a:masterClrMapping/>
+  </p:clrMapOvr>
+</p:notes>
+</file>
+
+<file path=ppt/notesSlides/notesSlide12.xml><?xml version="1.0" encoding="utf-8"?>
+<p:notes xmlns:a="http://schemas.openxmlformats.org/drawingml/2006/main" xmlns:r="http://schemas.openxmlformats.org/officeDocument/2006/relationships" xmlns:p="http://schemas.openxmlformats.org/presentationml/2006/main">
+  <p:cSld>
+    <p:spTree>
+      <p:nvGrpSpPr>
+        <p:cNvPr id="1" name=""/>
+        <p:cNvGrpSpPr/>
+        <p:nvPr/>
+      </p:nvGrpSpPr>
+      <p:grpSpPr>
+        <a:xfrm>
+          <a:off x="0" y="0"/>
+          <a:ext cx="0" cy="0"/>
+          <a:chOff x="0" y="0"/>
+          <a:chExt cx="0" cy="0"/>
+        </a:xfrm>
+      </p:grpSpPr>
+      <p:sp>
+        <p:nvSpPr>
+          <p:cNvPr id="2" name="Folienbildplatzhalter 1"/>
+          <p:cNvSpPr>
+            <a:spLocks noGrp="1" noRot="1" noChangeAspect="1"/>
+          </p:cNvSpPr>
+          <p:nvPr>
+            <p:ph type="sldImg"/>
+          </p:nvPr>
+        </p:nvSpPr>
+        <p:spPr>
+          <a:xfrm>
+            <a:off x="2697163" y="509588"/>
+            <a:ext cx="4533900" cy="2549525"/>
+          </a:xfrm>
+        </p:spPr>
+      </p:sp>
+      <p:sp>
+        <p:nvSpPr>
+          <p:cNvPr id="3" name="Notizenplatzhalter 2"/>
+          <p:cNvSpPr>
+            <a:spLocks noGrp="1"/>
+          </p:cNvSpPr>
+          <p:nvPr>
+            <p:ph type="body" idx="1"/>
+          </p:nvPr>
+        </p:nvSpPr>
+        <p:spPr/>
+        <p:txBody>
+          <a:bodyPr/>
+          <a:lstStyle/>
+          <a:p>
+            <a:pPr marL="171450" indent="-171450">
+              <a:buFontTx/>
+              <a:buChar char="-"/>
+            </a:pPr>
+            <a:r>
+              <a:rPr lang="de-DE" dirty="0"/>
+              <a:t>Unterschiede: </a:t>
+            </a:r>
+          </a:p>
+          <a:p>
+            <a:pPr marL="628650" lvl="1" indent="-171450">
+              <a:buFontTx/>
+              <a:buChar char="-"/>
+            </a:pPr>
+            <a:r>
+              <a:rPr lang="de-DE" dirty="0"/>
+              <a:t>Wg. Baumartengruppen</a:t>
+            </a:r>
+          </a:p>
+        </p:txBody>
+      </p:sp>
+      <p:sp>
+        <p:nvSpPr>
+          <p:cNvPr id="4" name="Foliennummernplatzhalter 3"/>
+          <p:cNvSpPr>
+            <a:spLocks noGrp="1"/>
+          </p:cNvSpPr>
+          <p:nvPr>
+            <p:ph type="sldNum" sz="quarter" idx="10"/>
+          </p:nvPr>
+        </p:nvSpPr>
+        <p:spPr/>
+        <p:txBody>
+          <a:bodyPr/>
+          <a:lstStyle/>
+          <a:p>
+            <a:fld id="{DD8A562C-CF5F-498A-A34C-F7FA9804374D}" type="slidenum">
+              <a:rPr lang="de-DE" smtClean="0"/>
+              <a:pPr/>
+              <a:t>15</a:t>
+            </a:fld>
+            <a:endParaRPr lang="de-DE"/>
+          </a:p>
+        </p:txBody>
+      </p:sp>
+    </p:spTree>
+    <p:extLst>
+      <p:ext uri="{BB962C8B-B14F-4D97-AF65-F5344CB8AC3E}">
         <p14:creationId xmlns:p14="http://schemas.microsoft.com/office/powerpoint/2010/main" val="2607535359"/>
       </p:ext>
     </p:extLst>
@@ -1155,7 +1285,7 @@
 </p:notes>
 </file>
 
-<file path=ppt/notesSlides/notesSlide12.xml><?xml version="1.0" encoding="utf-8"?>
+<file path=ppt/notesSlides/notesSlide13.xml><?xml version="1.0" encoding="utf-8"?>
 <p:notes xmlns:a="http://schemas.openxmlformats.org/drawingml/2006/main" xmlns:r="http://schemas.openxmlformats.org/officeDocument/2006/relationships" xmlns:p="http://schemas.openxmlformats.org/presentationml/2006/main">
   <p:cSld>
     <p:spTree>
@@ -1323,7 +1453,7 @@
             <a:fld id="{DD8A562C-CF5F-498A-A34C-F7FA9804374D}" type="slidenum">
               <a:rPr lang="de-DE" smtClean="0"/>
               <a:pPr/>
-              <a:t>15</a:t>
+              <a:t>16</a:t>
             </a:fld>
             <a:endParaRPr lang="de-DE"/>
           </a:p>
@@ -15472,12 +15602,16 @@
             <a:graphicFrameLocks noGrp="1"/>
           </p:cNvGraphicFramePr>
           <p:nvPr>
-            <p:extLst/>
+            <p:extLst>
+              <p:ext uri="{D42A27DB-BD31-4B8C-83A1-F6EECF244321}">
+                <p14:modId xmlns:p14="http://schemas.microsoft.com/office/powerpoint/2010/main" val="1331675344"/>
+              </p:ext>
+            </p:extLst>
           </p:nvPr>
         </p:nvGraphicFramePr>
         <p:xfrm>
           <a:off x="258363" y="1770120"/>
-          <a:ext cx="8591739" cy="868680"/>
+          <a:ext cx="8591739" cy="1021080"/>
         </p:xfrm>
         <a:graphic>
           <a:graphicData uri="http://schemas.openxmlformats.org/drawingml/2006/table">
@@ -15905,6 +16039,14 @@
                     <a:p>
                       <a:pPr algn="ctr"/>
                       <a:r>
+                        <a:rPr lang="de-DE" sz="1000" dirty="0" err="1"/>
+                        <a:t>foliage</a:t>
+                      </a:r>
+                      <a:endParaRPr lang="de-DE" sz="1000" dirty="0"/>
+                    </a:p>
+                    <a:p>
+                      <a:pPr algn="ctr"/>
+                      <a:r>
                         <a:rPr lang="de-DE" sz="1000" dirty="0"/>
                         <a:t>Nadelmasse (für LH nicht inkl.)</a:t>
                       </a:r>
@@ -15929,6 +16071,30 @@
                     <a:p>
                       <a:pPr algn="ctr"/>
                       <a:r>
+                        <a:rPr lang="de-DE" sz="1000" dirty="0" err="1"/>
+                        <a:t>fine</a:t>
+                      </a:r>
+                      <a:r>
+                        <a:rPr lang="de-DE" sz="1000" dirty="0"/>
+                        <a:t> </a:t>
+                      </a:r>
+                      <a:r>
+                        <a:rPr lang="de-DE" sz="1000" dirty="0" err="1"/>
+                        <a:t>wood</a:t>
+                      </a:r>
+                      <a:r>
+                        <a:rPr lang="de-DE" sz="1000" dirty="0"/>
+                        <a:t> incl. </a:t>
+                      </a:r>
+                      <a:r>
+                        <a:rPr lang="de-DE" sz="1000" dirty="0" err="1"/>
+                        <a:t>bark</a:t>
+                      </a:r>
+                      <a:endParaRPr lang="de-DE" sz="1000" dirty="0"/>
+                    </a:p>
+                    <a:p>
+                      <a:pPr algn="ctr"/>
+                      <a:r>
                         <a:rPr lang="de-DE" sz="1000" dirty="0"/>
                         <a:t>Nichtderbholz </a:t>
                       </a:r>
@@ -15965,6 +16131,29 @@
                       <a:pPr algn="ctr"/>
                       <a:r>
                         <a:rPr lang="de-DE" sz="1000" dirty="0"/>
+                        <a:t>Solid </a:t>
+                      </a:r>
+                      <a:r>
+                        <a:rPr lang="de-DE" sz="1000" dirty="0" err="1"/>
+                        <a:t>wood</a:t>
+                      </a:r>
+                      <a:r>
+                        <a:rPr lang="de-DE" sz="1000" dirty="0"/>
+                        <a:t> </a:t>
+                      </a:r>
+                      <a:r>
+                        <a:rPr lang="de-DE" sz="1000" dirty="0" err="1"/>
+                        <a:t>w.b</a:t>
+                      </a:r>
+                      <a:r>
+                        <a:rPr lang="de-DE" sz="1000" dirty="0"/>
+                        <a:t>.</a:t>
+                      </a:r>
+                    </a:p>
+                    <a:p>
+                      <a:pPr algn="ctr"/>
+                      <a:r>
+                        <a:rPr lang="de-DE" sz="1000" dirty="0"/>
                         <a:t>Derbholz </a:t>
                       </a:r>
                       <a:r>
@@ -15998,6 +16187,30 @@
                       <a:pPr algn="ctr"/>
                       <a:r>
                         <a:rPr lang="de-DE" sz="1000" dirty="0" err="1"/>
+                        <a:t>bark</a:t>
+                      </a:r>
+                      <a:r>
+                        <a:rPr lang="de-DE" sz="1000" dirty="0"/>
+                        <a:t> </a:t>
+                      </a:r>
+                      <a:r>
+                        <a:rPr lang="de-DE" sz="1000" dirty="0" err="1"/>
+                        <a:t>of</a:t>
+                      </a:r>
+                      <a:r>
+                        <a:rPr lang="de-DE" sz="1000" dirty="0"/>
+                        <a:t> solid </a:t>
+                      </a:r>
+                      <a:r>
+                        <a:rPr lang="de-DE" sz="1000" dirty="0" err="1"/>
+                        <a:t>wood</a:t>
+                      </a:r>
+                      <a:endParaRPr lang="de-DE" sz="1000" dirty="0"/>
+                    </a:p>
+                    <a:p>
+                      <a:pPr algn="ctr"/>
+                      <a:r>
+                        <a:rPr lang="de-DE" sz="1000" dirty="0" err="1"/>
                         <a:t>Derholzrinde</a:t>
                       </a:r>
                       <a:endParaRPr lang="de-DE" sz="1000" dirty="0"/>
@@ -16020,6 +16233,14 @@
                   <a:txBody>
                     <a:bodyPr/>
                     <a:lstStyle/>
+                    <a:p>
+                      <a:pPr algn="ctr"/>
+                      <a:r>
+                        <a:rPr lang="de-DE" sz="1000" dirty="0" err="1"/>
+                        <a:t>stump</a:t>
+                      </a:r>
+                      <a:endParaRPr lang="de-DE" sz="1000" dirty="0"/>
+                    </a:p>
                     <a:p>
                       <a:pPr algn="ctr"/>
                       <a:r>
@@ -16045,6 +16266,22 @@
                   <a:txBody>
                     <a:bodyPr/>
                     <a:lstStyle/>
+                    <a:p>
+                      <a:pPr algn="ctr"/>
+                      <a:r>
+                        <a:rPr lang="de-DE" sz="1000" dirty="0" err="1"/>
+                        <a:t>bark</a:t>
+                      </a:r>
+                      <a:r>
+                        <a:rPr lang="de-DE" sz="1000" dirty="0"/>
+                        <a:t> ob </a:t>
+                      </a:r>
+                      <a:r>
+                        <a:rPr lang="de-DE" sz="1000" dirty="0" err="1"/>
+                        <a:t>stump</a:t>
+                      </a:r>
+                      <a:endParaRPr lang="de-DE" sz="1000" dirty="0"/>
+                    </a:p>
                     <a:p>
                       <a:pPr algn="ctr"/>
                       <a:r>
@@ -18207,7 +18444,7 @@
         </p:nvCxnSpPr>
         <p:spPr>
           <a:xfrm flipH="1">
-            <a:off x="1349307" y="2440518"/>
+            <a:off x="1336607" y="2491318"/>
             <a:ext cx="3014875" cy="641129"/>
           </a:xfrm>
           <a:prstGeom prst="straightConnector1">
@@ -18345,612 +18582,6 @@
           </a:p>
         </p:txBody>
       </p:sp>
-      <p:graphicFrame>
-        <p:nvGraphicFramePr>
-          <p:cNvPr id="4" name="Tabelle 3">
-            <a:extLst>
-              <a:ext uri="{FF2B5EF4-FFF2-40B4-BE49-F238E27FC236}">
-                <a16:creationId xmlns:a16="http://schemas.microsoft.com/office/drawing/2014/main" id="{77FF56CB-F0D2-4AC3-B3BE-66CDB7107EBE}"/>
-              </a:ext>
-            </a:extLst>
-          </p:cNvPr>
-          <p:cNvGraphicFramePr>
-            <a:graphicFrameLocks noGrp="1"/>
-          </p:cNvGraphicFramePr>
-          <p:nvPr>
-            <p:extLst/>
-          </p:nvPr>
-        </p:nvGraphicFramePr>
-        <p:xfrm>
-          <a:off x="258363" y="1770120"/>
-          <a:ext cx="8591739" cy="868680"/>
-        </p:xfrm>
-        <a:graphic>
-          <a:graphicData uri="http://schemas.openxmlformats.org/drawingml/2006/table">
-            <a:tbl>
-              <a:tblPr firstRow="1" bandRow="1">
-                <a:tableStyleId>{2D5ABB26-0587-4C30-8999-92F81FD0307C}</a:tableStyleId>
-              </a:tblPr>
-              <a:tblGrid>
-                <a:gridCol w="1149791">
-                  <a:extLst>
-                    <a:ext uri="{9D8B030D-6E8A-4147-A177-3AD203B41FA5}">
-                      <a16:colId xmlns:a16="http://schemas.microsoft.com/office/drawing/2014/main" val="4200011834"/>
-                    </a:ext>
-                  </a:extLst>
-                </a:gridCol>
-                <a:gridCol w="235390">
-                  <a:extLst>
-                    <a:ext uri="{9D8B030D-6E8A-4147-A177-3AD203B41FA5}">
-                      <a16:colId xmlns:a16="http://schemas.microsoft.com/office/drawing/2014/main" val="2045396137"/>
-                    </a:ext>
-                  </a:extLst>
-                </a:gridCol>
-                <a:gridCol w="823865">
-                  <a:extLst>
-                    <a:ext uri="{9D8B030D-6E8A-4147-A177-3AD203B41FA5}">
-                      <a16:colId xmlns:a16="http://schemas.microsoft.com/office/drawing/2014/main" val="1307632904"/>
-                    </a:ext>
-                  </a:extLst>
-                </a:gridCol>
-                <a:gridCol w="298764">
-                  <a:extLst>
-                    <a:ext uri="{9D8B030D-6E8A-4147-A177-3AD203B41FA5}">
-                      <a16:colId xmlns:a16="http://schemas.microsoft.com/office/drawing/2014/main" val="3409259925"/>
-                    </a:ext>
-                  </a:extLst>
-                </a:gridCol>
-                <a:gridCol w="950614">
-                  <a:extLst>
-                    <a:ext uri="{9D8B030D-6E8A-4147-A177-3AD203B41FA5}">
-                      <a16:colId xmlns:a16="http://schemas.microsoft.com/office/drawing/2014/main" val="3322586312"/>
-                    </a:ext>
-                  </a:extLst>
-                </a:gridCol>
-                <a:gridCol w="289711">
-                  <a:extLst>
-                    <a:ext uri="{9D8B030D-6E8A-4147-A177-3AD203B41FA5}">
-                      <a16:colId xmlns:a16="http://schemas.microsoft.com/office/drawing/2014/main" val="3580350163"/>
-                    </a:ext>
-                  </a:extLst>
-                </a:gridCol>
-                <a:gridCol w="1176951">
-                  <a:extLst>
-                    <a:ext uri="{9D8B030D-6E8A-4147-A177-3AD203B41FA5}">
-                      <a16:colId xmlns:a16="http://schemas.microsoft.com/office/drawing/2014/main" val="2026280938"/>
-                    </a:ext>
-                  </a:extLst>
-                </a:gridCol>
-                <a:gridCol w="362138">
-                  <a:extLst>
-                    <a:ext uri="{9D8B030D-6E8A-4147-A177-3AD203B41FA5}">
-                      <a16:colId xmlns:a16="http://schemas.microsoft.com/office/drawing/2014/main" val="2858053005"/>
-                    </a:ext>
-                  </a:extLst>
-                </a:gridCol>
-                <a:gridCol w="1231221">
-                  <a:extLst>
-                    <a:ext uri="{9D8B030D-6E8A-4147-A177-3AD203B41FA5}">
-                      <a16:colId xmlns:a16="http://schemas.microsoft.com/office/drawing/2014/main" val="488407553"/>
-                    </a:ext>
-                  </a:extLst>
-                </a:gridCol>
-                <a:gridCol w="208280">
-                  <a:extLst>
-                    <a:ext uri="{9D8B030D-6E8A-4147-A177-3AD203B41FA5}">
-                      <a16:colId xmlns:a16="http://schemas.microsoft.com/office/drawing/2014/main" val="2043652952"/>
-                    </a:ext>
-                  </a:extLst>
-                </a:gridCol>
-                <a:gridCol w="651799">
-                  <a:extLst>
-                    <a:ext uri="{9D8B030D-6E8A-4147-A177-3AD203B41FA5}">
-                      <a16:colId xmlns:a16="http://schemas.microsoft.com/office/drawing/2014/main" val="2356173879"/>
-                    </a:ext>
-                  </a:extLst>
-                </a:gridCol>
-                <a:gridCol w="208280">
-                  <a:extLst>
-                    <a:ext uri="{9D8B030D-6E8A-4147-A177-3AD203B41FA5}">
-                      <a16:colId xmlns:a16="http://schemas.microsoft.com/office/drawing/2014/main" val="1625032845"/>
-                    </a:ext>
-                  </a:extLst>
-                </a:gridCol>
-                <a:gridCol w="1004935">
-                  <a:extLst>
-                    <a:ext uri="{9D8B030D-6E8A-4147-A177-3AD203B41FA5}">
-                      <a16:colId xmlns:a16="http://schemas.microsoft.com/office/drawing/2014/main" val="2867910828"/>
-                    </a:ext>
-                  </a:extLst>
-                </a:gridCol>
-              </a:tblGrid>
-              <a:tr h="268579">
-                <a:tc>
-                  <a:txBody>
-                    <a:bodyPr/>
-                    <a:lstStyle/>
-                    <a:p>
-                      <a:pPr algn="ctr"/>
-                      <a:r>
-                        <a:rPr lang="de-DE" sz="1500" b="1" dirty="0"/>
-                        <a:t>GHG </a:t>
-                      </a:r>
-                      <a:r>
-                        <a:rPr lang="de-DE" sz="1500" b="1" dirty="0" err="1"/>
-                        <a:t>aB</a:t>
-                      </a:r>
-                      <a:r>
-                        <a:rPr lang="de-DE" sz="1500" b="1" dirty="0"/>
-                        <a:t> </a:t>
-                      </a:r>
-                    </a:p>
-                  </a:txBody>
-                  <a:tcPr/>
-                </a:tc>
-                <a:tc>
-                  <a:txBody>
-                    <a:bodyPr/>
-                    <a:lstStyle/>
-                    <a:p>
-                      <a:pPr algn="ctr"/>
-                      <a:r>
-                        <a:rPr lang="de-DE" sz="1500" b="1" dirty="0"/>
-                        <a:t>= </a:t>
-                      </a:r>
-                    </a:p>
-                  </a:txBody>
-                  <a:tcPr/>
-                </a:tc>
-                <a:tc>
-                  <a:txBody>
-                    <a:bodyPr/>
-                    <a:lstStyle/>
-                    <a:p>
-                      <a:pPr algn="ctr"/>
-                      <a:r>
-                        <a:rPr lang="de-DE" sz="1500" b="1" dirty="0" err="1"/>
-                        <a:t>fB</a:t>
-                      </a:r>
-                      <a:endParaRPr lang="de-DE" sz="1500" b="1" dirty="0"/>
-                    </a:p>
-                  </a:txBody>
-                  <a:tcPr/>
-                </a:tc>
-                <a:tc>
-                  <a:txBody>
-                    <a:bodyPr/>
-                    <a:lstStyle/>
-                    <a:p>
-                      <a:pPr algn="ctr"/>
-                      <a:r>
-                        <a:rPr lang="de-DE" sz="1500" b="1" dirty="0"/>
-                        <a:t>+ </a:t>
-                      </a:r>
-                    </a:p>
-                  </a:txBody>
-                  <a:tcPr/>
-                </a:tc>
-                <a:tc>
-                  <a:txBody>
-                    <a:bodyPr/>
-                    <a:lstStyle/>
-                    <a:p>
-                      <a:pPr algn="ctr"/>
-                      <a:r>
-                        <a:rPr lang="de-DE" sz="1500" b="1" dirty="0" err="1"/>
-                        <a:t>fwbB</a:t>
-                      </a:r>
-                      <a:endParaRPr lang="de-DE" sz="1500" b="1" dirty="0"/>
-                    </a:p>
-                  </a:txBody>
-                  <a:tcPr/>
-                </a:tc>
-                <a:tc>
-                  <a:txBody>
-                    <a:bodyPr/>
-                    <a:lstStyle/>
-                    <a:p>
-                      <a:pPr algn="ctr"/>
-                      <a:r>
-                        <a:rPr lang="de-DE" sz="1500" b="1" dirty="0"/>
-                        <a:t>+ </a:t>
-                      </a:r>
-                    </a:p>
-                  </a:txBody>
-                  <a:tcPr/>
-                </a:tc>
-                <a:tc>
-                  <a:txBody>
-                    <a:bodyPr/>
-                    <a:lstStyle/>
-                    <a:p>
-                      <a:pPr algn="ctr"/>
-                      <a:r>
-                        <a:rPr lang="de-DE" sz="1500" b="1" dirty="0" err="1"/>
-                        <a:t>swB</a:t>
-                      </a:r>
-                      <a:endParaRPr lang="de-DE" sz="1500" b="1" dirty="0"/>
-                    </a:p>
-                  </a:txBody>
-                  <a:tcPr/>
-                </a:tc>
-                <a:tc>
-                  <a:txBody>
-                    <a:bodyPr/>
-                    <a:lstStyle/>
-                    <a:p>
-                      <a:pPr algn="ctr"/>
-                      <a:r>
-                        <a:rPr lang="de-DE" sz="1500" b="1" dirty="0"/>
-                        <a:t>+ </a:t>
-                      </a:r>
-                    </a:p>
-                  </a:txBody>
-                  <a:tcPr/>
-                </a:tc>
-                <a:tc>
-                  <a:txBody>
-                    <a:bodyPr/>
-                    <a:lstStyle/>
-                    <a:p>
-                      <a:pPr algn="ctr"/>
-                      <a:r>
-                        <a:rPr lang="de-DE" sz="1500" b="1" dirty="0" err="1"/>
-                        <a:t>swbB</a:t>
-                      </a:r>
-                      <a:endParaRPr lang="de-DE" sz="1500" b="1" dirty="0"/>
-                    </a:p>
-                  </a:txBody>
-                  <a:tcPr/>
-                </a:tc>
-                <a:tc>
-                  <a:txBody>
-                    <a:bodyPr/>
-                    <a:lstStyle/>
-                    <a:p>
-                      <a:pPr algn="ctr"/>
-                      <a:r>
-                        <a:rPr lang="de-DE" sz="1500" b="1" dirty="0">
-                          <a:solidFill>
-                            <a:schemeClr val="bg2">
-                              <a:lumMod val="50000"/>
-                            </a:schemeClr>
-                          </a:solidFill>
-                        </a:rPr>
-                        <a:t>+ </a:t>
-                      </a:r>
-                    </a:p>
-                  </a:txBody>
-                  <a:tcPr/>
-                </a:tc>
-                <a:tc>
-                  <a:txBody>
-                    <a:bodyPr/>
-                    <a:lstStyle/>
-                    <a:p>
-                      <a:pPr algn="ctr"/>
-                      <a:r>
-                        <a:rPr lang="de-DE" sz="1500" b="1" dirty="0" err="1">
-                          <a:solidFill>
-                            <a:schemeClr val="bg2">
-                              <a:lumMod val="50000"/>
-                            </a:schemeClr>
-                          </a:solidFill>
-                        </a:rPr>
-                        <a:t>stB</a:t>
-                      </a:r>
-                      <a:endParaRPr lang="de-DE" sz="1500" b="1" dirty="0">
-                        <a:solidFill>
-                          <a:schemeClr val="bg2">
-                            <a:lumMod val="50000"/>
-                          </a:schemeClr>
-                        </a:solidFill>
-                      </a:endParaRPr>
-                    </a:p>
-                  </a:txBody>
-                  <a:tcPr/>
-                </a:tc>
-                <a:tc>
-                  <a:txBody>
-                    <a:bodyPr/>
-                    <a:lstStyle/>
-                    <a:p>
-                      <a:pPr algn="ctr"/>
-                      <a:r>
-                        <a:rPr lang="de-DE" sz="1500" b="1" dirty="0">
-                          <a:solidFill>
-                            <a:schemeClr val="bg2">
-                              <a:lumMod val="50000"/>
-                            </a:schemeClr>
-                          </a:solidFill>
-                        </a:rPr>
-                        <a:t>+ </a:t>
-                      </a:r>
-                    </a:p>
-                  </a:txBody>
-                  <a:tcPr/>
-                </a:tc>
-                <a:tc>
-                  <a:txBody>
-                    <a:bodyPr/>
-                    <a:lstStyle/>
-                    <a:p>
-                      <a:pPr algn="ctr"/>
-                      <a:r>
-                        <a:rPr lang="de-DE" sz="1500" b="1" dirty="0" err="1">
-                          <a:solidFill>
-                            <a:schemeClr val="bg2">
-                              <a:lumMod val="50000"/>
-                            </a:schemeClr>
-                          </a:solidFill>
-                        </a:rPr>
-                        <a:t>stbB</a:t>
-                      </a:r>
-                      <a:endParaRPr lang="de-DE" sz="1500" b="1" dirty="0">
-                        <a:solidFill>
-                          <a:schemeClr val="bg2">
-                            <a:lumMod val="50000"/>
-                          </a:schemeClr>
-                        </a:solidFill>
-                      </a:endParaRPr>
-                    </a:p>
-                  </a:txBody>
-                  <a:tcPr/>
-                </a:tc>
-                <a:extLst>
-                  <a:ext uri="{0D108BD9-81ED-4DB2-BD59-A6C34878D82A}">
-                    <a16:rowId xmlns:a16="http://schemas.microsoft.com/office/drawing/2014/main" val="1308814329"/>
-                  </a:ext>
-                </a:extLst>
-              </a:tr>
-              <a:tr h="460421">
-                <a:tc>
-                  <a:txBody>
-                    <a:bodyPr/>
-                    <a:lstStyle/>
-                    <a:p>
-                      <a:pPr marL="0" marR="0" lvl="0" indent="0" algn="ctr" defTabSz="685800" rtl="0" eaLnBrk="1" fontAlgn="auto" latinLnBrk="0" hangingPunct="1">
-                        <a:lnSpc>
-                          <a:spcPct val="100000"/>
-                        </a:lnSpc>
-                        <a:spcBef>
-                          <a:spcPts val="0"/>
-                        </a:spcBef>
-                        <a:spcAft>
-                          <a:spcPts val="0"/>
-                        </a:spcAft>
-                        <a:buClrTx/>
-                        <a:buSzTx/>
-                        <a:buFontTx/>
-                        <a:buNone/>
-                        <a:tabLst/>
-                        <a:defRPr/>
-                      </a:pPr>
-                      <a:r>
-                        <a:rPr lang="de-DE" sz="1000" dirty="0" err="1"/>
-                        <a:t>Aboveground</a:t>
-                      </a:r>
-                      <a:r>
-                        <a:rPr lang="de-DE" sz="1000" dirty="0"/>
-                        <a:t> </a:t>
-                      </a:r>
-                      <a:r>
-                        <a:rPr lang="de-DE" sz="1000" dirty="0" err="1"/>
-                        <a:t>biomass</a:t>
-                      </a:r>
-                      <a:r>
-                        <a:rPr lang="de-DE" sz="1000" dirty="0"/>
-                        <a:t> </a:t>
-                      </a:r>
-                      <a:r>
-                        <a:rPr lang="de-DE" sz="1000" dirty="0" err="1"/>
-                        <a:t>calcuated</a:t>
-                      </a:r>
-                      <a:r>
-                        <a:rPr lang="de-DE" sz="1000" dirty="0"/>
-                        <a:t> </a:t>
-                      </a:r>
-                      <a:r>
-                        <a:rPr lang="de-DE" sz="1000" dirty="0" err="1"/>
-                        <a:t>by</a:t>
-                      </a:r>
-                      <a:r>
-                        <a:rPr lang="de-DE" sz="1000" dirty="0"/>
-                        <a:t> GHGI </a:t>
-                      </a:r>
-                      <a:r>
-                        <a:rPr lang="de-DE" sz="1000" dirty="0" err="1"/>
-                        <a:t>functions</a:t>
-                      </a:r>
-                      <a:endParaRPr lang="de-DE" sz="1000" dirty="0">
-                        <a:solidFill>
-                          <a:schemeClr val="bg2">
-                            <a:lumMod val="50000"/>
-                          </a:schemeClr>
-                        </a:solidFill>
-                      </a:endParaRPr>
-                    </a:p>
-                  </a:txBody>
-                  <a:tcPr/>
-                </a:tc>
-                <a:tc>
-                  <a:txBody>
-                    <a:bodyPr/>
-                    <a:lstStyle/>
-                    <a:p>
-                      <a:pPr algn="ctr"/>
-                      <a:endParaRPr lang="de-DE" sz="1000" dirty="0"/>
-                    </a:p>
-                  </a:txBody>
-                  <a:tcPr/>
-                </a:tc>
-                <a:tc gridSpan="2">
-                  <a:txBody>
-                    <a:bodyPr/>
-                    <a:lstStyle/>
-                    <a:p>
-                      <a:pPr algn="ctr"/>
-                      <a:r>
-                        <a:rPr lang="de-DE" sz="1000" dirty="0"/>
-                        <a:t>Nadelmasse (für LH nicht inkl.)</a:t>
-                      </a:r>
-                    </a:p>
-                  </a:txBody>
-                  <a:tcPr/>
-                </a:tc>
-                <a:tc hMerge="1">
-                  <a:txBody>
-                    <a:bodyPr/>
-                    <a:lstStyle/>
-                    <a:p>
-                      <a:endParaRPr lang="de-DE" dirty="0"/>
-                    </a:p>
-                  </a:txBody>
-                  <a:tcPr/>
-                </a:tc>
-                <a:tc gridSpan="2">
-                  <a:txBody>
-                    <a:bodyPr/>
-                    <a:lstStyle/>
-                    <a:p>
-                      <a:pPr algn="ctr"/>
-                      <a:r>
-                        <a:rPr lang="de-DE" sz="1000" dirty="0"/>
-                        <a:t>Nichtderbholz </a:t>
-                      </a:r>
-                    </a:p>
-                    <a:p>
-                      <a:pPr algn="ctr"/>
-                      <a:r>
-                        <a:rPr lang="de-DE" sz="1000" dirty="0"/>
-                        <a:t>inkl. Rinde</a:t>
-                      </a:r>
-                    </a:p>
-                    <a:p>
-                      <a:pPr algn="ctr"/>
-                      <a:endParaRPr lang="de-DE" sz="1000" dirty="0"/>
-                    </a:p>
-                  </a:txBody>
-                  <a:tcPr/>
-                </a:tc>
-                <a:tc hMerge="1">
-                  <a:txBody>
-                    <a:bodyPr/>
-                    <a:lstStyle/>
-                    <a:p>
-                      <a:endParaRPr lang="de-DE" dirty="0"/>
-                    </a:p>
-                  </a:txBody>
-                  <a:tcPr/>
-                </a:tc>
-                <a:tc>
-                  <a:txBody>
-                    <a:bodyPr/>
-                    <a:lstStyle/>
-                    <a:p>
-                      <a:pPr algn="ctr"/>
-                      <a:r>
-                        <a:rPr lang="de-DE" sz="1000" dirty="0"/>
-                        <a:t>Derbholz </a:t>
-                      </a:r>
-                      <a:r>
-                        <a:rPr lang="de-DE" sz="1000" dirty="0" err="1"/>
-                        <a:t>o.R</a:t>
-                      </a:r>
-                      <a:r>
-                        <a:rPr lang="de-DE" sz="1000" dirty="0"/>
-                        <a:t>.</a:t>
-                      </a:r>
-                    </a:p>
-                  </a:txBody>
-                  <a:tcPr/>
-                </a:tc>
-                <a:tc>
-                  <a:txBody>
-                    <a:bodyPr/>
-                    <a:lstStyle/>
-                    <a:p>
-                      <a:pPr algn="ctr"/>
-                      <a:endParaRPr lang="de-DE" sz="1000" dirty="0"/>
-                    </a:p>
-                  </a:txBody>
-                  <a:tcPr/>
-                </a:tc>
-                <a:tc>
-                  <a:txBody>
-                    <a:bodyPr/>
-                    <a:lstStyle/>
-                    <a:p>
-                      <a:pPr algn="ctr"/>
-                      <a:r>
-                        <a:rPr lang="de-DE" sz="1000" dirty="0" err="1"/>
-                        <a:t>Derholzrinde</a:t>
-                      </a:r>
-                      <a:endParaRPr lang="de-DE" sz="1000" dirty="0"/>
-                    </a:p>
-                  </a:txBody>
-                  <a:tcPr/>
-                </a:tc>
-                <a:tc>
-                  <a:txBody>
-                    <a:bodyPr/>
-                    <a:lstStyle/>
-                    <a:p>
-                      <a:pPr algn="ctr"/>
-                      <a:endParaRPr lang="de-DE" sz="1000" dirty="0"/>
-                    </a:p>
-                  </a:txBody>
-                  <a:tcPr/>
-                </a:tc>
-                <a:tc>
-                  <a:txBody>
-                    <a:bodyPr/>
-                    <a:lstStyle/>
-                    <a:p>
-                      <a:pPr algn="ctr"/>
-                      <a:r>
-                        <a:rPr lang="de-DE" sz="1000" dirty="0"/>
-                        <a:t>Stock</a:t>
-                      </a:r>
-                    </a:p>
-                  </a:txBody>
-                  <a:tcPr/>
-                </a:tc>
-                <a:tc>
-                  <a:txBody>
-                    <a:bodyPr/>
-                    <a:lstStyle/>
-                    <a:p>
-                      <a:pPr algn="ctr"/>
-                      <a:endParaRPr lang="de-DE" sz="1000" dirty="0"/>
-                    </a:p>
-                  </a:txBody>
-                  <a:tcPr/>
-                </a:tc>
-                <a:tc>
-                  <a:txBody>
-                    <a:bodyPr/>
-                    <a:lstStyle/>
-                    <a:p>
-                      <a:pPr algn="ctr"/>
-                      <a:r>
-                        <a:rPr lang="de-DE" sz="1000" dirty="0"/>
-                        <a:t>Stockrinde</a:t>
-                      </a:r>
-                    </a:p>
-                  </a:txBody>
-                  <a:tcPr/>
-                </a:tc>
-                <a:extLst>
-                  <a:ext uri="{0D108BD9-81ED-4DB2-BD59-A6C34878D82A}">
-                    <a16:rowId xmlns:a16="http://schemas.microsoft.com/office/drawing/2014/main" val="317469444"/>
-                  </a:ext>
-                </a:extLst>
-              </a:tr>
-            </a:tbl>
-          </a:graphicData>
-        </a:graphic>
-      </p:graphicFrame>
       <p:graphicFrame>
         <p:nvGraphicFramePr>
           <p:cNvPr id="5" name="Tabelle 4">
@@ -21020,271 +20651,6 @@
       </p:graphicFrame>
       <p:sp>
         <p:nvSpPr>
-          <p:cNvPr id="9" name="Geschweifte Klammer rechts 8">
-            <a:extLst>
-              <a:ext uri="{FF2B5EF4-FFF2-40B4-BE49-F238E27FC236}">
-                <a16:creationId xmlns:a16="http://schemas.microsoft.com/office/drawing/2014/main" id="{2943E7B9-8301-4698-9DAA-B8FEF433AF9B}"/>
-              </a:ext>
-            </a:extLst>
-          </p:cNvPr>
-          <p:cNvSpPr/>
-          <p:nvPr/>
-        </p:nvSpPr>
-        <p:spPr>
-          <a:xfrm rot="16200000">
-            <a:off x="5070839" y="-1782070"/>
-            <a:ext cx="293164" cy="7026550"/>
-          </a:xfrm>
-          <a:prstGeom prst="rightBrace">
-            <a:avLst>
-              <a:gd name="adj1" fmla="val 8333"/>
-              <a:gd name="adj2" fmla="val 49294"/>
-            </a:avLst>
-          </a:prstGeom>
-        </p:spPr>
-        <p:style>
-          <a:lnRef idx="1">
-            <a:schemeClr val="accent1"/>
-          </a:lnRef>
-          <a:fillRef idx="0">
-            <a:schemeClr val="accent1"/>
-          </a:fillRef>
-          <a:effectRef idx="0">
-            <a:schemeClr val="accent1"/>
-          </a:effectRef>
-          <a:fontRef idx="minor">
-            <a:schemeClr val="tx1"/>
-          </a:fontRef>
-        </p:style>
-        <p:txBody>
-          <a:bodyPr rtlCol="0" anchor="ctr"/>
-          <a:lstStyle/>
-          <a:p>
-            <a:pPr algn="ctr"/>
-            <a:endParaRPr lang="de-DE"/>
-          </a:p>
-        </p:txBody>
-      </p:sp>
-      <p:sp>
-        <p:nvSpPr>
-          <p:cNvPr id="10" name="Textfeld 9">
-            <a:extLst>
-              <a:ext uri="{FF2B5EF4-FFF2-40B4-BE49-F238E27FC236}">
-                <a16:creationId xmlns:a16="http://schemas.microsoft.com/office/drawing/2014/main" id="{EC96423C-F758-4749-81B1-F1A7F607DEC5}"/>
-              </a:ext>
-            </a:extLst>
-          </p:cNvPr>
-          <p:cNvSpPr txBox="1"/>
-          <p:nvPr/>
-        </p:nvSpPr>
-        <p:spPr>
-          <a:xfrm>
-            <a:off x="3840211" y="1274405"/>
-            <a:ext cx="2993231" cy="281616"/>
-          </a:xfrm>
-          <a:prstGeom prst="rect">
-            <a:avLst/>
-          </a:prstGeom>
-          <a:noFill/>
-        </p:spPr>
-        <p:txBody>
-          <a:bodyPr wrap="square" lIns="0" tIns="0" rIns="0" bIns="0" rtlCol="0">
-            <a:spAutoFit/>
-          </a:bodyPr>
-          <a:lstStyle/>
-          <a:p>
-            <a:pPr marL="0">
-              <a:lnSpc>
-                <a:spcPts val="2400"/>
-              </a:lnSpc>
-              <a:spcAft>
-                <a:spcPts val="1200"/>
-              </a:spcAft>
-            </a:pPr>
-            <a:r>
-              <a:rPr lang="de-DE" sz="1500" dirty="0">
-                <a:solidFill>
-                  <a:schemeClr val="tx2"/>
-                </a:solidFill>
-              </a:rPr>
-              <a:t>External </a:t>
-            </a:r>
-            <a:r>
-              <a:rPr lang="de-DE" sz="1500" dirty="0" err="1">
-                <a:solidFill>
-                  <a:schemeClr val="tx2"/>
-                </a:solidFill>
-              </a:rPr>
-              <a:t>calculated</a:t>
-            </a:r>
-            <a:r>
-              <a:rPr lang="de-DE" sz="1500" dirty="0">
-                <a:solidFill>
-                  <a:schemeClr val="tx2"/>
-                </a:solidFill>
-              </a:rPr>
-              <a:t> </a:t>
-            </a:r>
-            <a:r>
-              <a:rPr lang="de-DE" sz="1500" dirty="0" err="1">
-                <a:solidFill>
-                  <a:schemeClr val="tx2"/>
-                </a:solidFill>
-              </a:rPr>
-              <a:t>compartiments</a:t>
-            </a:r>
-            <a:endParaRPr lang="de-DE" sz="1500" dirty="0">
-              <a:solidFill>
-                <a:schemeClr val="tx2"/>
-              </a:solidFill>
-            </a:endParaRPr>
-          </a:p>
-        </p:txBody>
-      </p:sp>
-      <p:sp>
-        <p:nvSpPr>
-          <p:cNvPr id="11" name="Geschweifte Klammer rechts 10">
-            <a:extLst>
-              <a:ext uri="{FF2B5EF4-FFF2-40B4-BE49-F238E27FC236}">
-                <a16:creationId xmlns:a16="http://schemas.microsoft.com/office/drawing/2014/main" id="{6B81F10E-B51B-49FD-88BE-C3D59A807EA9}"/>
-              </a:ext>
-            </a:extLst>
-          </p:cNvPr>
-          <p:cNvSpPr/>
-          <p:nvPr/>
-        </p:nvSpPr>
-        <p:spPr>
-          <a:xfrm rot="16200000">
-            <a:off x="708071" y="1275467"/>
-            <a:ext cx="293164" cy="989306"/>
-          </a:xfrm>
-          <a:prstGeom prst="rightBrace">
-            <a:avLst>
-              <a:gd name="adj1" fmla="val 8333"/>
-              <a:gd name="adj2" fmla="val 49294"/>
-            </a:avLst>
-          </a:prstGeom>
-        </p:spPr>
-        <p:style>
-          <a:lnRef idx="1">
-            <a:schemeClr val="accent1"/>
-          </a:lnRef>
-          <a:fillRef idx="0">
-            <a:schemeClr val="accent1"/>
-          </a:fillRef>
-          <a:effectRef idx="0">
-            <a:schemeClr val="accent1"/>
-          </a:effectRef>
-          <a:fontRef idx="minor">
-            <a:schemeClr val="tx1"/>
-          </a:fontRef>
-        </p:style>
-        <p:txBody>
-          <a:bodyPr rtlCol="0" anchor="ctr"/>
-          <a:lstStyle/>
-          <a:p>
-            <a:pPr algn="ctr"/>
-            <a:endParaRPr lang="de-DE"/>
-          </a:p>
-        </p:txBody>
-      </p:sp>
-      <p:sp>
-        <p:nvSpPr>
-          <p:cNvPr id="12" name="Textfeld 11">
-            <a:extLst>
-              <a:ext uri="{FF2B5EF4-FFF2-40B4-BE49-F238E27FC236}">
-                <a16:creationId xmlns:a16="http://schemas.microsoft.com/office/drawing/2014/main" id="{4DB98483-2CA9-4C53-BC3B-418190D388CD}"/>
-              </a:ext>
-            </a:extLst>
-          </p:cNvPr>
-          <p:cNvSpPr txBox="1"/>
-          <p:nvPr/>
-        </p:nvSpPr>
-        <p:spPr>
-          <a:xfrm>
-            <a:off x="360000" y="995504"/>
-            <a:ext cx="1530580" cy="589392"/>
-          </a:xfrm>
-          <a:prstGeom prst="rect">
-            <a:avLst/>
-          </a:prstGeom>
-          <a:noFill/>
-        </p:spPr>
-        <p:txBody>
-          <a:bodyPr wrap="square" lIns="0" tIns="0" rIns="0" bIns="0" rtlCol="0">
-            <a:spAutoFit/>
-          </a:bodyPr>
-          <a:lstStyle/>
-          <a:p>
-            <a:pPr marL="0">
-              <a:lnSpc>
-                <a:spcPts val="2400"/>
-              </a:lnSpc>
-              <a:spcAft>
-                <a:spcPts val="1200"/>
-              </a:spcAft>
-            </a:pPr>
-            <a:r>
-              <a:rPr lang="de-DE" sz="1500" dirty="0">
-                <a:solidFill>
-                  <a:schemeClr val="tx2"/>
-                </a:solidFill>
-              </a:rPr>
-              <a:t>Total </a:t>
-            </a:r>
-            <a:r>
-              <a:rPr lang="de-DE" sz="1500" dirty="0" err="1">
-                <a:solidFill>
-                  <a:schemeClr val="tx2"/>
-                </a:solidFill>
-              </a:rPr>
-              <a:t>biomass</a:t>
-            </a:r>
-            <a:r>
-              <a:rPr lang="de-DE" sz="1500" dirty="0">
-                <a:solidFill>
-                  <a:schemeClr val="tx2"/>
-                </a:solidFill>
-              </a:rPr>
-              <a:t> </a:t>
-            </a:r>
-            <a:r>
-              <a:rPr lang="de-DE" sz="1500" dirty="0" err="1">
-                <a:solidFill>
-                  <a:schemeClr val="tx2"/>
-                </a:solidFill>
-              </a:rPr>
-              <a:t>calcualted</a:t>
-            </a:r>
-            <a:r>
-              <a:rPr lang="de-DE" sz="1500" dirty="0">
-                <a:solidFill>
-                  <a:schemeClr val="tx2"/>
-                </a:solidFill>
-              </a:rPr>
-              <a:t> </a:t>
-            </a:r>
-            <a:r>
-              <a:rPr lang="de-DE" sz="1500" dirty="0" err="1">
-                <a:solidFill>
-                  <a:schemeClr val="tx2"/>
-                </a:solidFill>
-              </a:rPr>
-              <a:t>by</a:t>
-            </a:r>
-            <a:r>
-              <a:rPr lang="de-DE" sz="1500" dirty="0">
-                <a:solidFill>
-                  <a:schemeClr val="tx2"/>
-                </a:solidFill>
-              </a:rPr>
-              <a:t> GHGI</a:t>
-            </a:r>
-          </a:p>
-        </p:txBody>
-      </p:sp>
-      <p:sp>
-        <p:nvSpPr>
           <p:cNvPr id="3" name="Rechteck 2">
             <a:extLst>
               <a:ext uri="{FF2B5EF4-FFF2-40B4-BE49-F238E27FC236}">
@@ -21378,70 +20744,12 @@
           </a:fontRef>
         </p:style>
       </p:cxnSp>
-    </p:spTree>
-    <p:extLst>
-      <p:ext uri="{BB962C8B-B14F-4D97-AF65-F5344CB8AC3E}">
-        <p14:creationId xmlns:p14="http://schemas.microsoft.com/office/powerpoint/2010/main" val="3335968055"/>
-      </p:ext>
-    </p:extLst>
-  </p:cSld>
-  <p:clrMapOvr>
-    <a:masterClrMapping/>
-  </p:clrMapOvr>
-</p:sld>
-</file>
-
-<file path=ppt/slides/slide12.xml><?xml version="1.0" encoding="utf-8"?>
-<p:sld xmlns:a="http://schemas.openxmlformats.org/drawingml/2006/main" xmlns:r="http://schemas.openxmlformats.org/officeDocument/2006/relationships" xmlns:p="http://schemas.openxmlformats.org/presentationml/2006/main">
-  <p:cSld>
-    <p:spTree>
-      <p:nvGrpSpPr>
-        <p:cNvPr id="1" name=""/>
-        <p:cNvGrpSpPr/>
-        <p:nvPr/>
-      </p:nvGrpSpPr>
-      <p:grpSpPr>
-        <a:xfrm>
-          <a:off x="0" y="0"/>
-          <a:ext cx="0" cy="0"/>
-          <a:chOff x="0" y="0"/>
-          <a:chExt cx="0" cy="0"/>
-        </a:xfrm>
-      </p:grpSpPr>
-      <p:sp>
-        <p:nvSpPr>
-          <p:cNvPr id="2" name="Titel 1">
+      <p:graphicFrame>
+        <p:nvGraphicFramePr>
+          <p:cNvPr id="19" name="Tabelle 18">
             <a:extLst>
               <a:ext uri="{FF2B5EF4-FFF2-40B4-BE49-F238E27FC236}">
-                <a16:creationId xmlns:a16="http://schemas.microsoft.com/office/drawing/2014/main" id="{B46450EE-5D92-410B-B4EF-8D24367C487B}"/>
-              </a:ext>
-            </a:extLst>
-          </p:cNvPr>
-          <p:cNvSpPr>
-            <a:spLocks noGrp="1"/>
-          </p:cNvSpPr>
-          <p:nvPr>
-            <p:ph type="title"/>
-          </p:nvPr>
-        </p:nvSpPr>
-        <p:spPr/>
-        <p:txBody>
-          <a:bodyPr/>
-          <a:lstStyle/>
-          <a:p>
-            <a:r>
-              <a:rPr lang="de-DE" dirty="0"/>
-              <a:t>Berechnung</a:t>
-            </a:r>
-          </a:p>
-        </p:txBody>
-      </p:sp>
-      <p:graphicFrame>
-        <p:nvGraphicFramePr>
-          <p:cNvPr id="4" name="Tabelle 3">
-            <a:extLst>
-              <a:ext uri="{FF2B5EF4-FFF2-40B4-BE49-F238E27FC236}">
-                <a16:creationId xmlns:a16="http://schemas.microsoft.com/office/drawing/2014/main" id="{77FF56CB-F0D2-4AC3-B3BE-66CDB7107EBE}"/>
+                <a16:creationId xmlns:a16="http://schemas.microsoft.com/office/drawing/2014/main" id="{83BA01E4-3830-4CD5-BAC7-E3D5744AFB39}"/>
               </a:ext>
             </a:extLst>
           </p:cNvPr>
@@ -21449,12 +20757,16 @@
             <a:graphicFrameLocks noGrp="1"/>
           </p:cNvGraphicFramePr>
           <p:nvPr>
-            <p:extLst/>
+            <p:extLst>
+              <p:ext uri="{D42A27DB-BD31-4B8C-83A1-F6EECF244321}">
+                <p14:modId xmlns:p14="http://schemas.microsoft.com/office/powerpoint/2010/main" val="3497243029"/>
+              </p:ext>
+            </p:extLst>
           </p:nvPr>
         </p:nvGraphicFramePr>
         <p:xfrm>
           <a:off x="258363" y="1770120"/>
-          <a:ext cx="8591739" cy="868680"/>
+          <a:ext cx="8591739" cy="1021080"/>
         </p:xfrm>
         <a:graphic>
           <a:graphicData uri="http://schemas.openxmlformats.org/drawingml/2006/table">
@@ -21882,6 +21194,14 @@
                     <a:p>
                       <a:pPr algn="ctr"/>
                       <a:r>
+                        <a:rPr lang="de-DE" sz="1000" dirty="0" err="1"/>
+                        <a:t>foliage</a:t>
+                      </a:r>
+                      <a:endParaRPr lang="de-DE" sz="1000" dirty="0"/>
+                    </a:p>
+                    <a:p>
+                      <a:pPr algn="ctr"/>
+                      <a:r>
                         <a:rPr lang="de-DE" sz="1000" dirty="0"/>
                         <a:t>Nadelmasse (für LH nicht inkl.)</a:t>
                       </a:r>
@@ -21906,6 +21226,30 @@
                     <a:p>
                       <a:pPr algn="ctr"/>
                       <a:r>
+                        <a:rPr lang="de-DE" sz="1000" dirty="0" err="1"/>
+                        <a:t>fine</a:t>
+                      </a:r>
+                      <a:r>
+                        <a:rPr lang="de-DE" sz="1000" dirty="0"/>
+                        <a:t> </a:t>
+                      </a:r>
+                      <a:r>
+                        <a:rPr lang="de-DE" sz="1000" dirty="0" err="1"/>
+                        <a:t>wood</a:t>
+                      </a:r>
+                      <a:r>
+                        <a:rPr lang="de-DE" sz="1000" dirty="0"/>
+                        <a:t> incl. </a:t>
+                      </a:r>
+                      <a:r>
+                        <a:rPr lang="de-DE" sz="1000" dirty="0" err="1"/>
+                        <a:t>bark</a:t>
+                      </a:r>
+                      <a:endParaRPr lang="de-DE" sz="1000" dirty="0"/>
+                    </a:p>
+                    <a:p>
+                      <a:pPr algn="ctr"/>
+                      <a:r>
                         <a:rPr lang="de-DE" sz="1000" dirty="0"/>
                         <a:t>Nichtderbholz </a:t>
                       </a:r>
@@ -21942,6 +21286,29 @@
                       <a:pPr algn="ctr"/>
                       <a:r>
                         <a:rPr lang="de-DE" sz="1000" dirty="0"/>
+                        <a:t>Solid </a:t>
+                      </a:r>
+                      <a:r>
+                        <a:rPr lang="de-DE" sz="1000" dirty="0" err="1"/>
+                        <a:t>wood</a:t>
+                      </a:r>
+                      <a:r>
+                        <a:rPr lang="de-DE" sz="1000" dirty="0"/>
+                        <a:t> </a:t>
+                      </a:r>
+                      <a:r>
+                        <a:rPr lang="de-DE" sz="1000" dirty="0" err="1"/>
+                        <a:t>w.b</a:t>
+                      </a:r>
+                      <a:r>
+                        <a:rPr lang="de-DE" sz="1000" dirty="0"/>
+                        <a:t>.</a:t>
+                      </a:r>
+                    </a:p>
+                    <a:p>
+                      <a:pPr algn="ctr"/>
+                      <a:r>
+                        <a:rPr lang="de-DE" sz="1000" dirty="0"/>
                         <a:t>Derbholz </a:t>
                       </a:r>
                       <a:r>
@@ -21975,6 +21342,30 @@
                       <a:pPr algn="ctr"/>
                       <a:r>
                         <a:rPr lang="de-DE" sz="1000" dirty="0" err="1"/>
+                        <a:t>bark</a:t>
+                      </a:r>
+                      <a:r>
+                        <a:rPr lang="de-DE" sz="1000" dirty="0"/>
+                        <a:t> </a:t>
+                      </a:r>
+                      <a:r>
+                        <a:rPr lang="de-DE" sz="1000" dirty="0" err="1"/>
+                        <a:t>of</a:t>
+                      </a:r>
+                      <a:r>
+                        <a:rPr lang="de-DE" sz="1000" dirty="0"/>
+                        <a:t> solid </a:t>
+                      </a:r>
+                      <a:r>
+                        <a:rPr lang="de-DE" sz="1000" dirty="0" err="1"/>
+                        <a:t>wood</a:t>
+                      </a:r>
+                      <a:endParaRPr lang="de-DE" sz="1000" dirty="0"/>
+                    </a:p>
+                    <a:p>
+                      <a:pPr algn="ctr"/>
+                      <a:r>
+                        <a:rPr lang="de-DE" sz="1000" dirty="0" err="1"/>
                         <a:t>Derholzrinde</a:t>
                       </a:r>
                       <a:endParaRPr lang="de-DE" sz="1000" dirty="0"/>
@@ -21997,6 +21388,14 @@
                   <a:txBody>
                     <a:bodyPr/>
                     <a:lstStyle/>
+                    <a:p>
+                      <a:pPr algn="ctr"/>
+                      <a:r>
+                        <a:rPr lang="de-DE" sz="1000" dirty="0" err="1"/>
+                        <a:t>stump</a:t>
+                      </a:r>
+                      <a:endParaRPr lang="de-DE" sz="1000" dirty="0"/>
+                    </a:p>
                     <a:p>
                       <a:pPr algn="ctr"/>
                       <a:r>
@@ -22022,6 +21421,22 @@
                   <a:txBody>
                     <a:bodyPr/>
                     <a:lstStyle/>
+                    <a:p>
+                      <a:pPr algn="ctr"/>
+                      <a:r>
+                        <a:rPr lang="de-DE" sz="1000" dirty="0" err="1"/>
+                        <a:t>bark</a:t>
+                      </a:r>
+                      <a:r>
+                        <a:rPr lang="de-DE" sz="1000" dirty="0"/>
+                        <a:t> ob </a:t>
+                      </a:r>
+                      <a:r>
+                        <a:rPr lang="de-DE" sz="1000" dirty="0" err="1"/>
+                        <a:t>stump</a:t>
+                      </a:r>
+                      <a:endParaRPr lang="de-DE" sz="1000" dirty="0"/>
+                    </a:p>
                     <a:p>
                       <a:pPr algn="ctr"/>
                       <a:r>
@@ -22042,6 +21457,329 @@
           </a:graphicData>
         </a:graphic>
       </p:graphicFrame>
+      <p:sp>
+        <p:nvSpPr>
+          <p:cNvPr id="20" name="Geschweifte Klammer rechts 19">
+            <a:extLst>
+              <a:ext uri="{FF2B5EF4-FFF2-40B4-BE49-F238E27FC236}">
+                <a16:creationId xmlns:a16="http://schemas.microsoft.com/office/drawing/2014/main" id="{54BD39DF-99B2-4BE4-B47E-0AE30E2340B2}"/>
+              </a:ext>
+            </a:extLst>
+          </p:cNvPr>
+          <p:cNvSpPr/>
+          <p:nvPr/>
+        </p:nvSpPr>
+        <p:spPr>
+          <a:xfrm rot="16200000">
+            <a:off x="5070839" y="-1782070"/>
+            <a:ext cx="293164" cy="7026550"/>
+          </a:xfrm>
+          <a:prstGeom prst="rightBrace">
+            <a:avLst>
+              <a:gd name="adj1" fmla="val 8333"/>
+              <a:gd name="adj2" fmla="val 49294"/>
+            </a:avLst>
+          </a:prstGeom>
+        </p:spPr>
+        <p:style>
+          <a:lnRef idx="1">
+            <a:schemeClr val="accent1"/>
+          </a:lnRef>
+          <a:fillRef idx="0">
+            <a:schemeClr val="accent1"/>
+          </a:fillRef>
+          <a:effectRef idx="0">
+            <a:schemeClr val="accent1"/>
+          </a:effectRef>
+          <a:fontRef idx="minor">
+            <a:schemeClr val="tx1"/>
+          </a:fontRef>
+        </p:style>
+        <p:txBody>
+          <a:bodyPr rtlCol="0" anchor="ctr"/>
+          <a:lstStyle/>
+          <a:p>
+            <a:pPr algn="ctr"/>
+            <a:endParaRPr lang="de-DE"/>
+          </a:p>
+        </p:txBody>
+      </p:sp>
+      <p:sp>
+        <p:nvSpPr>
+          <p:cNvPr id="21" name="Textfeld 20">
+            <a:extLst>
+              <a:ext uri="{FF2B5EF4-FFF2-40B4-BE49-F238E27FC236}">
+                <a16:creationId xmlns:a16="http://schemas.microsoft.com/office/drawing/2014/main" id="{BEEA226F-0583-422C-B555-305BBA0255BF}"/>
+              </a:ext>
+            </a:extLst>
+          </p:cNvPr>
+          <p:cNvSpPr txBox="1"/>
+          <p:nvPr/>
+        </p:nvSpPr>
+        <p:spPr>
+          <a:xfrm>
+            <a:off x="3840211" y="1274405"/>
+            <a:ext cx="2993231" cy="281616"/>
+          </a:xfrm>
+          <a:prstGeom prst="rect">
+            <a:avLst/>
+          </a:prstGeom>
+          <a:noFill/>
+        </p:spPr>
+        <p:txBody>
+          <a:bodyPr wrap="square" lIns="0" tIns="0" rIns="0" bIns="0" rtlCol="0">
+            <a:spAutoFit/>
+          </a:bodyPr>
+          <a:lstStyle/>
+          <a:p>
+            <a:pPr marL="0">
+              <a:lnSpc>
+                <a:spcPts val="2400"/>
+              </a:lnSpc>
+              <a:spcAft>
+                <a:spcPts val="1200"/>
+              </a:spcAft>
+            </a:pPr>
+            <a:r>
+              <a:rPr lang="de-DE" sz="1500" dirty="0">
+                <a:solidFill>
+                  <a:schemeClr val="tx2"/>
+                </a:solidFill>
+              </a:rPr>
+              <a:t>External </a:t>
+            </a:r>
+            <a:r>
+              <a:rPr lang="de-DE" sz="1500" dirty="0" err="1">
+                <a:solidFill>
+                  <a:schemeClr val="tx2"/>
+                </a:solidFill>
+              </a:rPr>
+              <a:t>calculated</a:t>
+            </a:r>
+            <a:r>
+              <a:rPr lang="de-DE" sz="1500" dirty="0">
+                <a:solidFill>
+                  <a:schemeClr val="tx2"/>
+                </a:solidFill>
+              </a:rPr>
+              <a:t> </a:t>
+            </a:r>
+            <a:r>
+              <a:rPr lang="de-DE" sz="1500" dirty="0" err="1">
+                <a:solidFill>
+                  <a:schemeClr val="tx2"/>
+                </a:solidFill>
+              </a:rPr>
+              <a:t>compartiments</a:t>
+            </a:r>
+            <a:endParaRPr lang="de-DE" sz="1500" dirty="0">
+              <a:solidFill>
+                <a:schemeClr val="tx2"/>
+              </a:solidFill>
+            </a:endParaRPr>
+          </a:p>
+        </p:txBody>
+      </p:sp>
+      <p:sp>
+        <p:nvSpPr>
+          <p:cNvPr id="22" name="Geschweifte Klammer rechts 21">
+            <a:extLst>
+              <a:ext uri="{FF2B5EF4-FFF2-40B4-BE49-F238E27FC236}">
+                <a16:creationId xmlns:a16="http://schemas.microsoft.com/office/drawing/2014/main" id="{0378A2F7-74A6-4358-ABAD-5222A1AEA638}"/>
+              </a:ext>
+            </a:extLst>
+          </p:cNvPr>
+          <p:cNvSpPr/>
+          <p:nvPr/>
+        </p:nvSpPr>
+        <p:spPr>
+          <a:xfrm rot="16200000">
+            <a:off x="708071" y="1275467"/>
+            <a:ext cx="293164" cy="989306"/>
+          </a:xfrm>
+          <a:prstGeom prst="rightBrace">
+            <a:avLst>
+              <a:gd name="adj1" fmla="val 8333"/>
+              <a:gd name="adj2" fmla="val 49294"/>
+            </a:avLst>
+          </a:prstGeom>
+        </p:spPr>
+        <p:style>
+          <a:lnRef idx="1">
+            <a:schemeClr val="accent1"/>
+          </a:lnRef>
+          <a:fillRef idx="0">
+            <a:schemeClr val="accent1"/>
+          </a:fillRef>
+          <a:effectRef idx="0">
+            <a:schemeClr val="accent1"/>
+          </a:effectRef>
+          <a:fontRef idx="minor">
+            <a:schemeClr val="tx1"/>
+          </a:fontRef>
+        </p:style>
+        <p:txBody>
+          <a:bodyPr rtlCol="0" anchor="ctr"/>
+          <a:lstStyle/>
+          <a:p>
+            <a:pPr algn="ctr"/>
+            <a:endParaRPr lang="de-DE"/>
+          </a:p>
+        </p:txBody>
+      </p:sp>
+      <p:sp>
+        <p:nvSpPr>
+          <p:cNvPr id="23" name="Textfeld 22">
+            <a:extLst>
+              <a:ext uri="{FF2B5EF4-FFF2-40B4-BE49-F238E27FC236}">
+                <a16:creationId xmlns:a16="http://schemas.microsoft.com/office/drawing/2014/main" id="{8EC71716-E82A-4D92-B8ED-1809D9B7AF29}"/>
+              </a:ext>
+            </a:extLst>
+          </p:cNvPr>
+          <p:cNvSpPr txBox="1"/>
+          <p:nvPr/>
+        </p:nvSpPr>
+        <p:spPr>
+          <a:xfrm>
+            <a:off x="360000" y="995504"/>
+            <a:ext cx="1530580" cy="589392"/>
+          </a:xfrm>
+          <a:prstGeom prst="rect">
+            <a:avLst/>
+          </a:prstGeom>
+          <a:noFill/>
+        </p:spPr>
+        <p:txBody>
+          <a:bodyPr wrap="square" lIns="0" tIns="0" rIns="0" bIns="0" rtlCol="0">
+            <a:spAutoFit/>
+          </a:bodyPr>
+          <a:lstStyle/>
+          <a:p>
+            <a:pPr marL="0">
+              <a:lnSpc>
+                <a:spcPts val="2400"/>
+              </a:lnSpc>
+              <a:spcAft>
+                <a:spcPts val="1200"/>
+              </a:spcAft>
+            </a:pPr>
+            <a:r>
+              <a:rPr lang="de-DE" sz="1500" dirty="0">
+                <a:solidFill>
+                  <a:schemeClr val="tx2"/>
+                </a:solidFill>
+              </a:rPr>
+              <a:t>Total </a:t>
+            </a:r>
+            <a:r>
+              <a:rPr lang="de-DE" sz="1500" dirty="0" err="1">
+                <a:solidFill>
+                  <a:schemeClr val="tx2"/>
+                </a:solidFill>
+              </a:rPr>
+              <a:t>biomass</a:t>
+            </a:r>
+            <a:r>
+              <a:rPr lang="de-DE" sz="1500" dirty="0">
+                <a:solidFill>
+                  <a:schemeClr val="tx2"/>
+                </a:solidFill>
+              </a:rPr>
+              <a:t> </a:t>
+            </a:r>
+            <a:r>
+              <a:rPr lang="de-DE" sz="1500" dirty="0" err="1">
+                <a:solidFill>
+                  <a:schemeClr val="tx2"/>
+                </a:solidFill>
+              </a:rPr>
+              <a:t>calcualted</a:t>
+            </a:r>
+            <a:r>
+              <a:rPr lang="de-DE" sz="1500" dirty="0">
+                <a:solidFill>
+                  <a:schemeClr val="tx2"/>
+                </a:solidFill>
+              </a:rPr>
+              <a:t> </a:t>
+            </a:r>
+            <a:r>
+              <a:rPr lang="de-DE" sz="1500" dirty="0" err="1">
+                <a:solidFill>
+                  <a:schemeClr val="tx2"/>
+                </a:solidFill>
+              </a:rPr>
+              <a:t>by</a:t>
+            </a:r>
+            <a:r>
+              <a:rPr lang="de-DE" sz="1500" dirty="0">
+                <a:solidFill>
+                  <a:schemeClr val="tx2"/>
+                </a:solidFill>
+              </a:rPr>
+              <a:t> GHGI</a:t>
+            </a:r>
+          </a:p>
+        </p:txBody>
+      </p:sp>
+    </p:spTree>
+    <p:extLst>
+      <p:ext uri="{BB962C8B-B14F-4D97-AF65-F5344CB8AC3E}">
+        <p14:creationId xmlns:p14="http://schemas.microsoft.com/office/powerpoint/2010/main" val="3335968055"/>
+      </p:ext>
+    </p:extLst>
+  </p:cSld>
+  <p:clrMapOvr>
+    <a:masterClrMapping/>
+  </p:clrMapOvr>
+</p:sld>
+</file>
+
+<file path=ppt/slides/slide12.xml><?xml version="1.0" encoding="utf-8"?>
+<p:sld xmlns:a="http://schemas.openxmlformats.org/drawingml/2006/main" xmlns:r="http://schemas.openxmlformats.org/officeDocument/2006/relationships" xmlns:p="http://schemas.openxmlformats.org/presentationml/2006/main">
+  <p:cSld>
+    <p:spTree>
+      <p:nvGrpSpPr>
+        <p:cNvPr id="1" name=""/>
+        <p:cNvGrpSpPr/>
+        <p:nvPr/>
+      </p:nvGrpSpPr>
+      <p:grpSpPr>
+        <a:xfrm>
+          <a:off x="0" y="0"/>
+          <a:ext cx="0" cy="0"/>
+          <a:chOff x="0" y="0"/>
+          <a:chExt cx="0" cy="0"/>
+        </a:xfrm>
+      </p:grpSpPr>
+      <p:sp>
+        <p:nvSpPr>
+          <p:cNvPr id="2" name="Titel 1">
+            <a:extLst>
+              <a:ext uri="{FF2B5EF4-FFF2-40B4-BE49-F238E27FC236}">
+                <a16:creationId xmlns:a16="http://schemas.microsoft.com/office/drawing/2014/main" id="{B46450EE-5D92-410B-B4EF-8D24367C487B}"/>
+              </a:ext>
+            </a:extLst>
+          </p:cNvPr>
+          <p:cNvSpPr>
+            <a:spLocks noGrp="1"/>
+          </p:cNvSpPr>
+          <p:nvPr>
+            <p:ph type="title"/>
+          </p:nvPr>
+        </p:nvSpPr>
+        <p:spPr/>
+        <p:txBody>
+          <a:bodyPr/>
+          <a:lstStyle/>
+          <a:p>
+            <a:r>
+              <a:rPr lang="de-DE" dirty="0"/>
+              <a:t>Berechnung</a:t>
+            </a:r>
+          </a:p>
+        </p:txBody>
+      </p:sp>
       <p:graphicFrame>
         <p:nvGraphicFramePr>
           <p:cNvPr id="5" name="Tabelle 4">
@@ -24133,271 +23871,6 @@
       </p:graphicFrame>
       <p:sp>
         <p:nvSpPr>
-          <p:cNvPr id="9" name="Geschweifte Klammer rechts 8">
-            <a:extLst>
-              <a:ext uri="{FF2B5EF4-FFF2-40B4-BE49-F238E27FC236}">
-                <a16:creationId xmlns:a16="http://schemas.microsoft.com/office/drawing/2014/main" id="{2943E7B9-8301-4698-9DAA-B8FEF433AF9B}"/>
-              </a:ext>
-            </a:extLst>
-          </p:cNvPr>
-          <p:cNvSpPr/>
-          <p:nvPr/>
-        </p:nvSpPr>
-        <p:spPr>
-          <a:xfrm rot="16200000">
-            <a:off x="5070839" y="-1782070"/>
-            <a:ext cx="293164" cy="7026550"/>
-          </a:xfrm>
-          <a:prstGeom prst="rightBrace">
-            <a:avLst>
-              <a:gd name="adj1" fmla="val 8333"/>
-              <a:gd name="adj2" fmla="val 49294"/>
-            </a:avLst>
-          </a:prstGeom>
-        </p:spPr>
-        <p:style>
-          <a:lnRef idx="1">
-            <a:schemeClr val="accent1"/>
-          </a:lnRef>
-          <a:fillRef idx="0">
-            <a:schemeClr val="accent1"/>
-          </a:fillRef>
-          <a:effectRef idx="0">
-            <a:schemeClr val="accent1"/>
-          </a:effectRef>
-          <a:fontRef idx="minor">
-            <a:schemeClr val="tx1"/>
-          </a:fontRef>
-        </p:style>
-        <p:txBody>
-          <a:bodyPr rtlCol="0" anchor="ctr"/>
-          <a:lstStyle/>
-          <a:p>
-            <a:pPr algn="ctr"/>
-            <a:endParaRPr lang="de-DE"/>
-          </a:p>
-        </p:txBody>
-      </p:sp>
-      <p:sp>
-        <p:nvSpPr>
-          <p:cNvPr id="10" name="Textfeld 9">
-            <a:extLst>
-              <a:ext uri="{FF2B5EF4-FFF2-40B4-BE49-F238E27FC236}">
-                <a16:creationId xmlns:a16="http://schemas.microsoft.com/office/drawing/2014/main" id="{EC96423C-F758-4749-81B1-F1A7F607DEC5}"/>
-              </a:ext>
-            </a:extLst>
-          </p:cNvPr>
-          <p:cNvSpPr txBox="1"/>
-          <p:nvPr/>
-        </p:nvSpPr>
-        <p:spPr>
-          <a:xfrm>
-            <a:off x="3840211" y="1274405"/>
-            <a:ext cx="2993231" cy="281616"/>
-          </a:xfrm>
-          <a:prstGeom prst="rect">
-            <a:avLst/>
-          </a:prstGeom>
-          <a:noFill/>
-        </p:spPr>
-        <p:txBody>
-          <a:bodyPr wrap="square" lIns="0" tIns="0" rIns="0" bIns="0" rtlCol="0">
-            <a:spAutoFit/>
-          </a:bodyPr>
-          <a:lstStyle/>
-          <a:p>
-            <a:pPr marL="0">
-              <a:lnSpc>
-                <a:spcPts val="2400"/>
-              </a:lnSpc>
-              <a:spcAft>
-                <a:spcPts val="1200"/>
-              </a:spcAft>
-            </a:pPr>
-            <a:r>
-              <a:rPr lang="de-DE" sz="1500" dirty="0">
-                <a:solidFill>
-                  <a:schemeClr val="tx2"/>
-                </a:solidFill>
-              </a:rPr>
-              <a:t>External </a:t>
-            </a:r>
-            <a:r>
-              <a:rPr lang="de-DE" sz="1500" dirty="0" err="1">
-                <a:solidFill>
-                  <a:schemeClr val="tx2"/>
-                </a:solidFill>
-              </a:rPr>
-              <a:t>calculated</a:t>
-            </a:r>
-            <a:r>
-              <a:rPr lang="de-DE" sz="1500" dirty="0">
-                <a:solidFill>
-                  <a:schemeClr val="tx2"/>
-                </a:solidFill>
-              </a:rPr>
-              <a:t> </a:t>
-            </a:r>
-            <a:r>
-              <a:rPr lang="de-DE" sz="1500" dirty="0" err="1">
-                <a:solidFill>
-                  <a:schemeClr val="tx2"/>
-                </a:solidFill>
-              </a:rPr>
-              <a:t>compartiments</a:t>
-            </a:r>
-            <a:endParaRPr lang="de-DE" sz="1500" dirty="0">
-              <a:solidFill>
-                <a:schemeClr val="tx2"/>
-              </a:solidFill>
-            </a:endParaRPr>
-          </a:p>
-        </p:txBody>
-      </p:sp>
-      <p:sp>
-        <p:nvSpPr>
-          <p:cNvPr id="11" name="Geschweifte Klammer rechts 10">
-            <a:extLst>
-              <a:ext uri="{FF2B5EF4-FFF2-40B4-BE49-F238E27FC236}">
-                <a16:creationId xmlns:a16="http://schemas.microsoft.com/office/drawing/2014/main" id="{6B81F10E-B51B-49FD-88BE-C3D59A807EA9}"/>
-              </a:ext>
-            </a:extLst>
-          </p:cNvPr>
-          <p:cNvSpPr/>
-          <p:nvPr/>
-        </p:nvSpPr>
-        <p:spPr>
-          <a:xfrm rot="16200000">
-            <a:off x="708071" y="1275467"/>
-            <a:ext cx="293164" cy="989306"/>
-          </a:xfrm>
-          <a:prstGeom prst="rightBrace">
-            <a:avLst>
-              <a:gd name="adj1" fmla="val 8333"/>
-              <a:gd name="adj2" fmla="val 49294"/>
-            </a:avLst>
-          </a:prstGeom>
-        </p:spPr>
-        <p:style>
-          <a:lnRef idx="1">
-            <a:schemeClr val="accent1"/>
-          </a:lnRef>
-          <a:fillRef idx="0">
-            <a:schemeClr val="accent1"/>
-          </a:fillRef>
-          <a:effectRef idx="0">
-            <a:schemeClr val="accent1"/>
-          </a:effectRef>
-          <a:fontRef idx="minor">
-            <a:schemeClr val="tx1"/>
-          </a:fontRef>
-        </p:style>
-        <p:txBody>
-          <a:bodyPr rtlCol="0" anchor="ctr"/>
-          <a:lstStyle/>
-          <a:p>
-            <a:pPr algn="ctr"/>
-            <a:endParaRPr lang="de-DE"/>
-          </a:p>
-        </p:txBody>
-      </p:sp>
-      <p:sp>
-        <p:nvSpPr>
-          <p:cNvPr id="12" name="Textfeld 11">
-            <a:extLst>
-              <a:ext uri="{FF2B5EF4-FFF2-40B4-BE49-F238E27FC236}">
-                <a16:creationId xmlns:a16="http://schemas.microsoft.com/office/drawing/2014/main" id="{4DB98483-2CA9-4C53-BC3B-418190D388CD}"/>
-              </a:ext>
-            </a:extLst>
-          </p:cNvPr>
-          <p:cNvSpPr txBox="1"/>
-          <p:nvPr/>
-        </p:nvSpPr>
-        <p:spPr>
-          <a:xfrm>
-            <a:off x="360000" y="995504"/>
-            <a:ext cx="1530580" cy="589392"/>
-          </a:xfrm>
-          <a:prstGeom prst="rect">
-            <a:avLst/>
-          </a:prstGeom>
-          <a:noFill/>
-        </p:spPr>
-        <p:txBody>
-          <a:bodyPr wrap="square" lIns="0" tIns="0" rIns="0" bIns="0" rtlCol="0">
-            <a:spAutoFit/>
-          </a:bodyPr>
-          <a:lstStyle/>
-          <a:p>
-            <a:pPr marL="0">
-              <a:lnSpc>
-                <a:spcPts val="2400"/>
-              </a:lnSpc>
-              <a:spcAft>
-                <a:spcPts val="1200"/>
-              </a:spcAft>
-            </a:pPr>
-            <a:r>
-              <a:rPr lang="de-DE" sz="1500" dirty="0">
-                <a:solidFill>
-                  <a:schemeClr val="tx2"/>
-                </a:solidFill>
-              </a:rPr>
-              <a:t>Total </a:t>
-            </a:r>
-            <a:r>
-              <a:rPr lang="de-DE" sz="1500" dirty="0" err="1">
-                <a:solidFill>
-                  <a:schemeClr val="tx2"/>
-                </a:solidFill>
-              </a:rPr>
-              <a:t>biomass</a:t>
-            </a:r>
-            <a:r>
-              <a:rPr lang="de-DE" sz="1500" dirty="0">
-                <a:solidFill>
-                  <a:schemeClr val="tx2"/>
-                </a:solidFill>
-              </a:rPr>
-              <a:t> </a:t>
-            </a:r>
-            <a:r>
-              <a:rPr lang="de-DE" sz="1500" dirty="0" err="1">
-                <a:solidFill>
-                  <a:schemeClr val="tx2"/>
-                </a:solidFill>
-              </a:rPr>
-              <a:t>calcualted</a:t>
-            </a:r>
-            <a:r>
-              <a:rPr lang="de-DE" sz="1500" dirty="0">
-                <a:solidFill>
-                  <a:schemeClr val="tx2"/>
-                </a:solidFill>
-              </a:rPr>
-              <a:t> </a:t>
-            </a:r>
-            <a:r>
-              <a:rPr lang="de-DE" sz="1500" dirty="0" err="1">
-                <a:solidFill>
-                  <a:schemeClr val="tx2"/>
-                </a:solidFill>
-              </a:rPr>
-              <a:t>by</a:t>
-            </a:r>
-            <a:r>
-              <a:rPr lang="de-DE" sz="1500" dirty="0">
-                <a:solidFill>
-                  <a:schemeClr val="tx2"/>
-                </a:solidFill>
-              </a:rPr>
-              <a:t> GHGI</a:t>
-            </a:r>
-          </a:p>
-        </p:txBody>
-      </p:sp>
-      <p:sp>
-        <p:nvSpPr>
           <p:cNvPr id="3" name="Rechteck 2">
             <a:extLst>
               <a:ext uri="{FF2B5EF4-FFF2-40B4-BE49-F238E27FC236}">
@@ -24491,70 +23964,12 @@
           </a:fontRef>
         </p:style>
       </p:cxnSp>
-    </p:spTree>
-    <p:extLst>
-      <p:ext uri="{BB962C8B-B14F-4D97-AF65-F5344CB8AC3E}">
-        <p14:creationId xmlns:p14="http://schemas.microsoft.com/office/powerpoint/2010/main" val="1255984047"/>
-      </p:ext>
-    </p:extLst>
-  </p:cSld>
-  <p:clrMapOvr>
-    <a:masterClrMapping/>
-  </p:clrMapOvr>
-</p:sld>
-</file>
-
-<file path=ppt/slides/slide13.xml><?xml version="1.0" encoding="utf-8"?>
-<p:sld xmlns:a="http://schemas.openxmlformats.org/drawingml/2006/main" xmlns:r="http://schemas.openxmlformats.org/officeDocument/2006/relationships" xmlns:p="http://schemas.openxmlformats.org/presentationml/2006/main">
-  <p:cSld>
-    <p:spTree>
-      <p:nvGrpSpPr>
-        <p:cNvPr id="1" name=""/>
-        <p:cNvGrpSpPr/>
-        <p:nvPr/>
-      </p:nvGrpSpPr>
-      <p:grpSpPr>
-        <a:xfrm>
-          <a:off x="0" y="0"/>
-          <a:ext cx="0" cy="0"/>
-          <a:chOff x="0" y="0"/>
-          <a:chExt cx="0" cy="0"/>
-        </a:xfrm>
-      </p:grpSpPr>
-      <p:sp>
-        <p:nvSpPr>
-          <p:cNvPr id="2" name="Titel 1">
+      <p:graphicFrame>
+        <p:nvGraphicFramePr>
+          <p:cNvPr id="13" name="Tabelle 12">
             <a:extLst>
               <a:ext uri="{FF2B5EF4-FFF2-40B4-BE49-F238E27FC236}">
-                <a16:creationId xmlns:a16="http://schemas.microsoft.com/office/drawing/2014/main" id="{B46450EE-5D92-410B-B4EF-8D24367C487B}"/>
-              </a:ext>
-            </a:extLst>
-          </p:cNvPr>
-          <p:cNvSpPr>
-            <a:spLocks noGrp="1"/>
-          </p:cNvSpPr>
-          <p:nvPr>
-            <p:ph type="title"/>
-          </p:nvPr>
-        </p:nvSpPr>
-        <p:spPr/>
-        <p:txBody>
-          <a:bodyPr/>
-          <a:lstStyle/>
-          <a:p>
-            <a:r>
-              <a:rPr lang="de-DE" dirty="0"/>
-              <a:t>Berechnung</a:t>
-            </a:r>
-          </a:p>
-        </p:txBody>
-      </p:sp>
-      <p:graphicFrame>
-        <p:nvGraphicFramePr>
-          <p:cNvPr id="4" name="Tabelle 3">
-            <a:extLst>
-              <a:ext uri="{FF2B5EF4-FFF2-40B4-BE49-F238E27FC236}">
-                <a16:creationId xmlns:a16="http://schemas.microsoft.com/office/drawing/2014/main" id="{77FF56CB-F0D2-4AC3-B3BE-66CDB7107EBE}"/>
+                <a16:creationId xmlns:a16="http://schemas.microsoft.com/office/drawing/2014/main" id="{5601B2C2-2600-496F-B9EB-9867FC95B659}"/>
               </a:ext>
             </a:extLst>
           </p:cNvPr>
@@ -24562,12 +23977,16 @@
             <a:graphicFrameLocks noGrp="1"/>
           </p:cNvGraphicFramePr>
           <p:nvPr>
-            <p:extLst/>
+            <p:extLst>
+              <p:ext uri="{D42A27DB-BD31-4B8C-83A1-F6EECF244321}">
+                <p14:modId xmlns:p14="http://schemas.microsoft.com/office/powerpoint/2010/main" val="3497243029"/>
+              </p:ext>
+            </p:extLst>
           </p:nvPr>
         </p:nvGraphicFramePr>
         <p:xfrm>
           <a:off x="258363" y="1770120"/>
-          <a:ext cx="8591739" cy="868680"/>
+          <a:ext cx="8591739" cy="1021080"/>
         </p:xfrm>
         <a:graphic>
           <a:graphicData uri="http://schemas.openxmlformats.org/drawingml/2006/table">
@@ -24995,6 +24414,14 @@
                     <a:p>
                       <a:pPr algn="ctr"/>
                       <a:r>
+                        <a:rPr lang="de-DE" sz="1000" dirty="0" err="1"/>
+                        <a:t>foliage</a:t>
+                      </a:r>
+                      <a:endParaRPr lang="de-DE" sz="1000" dirty="0"/>
+                    </a:p>
+                    <a:p>
+                      <a:pPr algn="ctr"/>
+                      <a:r>
                         <a:rPr lang="de-DE" sz="1000" dirty="0"/>
                         <a:t>Nadelmasse (für LH nicht inkl.)</a:t>
                       </a:r>
@@ -25019,6 +24446,30 @@
                     <a:p>
                       <a:pPr algn="ctr"/>
                       <a:r>
+                        <a:rPr lang="de-DE" sz="1000" dirty="0" err="1"/>
+                        <a:t>fine</a:t>
+                      </a:r>
+                      <a:r>
+                        <a:rPr lang="de-DE" sz="1000" dirty="0"/>
+                        <a:t> </a:t>
+                      </a:r>
+                      <a:r>
+                        <a:rPr lang="de-DE" sz="1000" dirty="0" err="1"/>
+                        <a:t>wood</a:t>
+                      </a:r>
+                      <a:r>
+                        <a:rPr lang="de-DE" sz="1000" dirty="0"/>
+                        <a:t> incl. </a:t>
+                      </a:r>
+                      <a:r>
+                        <a:rPr lang="de-DE" sz="1000" dirty="0" err="1"/>
+                        <a:t>bark</a:t>
+                      </a:r>
+                      <a:endParaRPr lang="de-DE" sz="1000" dirty="0"/>
+                    </a:p>
+                    <a:p>
+                      <a:pPr algn="ctr"/>
+                      <a:r>
                         <a:rPr lang="de-DE" sz="1000" dirty="0"/>
                         <a:t>Nichtderbholz </a:t>
                       </a:r>
@@ -25055,6 +24506,29 @@
                       <a:pPr algn="ctr"/>
                       <a:r>
                         <a:rPr lang="de-DE" sz="1000" dirty="0"/>
+                        <a:t>Solid </a:t>
+                      </a:r>
+                      <a:r>
+                        <a:rPr lang="de-DE" sz="1000" dirty="0" err="1"/>
+                        <a:t>wood</a:t>
+                      </a:r>
+                      <a:r>
+                        <a:rPr lang="de-DE" sz="1000" dirty="0"/>
+                        <a:t> </a:t>
+                      </a:r>
+                      <a:r>
+                        <a:rPr lang="de-DE" sz="1000" dirty="0" err="1"/>
+                        <a:t>w.b</a:t>
+                      </a:r>
+                      <a:r>
+                        <a:rPr lang="de-DE" sz="1000" dirty="0"/>
+                        <a:t>.</a:t>
+                      </a:r>
+                    </a:p>
+                    <a:p>
+                      <a:pPr algn="ctr"/>
+                      <a:r>
+                        <a:rPr lang="de-DE" sz="1000" dirty="0"/>
                         <a:t>Derbholz </a:t>
                       </a:r>
                       <a:r>
@@ -25088,6 +24562,30 @@
                       <a:pPr algn="ctr"/>
                       <a:r>
                         <a:rPr lang="de-DE" sz="1000" dirty="0" err="1"/>
+                        <a:t>bark</a:t>
+                      </a:r>
+                      <a:r>
+                        <a:rPr lang="de-DE" sz="1000" dirty="0"/>
+                        <a:t> </a:t>
+                      </a:r>
+                      <a:r>
+                        <a:rPr lang="de-DE" sz="1000" dirty="0" err="1"/>
+                        <a:t>of</a:t>
+                      </a:r>
+                      <a:r>
+                        <a:rPr lang="de-DE" sz="1000" dirty="0"/>
+                        <a:t> solid </a:t>
+                      </a:r>
+                      <a:r>
+                        <a:rPr lang="de-DE" sz="1000" dirty="0" err="1"/>
+                        <a:t>wood</a:t>
+                      </a:r>
+                      <a:endParaRPr lang="de-DE" sz="1000" dirty="0"/>
+                    </a:p>
+                    <a:p>
+                      <a:pPr algn="ctr"/>
+                      <a:r>
+                        <a:rPr lang="de-DE" sz="1000" dirty="0" err="1"/>
                         <a:t>Derholzrinde</a:t>
                       </a:r>
                       <a:endParaRPr lang="de-DE" sz="1000" dirty="0"/>
@@ -25110,6 +24608,14 @@
                   <a:txBody>
                     <a:bodyPr/>
                     <a:lstStyle/>
+                    <a:p>
+                      <a:pPr algn="ctr"/>
+                      <a:r>
+                        <a:rPr lang="de-DE" sz="1000" dirty="0" err="1"/>
+                        <a:t>stump</a:t>
+                      </a:r>
+                      <a:endParaRPr lang="de-DE" sz="1000" dirty="0"/>
+                    </a:p>
                     <a:p>
                       <a:pPr algn="ctr"/>
                       <a:r>
@@ -25135,6 +24641,22 @@
                   <a:txBody>
                     <a:bodyPr/>
                     <a:lstStyle/>
+                    <a:p>
+                      <a:pPr algn="ctr"/>
+                      <a:r>
+                        <a:rPr lang="de-DE" sz="1000" dirty="0" err="1"/>
+                        <a:t>bark</a:t>
+                      </a:r>
+                      <a:r>
+                        <a:rPr lang="de-DE" sz="1000" dirty="0"/>
+                        <a:t> ob </a:t>
+                      </a:r>
+                      <a:r>
+                        <a:rPr lang="de-DE" sz="1000" dirty="0" err="1"/>
+                        <a:t>stump</a:t>
+                      </a:r>
+                      <a:endParaRPr lang="de-DE" sz="1000" dirty="0"/>
+                    </a:p>
                     <a:p>
                       <a:pPr algn="ctr"/>
                       <a:r>
@@ -25155,6 +24677,329 @@
           </a:graphicData>
         </a:graphic>
       </p:graphicFrame>
+      <p:sp>
+        <p:nvSpPr>
+          <p:cNvPr id="14" name="Geschweifte Klammer rechts 13">
+            <a:extLst>
+              <a:ext uri="{FF2B5EF4-FFF2-40B4-BE49-F238E27FC236}">
+                <a16:creationId xmlns:a16="http://schemas.microsoft.com/office/drawing/2014/main" id="{3BB14DFE-C496-492E-A94C-EE17D5AB8557}"/>
+              </a:ext>
+            </a:extLst>
+          </p:cNvPr>
+          <p:cNvSpPr/>
+          <p:nvPr/>
+        </p:nvSpPr>
+        <p:spPr>
+          <a:xfrm rot="16200000">
+            <a:off x="5070839" y="-1782070"/>
+            <a:ext cx="293164" cy="7026550"/>
+          </a:xfrm>
+          <a:prstGeom prst="rightBrace">
+            <a:avLst>
+              <a:gd name="adj1" fmla="val 8333"/>
+              <a:gd name="adj2" fmla="val 49294"/>
+            </a:avLst>
+          </a:prstGeom>
+        </p:spPr>
+        <p:style>
+          <a:lnRef idx="1">
+            <a:schemeClr val="accent1"/>
+          </a:lnRef>
+          <a:fillRef idx="0">
+            <a:schemeClr val="accent1"/>
+          </a:fillRef>
+          <a:effectRef idx="0">
+            <a:schemeClr val="accent1"/>
+          </a:effectRef>
+          <a:fontRef idx="minor">
+            <a:schemeClr val="tx1"/>
+          </a:fontRef>
+        </p:style>
+        <p:txBody>
+          <a:bodyPr rtlCol="0" anchor="ctr"/>
+          <a:lstStyle/>
+          <a:p>
+            <a:pPr algn="ctr"/>
+            <a:endParaRPr lang="de-DE"/>
+          </a:p>
+        </p:txBody>
+      </p:sp>
+      <p:sp>
+        <p:nvSpPr>
+          <p:cNvPr id="15" name="Textfeld 14">
+            <a:extLst>
+              <a:ext uri="{FF2B5EF4-FFF2-40B4-BE49-F238E27FC236}">
+                <a16:creationId xmlns:a16="http://schemas.microsoft.com/office/drawing/2014/main" id="{9FFD69BD-D46E-4CE0-9C68-1DB11A50F4CF}"/>
+              </a:ext>
+            </a:extLst>
+          </p:cNvPr>
+          <p:cNvSpPr txBox="1"/>
+          <p:nvPr/>
+        </p:nvSpPr>
+        <p:spPr>
+          <a:xfrm>
+            <a:off x="3840211" y="1274405"/>
+            <a:ext cx="2993231" cy="281616"/>
+          </a:xfrm>
+          <a:prstGeom prst="rect">
+            <a:avLst/>
+          </a:prstGeom>
+          <a:noFill/>
+        </p:spPr>
+        <p:txBody>
+          <a:bodyPr wrap="square" lIns="0" tIns="0" rIns="0" bIns="0" rtlCol="0">
+            <a:spAutoFit/>
+          </a:bodyPr>
+          <a:lstStyle/>
+          <a:p>
+            <a:pPr marL="0">
+              <a:lnSpc>
+                <a:spcPts val="2400"/>
+              </a:lnSpc>
+              <a:spcAft>
+                <a:spcPts val="1200"/>
+              </a:spcAft>
+            </a:pPr>
+            <a:r>
+              <a:rPr lang="de-DE" sz="1500" dirty="0">
+                <a:solidFill>
+                  <a:schemeClr val="tx2"/>
+                </a:solidFill>
+              </a:rPr>
+              <a:t>External </a:t>
+            </a:r>
+            <a:r>
+              <a:rPr lang="de-DE" sz="1500" dirty="0" err="1">
+                <a:solidFill>
+                  <a:schemeClr val="tx2"/>
+                </a:solidFill>
+              </a:rPr>
+              <a:t>calculated</a:t>
+            </a:r>
+            <a:r>
+              <a:rPr lang="de-DE" sz="1500" dirty="0">
+                <a:solidFill>
+                  <a:schemeClr val="tx2"/>
+                </a:solidFill>
+              </a:rPr>
+              <a:t> </a:t>
+            </a:r>
+            <a:r>
+              <a:rPr lang="de-DE" sz="1500" dirty="0" err="1">
+                <a:solidFill>
+                  <a:schemeClr val="tx2"/>
+                </a:solidFill>
+              </a:rPr>
+              <a:t>compartiments</a:t>
+            </a:r>
+            <a:endParaRPr lang="de-DE" sz="1500" dirty="0">
+              <a:solidFill>
+                <a:schemeClr val="tx2"/>
+              </a:solidFill>
+            </a:endParaRPr>
+          </a:p>
+        </p:txBody>
+      </p:sp>
+      <p:sp>
+        <p:nvSpPr>
+          <p:cNvPr id="17" name="Geschweifte Klammer rechts 16">
+            <a:extLst>
+              <a:ext uri="{FF2B5EF4-FFF2-40B4-BE49-F238E27FC236}">
+                <a16:creationId xmlns:a16="http://schemas.microsoft.com/office/drawing/2014/main" id="{0E795EEF-72E9-4D6F-B8D1-A348BBF96BF4}"/>
+              </a:ext>
+            </a:extLst>
+          </p:cNvPr>
+          <p:cNvSpPr/>
+          <p:nvPr/>
+        </p:nvSpPr>
+        <p:spPr>
+          <a:xfrm rot="16200000">
+            <a:off x="708071" y="1275467"/>
+            <a:ext cx="293164" cy="989306"/>
+          </a:xfrm>
+          <a:prstGeom prst="rightBrace">
+            <a:avLst>
+              <a:gd name="adj1" fmla="val 8333"/>
+              <a:gd name="adj2" fmla="val 49294"/>
+            </a:avLst>
+          </a:prstGeom>
+        </p:spPr>
+        <p:style>
+          <a:lnRef idx="1">
+            <a:schemeClr val="accent1"/>
+          </a:lnRef>
+          <a:fillRef idx="0">
+            <a:schemeClr val="accent1"/>
+          </a:fillRef>
+          <a:effectRef idx="0">
+            <a:schemeClr val="accent1"/>
+          </a:effectRef>
+          <a:fontRef idx="minor">
+            <a:schemeClr val="tx1"/>
+          </a:fontRef>
+        </p:style>
+        <p:txBody>
+          <a:bodyPr rtlCol="0" anchor="ctr"/>
+          <a:lstStyle/>
+          <a:p>
+            <a:pPr algn="ctr"/>
+            <a:endParaRPr lang="de-DE"/>
+          </a:p>
+        </p:txBody>
+      </p:sp>
+      <p:sp>
+        <p:nvSpPr>
+          <p:cNvPr id="18" name="Textfeld 17">
+            <a:extLst>
+              <a:ext uri="{FF2B5EF4-FFF2-40B4-BE49-F238E27FC236}">
+                <a16:creationId xmlns:a16="http://schemas.microsoft.com/office/drawing/2014/main" id="{B998DB5E-C632-4517-9A92-5E2615ED4FCC}"/>
+              </a:ext>
+            </a:extLst>
+          </p:cNvPr>
+          <p:cNvSpPr txBox="1"/>
+          <p:nvPr/>
+        </p:nvSpPr>
+        <p:spPr>
+          <a:xfrm>
+            <a:off x="360000" y="995504"/>
+            <a:ext cx="1530580" cy="589392"/>
+          </a:xfrm>
+          <a:prstGeom prst="rect">
+            <a:avLst/>
+          </a:prstGeom>
+          <a:noFill/>
+        </p:spPr>
+        <p:txBody>
+          <a:bodyPr wrap="square" lIns="0" tIns="0" rIns="0" bIns="0" rtlCol="0">
+            <a:spAutoFit/>
+          </a:bodyPr>
+          <a:lstStyle/>
+          <a:p>
+            <a:pPr marL="0">
+              <a:lnSpc>
+                <a:spcPts val="2400"/>
+              </a:lnSpc>
+              <a:spcAft>
+                <a:spcPts val="1200"/>
+              </a:spcAft>
+            </a:pPr>
+            <a:r>
+              <a:rPr lang="de-DE" sz="1500" dirty="0">
+                <a:solidFill>
+                  <a:schemeClr val="tx2"/>
+                </a:solidFill>
+              </a:rPr>
+              <a:t>Total </a:t>
+            </a:r>
+            <a:r>
+              <a:rPr lang="de-DE" sz="1500" dirty="0" err="1">
+                <a:solidFill>
+                  <a:schemeClr val="tx2"/>
+                </a:solidFill>
+              </a:rPr>
+              <a:t>biomass</a:t>
+            </a:r>
+            <a:r>
+              <a:rPr lang="de-DE" sz="1500" dirty="0">
+                <a:solidFill>
+                  <a:schemeClr val="tx2"/>
+                </a:solidFill>
+              </a:rPr>
+              <a:t> </a:t>
+            </a:r>
+            <a:r>
+              <a:rPr lang="de-DE" sz="1500" dirty="0" err="1">
+                <a:solidFill>
+                  <a:schemeClr val="tx2"/>
+                </a:solidFill>
+              </a:rPr>
+              <a:t>calcualted</a:t>
+            </a:r>
+            <a:r>
+              <a:rPr lang="de-DE" sz="1500" dirty="0">
+                <a:solidFill>
+                  <a:schemeClr val="tx2"/>
+                </a:solidFill>
+              </a:rPr>
+              <a:t> </a:t>
+            </a:r>
+            <a:r>
+              <a:rPr lang="de-DE" sz="1500" dirty="0" err="1">
+                <a:solidFill>
+                  <a:schemeClr val="tx2"/>
+                </a:solidFill>
+              </a:rPr>
+              <a:t>by</a:t>
+            </a:r>
+            <a:r>
+              <a:rPr lang="de-DE" sz="1500" dirty="0">
+                <a:solidFill>
+                  <a:schemeClr val="tx2"/>
+                </a:solidFill>
+              </a:rPr>
+              <a:t> GHGI</a:t>
+            </a:r>
+          </a:p>
+        </p:txBody>
+      </p:sp>
+    </p:spTree>
+    <p:extLst>
+      <p:ext uri="{BB962C8B-B14F-4D97-AF65-F5344CB8AC3E}">
+        <p14:creationId xmlns:p14="http://schemas.microsoft.com/office/powerpoint/2010/main" val="1255984047"/>
+      </p:ext>
+    </p:extLst>
+  </p:cSld>
+  <p:clrMapOvr>
+    <a:masterClrMapping/>
+  </p:clrMapOvr>
+</p:sld>
+</file>
+
+<file path=ppt/slides/slide13.xml><?xml version="1.0" encoding="utf-8"?>
+<p:sld xmlns:a="http://schemas.openxmlformats.org/drawingml/2006/main" xmlns:r="http://schemas.openxmlformats.org/officeDocument/2006/relationships" xmlns:p="http://schemas.openxmlformats.org/presentationml/2006/main">
+  <p:cSld>
+    <p:spTree>
+      <p:nvGrpSpPr>
+        <p:cNvPr id="1" name=""/>
+        <p:cNvGrpSpPr/>
+        <p:nvPr/>
+      </p:nvGrpSpPr>
+      <p:grpSpPr>
+        <a:xfrm>
+          <a:off x="0" y="0"/>
+          <a:ext cx="0" cy="0"/>
+          <a:chOff x="0" y="0"/>
+          <a:chExt cx="0" cy="0"/>
+        </a:xfrm>
+      </p:grpSpPr>
+      <p:sp>
+        <p:nvSpPr>
+          <p:cNvPr id="2" name="Titel 1">
+            <a:extLst>
+              <a:ext uri="{FF2B5EF4-FFF2-40B4-BE49-F238E27FC236}">
+                <a16:creationId xmlns:a16="http://schemas.microsoft.com/office/drawing/2014/main" id="{B46450EE-5D92-410B-B4EF-8D24367C487B}"/>
+              </a:ext>
+            </a:extLst>
+          </p:cNvPr>
+          <p:cNvSpPr>
+            <a:spLocks noGrp="1"/>
+          </p:cNvSpPr>
+          <p:nvPr>
+            <p:ph type="title"/>
+          </p:nvPr>
+        </p:nvSpPr>
+        <p:spPr/>
+        <p:txBody>
+          <a:bodyPr/>
+          <a:lstStyle/>
+          <a:p>
+            <a:r>
+              <a:rPr lang="de-DE" dirty="0"/>
+              <a:t>Berechnung</a:t>
+            </a:r>
+          </a:p>
+        </p:txBody>
+      </p:sp>
       <p:graphicFrame>
         <p:nvGraphicFramePr>
           <p:cNvPr id="5" name="Tabelle 4">
@@ -27043,271 +26888,6 @@
           </a:graphicData>
         </a:graphic>
       </p:graphicFrame>
-      <p:sp>
-        <p:nvSpPr>
-          <p:cNvPr id="9" name="Geschweifte Klammer rechts 8">
-            <a:extLst>
-              <a:ext uri="{FF2B5EF4-FFF2-40B4-BE49-F238E27FC236}">
-                <a16:creationId xmlns:a16="http://schemas.microsoft.com/office/drawing/2014/main" id="{2943E7B9-8301-4698-9DAA-B8FEF433AF9B}"/>
-              </a:ext>
-            </a:extLst>
-          </p:cNvPr>
-          <p:cNvSpPr/>
-          <p:nvPr/>
-        </p:nvSpPr>
-        <p:spPr>
-          <a:xfrm rot="16200000">
-            <a:off x="5070839" y="-1782070"/>
-            <a:ext cx="293164" cy="7026550"/>
-          </a:xfrm>
-          <a:prstGeom prst="rightBrace">
-            <a:avLst>
-              <a:gd name="adj1" fmla="val 8333"/>
-              <a:gd name="adj2" fmla="val 49294"/>
-            </a:avLst>
-          </a:prstGeom>
-        </p:spPr>
-        <p:style>
-          <a:lnRef idx="1">
-            <a:schemeClr val="accent1"/>
-          </a:lnRef>
-          <a:fillRef idx="0">
-            <a:schemeClr val="accent1"/>
-          </a:fillRef>
-          <a:effectRef idx="0">
-            <a:schemeClr val="accent1"/>
-          </a:effectRef>
-          <a:fontRef idx="minor">
-            <a:schemeClr val="tx1"/>
-          </a:fontRef>
-        </p:style>
-        <p:txBody>
-          <a:bodyPr rtlCol="0" anchor="ctr"/>
-          <a:lstStyle/>
-          <a:p>
-            <a:pPr algn="ctr"/>
-            <a:endParaRPr lang="de-DE"/>
-          </a:p>
-        </p:txBody>
-      </p:sp>
-      <p:sp>
-        <p:nvSpPr>
-          <p:cNvPr id="10" name="Textfeld 9">
-            <a:extLst>
-              <a:ext uri="{FF2B5EF4-FFF2-40B4-BE49-F238E27FC236}">
-                <a16:creationId xmlns:a16="http://schemas.microsoft.com/office/drawing/2014/main" id="{EC96423C-F758-4749-81B1-F1A7F607DEC5}"/>
-              </a:ext>
-            </a:extLst>
-          </p:cNvPr>
-          <p:cNvSpPr txBox="1"/>
-          <p:nvPr/>
-        </p:nvSpPr>
-        <p:spPr>
-          <a:xfrm>
-            <a:off x="3840211" y="1274405"/>
-            <a:ext cx="2993231" cy="281616"/>
-          </a:xfrm>
-          <a:prstGeom prst="rect">
-            <a:avLst/>
-          </a:prstGeom>
-          <a:noFill/>
-        </p:spPr>
-        <p:txBody>
-          <a:bodyPr wrap="square" lIns="0" tIns="0" rIns="0" bIns="0" rtlCol="0">
-            <a:spAutoFit/>
-          </a:bodyPr>
-          <a:lstStyle/>
-          <a:p>
-            <a:pPr marL="0">
-              <a:lnSpc>
-                <a:spcPts val="2400"/>
-              </a:lnSpc>
-              <a:spcAft>
-                <a:spcPts val="1200"/>
-              </a:spcAft>
-            </a:pPr>
-            <a:r>
-              <a:rPr lang="de-DE" sz="1500" dirty="0">
-                <a:solidFill>
-                  <a:schemeClr val="tx2"/>
-                </a:solidFill>
-              </a:rPr>
-              <a:t>External </a:t>
-            </a:r>
-            <a:r>
-              <a:rPr lang="de-DE" sz="1500" dirty="0" err="1">
-                <a:solidFill>
-                  <a:schemeClr val="tx2"/>
-                </a:solidFill>
-              </a:rPr>
-              <a:t>calculated</a:t>
-            </a:r>
-            <a:r>
-              <a:rPr lang="de-DE" sz="1500" dirty="0">
-                <a:solidFill>
-                  <a:schemeClr val="tx2"/>
-                </a:solidFill>
-              </a:rPr>
-              <a:t> </a:t>
-            </a:r>
-            <a:r>
-              <a:rPr lang="de-DE" sz="1500" dirty="0" err="1">
-                <a:solidFill>
-                  <a:schemeClr val="tx2"/>
-                </a:solidFill>
-              </a:rPr>
-              <a:t>compartiments</a:t>
-            </a:r>
-            <a:endParaRPr lang="de-DE" sz="1500" dirty="0">
-              <a:solidFill>
-                <a:schemeClr val="tx2"/>
-              </a:solidFill>
-            </a:endParaRPr>
-          </a:p>
-        </p:txBody>
-      </p:sp>
-      <p:sp>
-        <p:nvSpPr>
-          <p:cNvPr id="11" name="Geschweifte Klammer rechts 10">
-            <a:extLst>
-              <a:ext uri="{FF2B5EF4-FFF2-40B4-BE49-F238E27FC236}">
-                <a16:creationId xmlns:a16="http://schemas.microsoft.com/office/drawing/2014/main" id="{6B81F10E-B51B-49FD-88BE-C3D59A807EA9}"/>
-              </a:ext>
-            </a:extLst>
-          </p:cNvPr>
-          <p:cNvSpPr/>
-          <p:nvPr/>
-        </p:nvSpPr>
-        <p:spPr>
-          <a:xfrm rot="16200000">
-            <a:off x="708071" y="1275467"/>
-            <a:ext cx="293164" cy="989306"/>
-          </a:xfrm>
-          <a:prstGeom prst="rightBrace">
-            <a:avLst>
-              <a:gd name="adj1" fmla="val 8333"/>
-              <a:gd name="adj2" fmla="val 49294"/>
-            </a:avLst>
-          </a:prstGeom>
-        </p:spPr>
-        <p:style>
-          <a:lnRef idx="1">
-            <a:schemeClr val="accent1"/>
-          </a:lnRef>
-          <a:fillRef idx="0">
-            <a:schemeClr val="accent1"/>
-          </a:fillRef>
-          <a:effectRef idx="0">
-            <a:schemeClr val="accent1"/>
-          </a:effectRef>
-          <a:fontRef idx="minor">
-            <a:schemeClr val="tx1"/>
-          </a:fontRef>
-        </p:style>
-        <p:txBody>
-          <a:bodyPr rtlCol="0" anchor="ctr"/>
-          <a:lstStyle/>
-          <a:p>
-            <a:pPr algn="ctr"/>
-            <a:endParaRPr lang="de-DE"/>
-          </a:p>
-        </p:txBody>
-      </p:sp>
-      <p:sp>
-        <p:nvSpPr>
-          <p:cNvPr id="12" name="Textfeld 11">
-            <a:extLst>
-              <a:ext uri="{FF2B5EF4-FFF2-40B4-BE49-F238E27FC236}">
-                <a16:creationId xmlns:a16="http://schemas.microsoft.com/office/drawing/2014/main" id="{4DB98483-2CA9-4C53-BC3B-418190D388CD}"/>
-              </a:ext>
-            </a:extLst>
-          </p:cNvPr>
-          <p:cNvSpPr txBox="1"/>
-          <p:nvPr/>
-        </p:nvSpPr>
-        <p:spPr>
-          <a:xfrm>
-            <a:off x="360000" y="995504"/>
-            <a:ext cx="1530580" cy="589392"/>
-          </a:xfrm>
-          <a:prstGeom prst="rect">
-            <a:avLst/>
-          </a:prstGeom>
-          <a:noFill/>
-        </p:spPr>
-        <p:txBody>
-          <a:bodyPr wrap="square" lIns="0" tIns="0" rIns="0" bIns="0" rtlCol="0">
-            <a:spAutoFit/>
-          </a:bodyPr>
-          <a:lstStyle/>
-          <a:p>
-            <a:pPr marL="0">
-              <a:lnSpc>
-                <a:spcPts val="2400"/>
-              </a:lnSpc>
-              <a:spcAft>
-                <a:spcPts val="1200"/>
-              </a:spcAft>
-            </a:pPr>
-            <a:r>
-              <a:rPr lang="de-DE" sz="1500" dirty="0">
-                <a:solidFill>
-                  <a:schemeClr val="tx2"/>
-                </a:solidFill>
-              </a:rPr>
-              <a:t>Total </a:t>
-            </a:r>
-            <a:r>
-              <a:rPr lang="de-DE" sz="1500" dirty="0" err="1">
-                <a:solidFill>
-                  <a:schemeClr val="tx2"/>
-                </a:solidFill>
-              </a:rPr>
-              <a:t>biomass</a:t>
-            </a:r>
-            <a:r>
-              <a:rPr lang="de-DE" sz="1500" dirty="0">
-                <a:solidFill>
-                  <a:schemeClr val="tx2"/>
-                </a:solidFill>
-              </a:rPr>
-              <a:t> </a:t>
-            </a:r>
-            <a:r>
-              <a:rPr lang="de-DE" sz="1500" dirty="0" err="1">
-                <a:solidFill>
-                  <a:schemeClr val="tx2"/>
-                </a:solidFill>
-              </a:rPr>
-              <a:t>calcualted</a:t>
-            </a:r>
-            <a:r>
-              <a:rPr lang="de-DE" sz="1500" dirty="0">
-                <a:solidFill>
-                  <a:schemeClr val="tx2"/>
-                </a:solidFill>
-              </a:rPr>
-              <a:t> </a:t>
-            </a:r>
-            <a:r>
-              <a:rPr lang="de-DE" sz="1500" dirty="0" err="1">
-                <a:solidFill>
-                  <a:schemeClr val="tx2"/>
-                </a:solidFill>
-              </a:rPr>
-              <a:t>by</a:t>
-            </a:r>
-            <a:r>
-              <a:rPr lang="de-DE" sz="1500" dirty="0">
-                <a:solidFill>
-                  <a:schemeClr val="tx2"/>
-                </a:solidFill>
-              </a:rPr>
-              <a:t> GHGI</a:t>
-            </a:r>
-          </a:p>
-        </p:txBody>
-      </p:sp>
       <p:cxnSp>
         <p:nvCxnSpPr>
           <p:cNvPr id="16" name="Verbinder: gewinkelt 15">
@@ -27351,6 +26931,984 @@
           </a:fontRef>
         </p:style>
       </p:cxnSp>
+      <p:graphicFrame>
+        <p:nvGraphicFramePr>
+          <p:cNvPr id="13" name="Tabelle 12">
+            <a:extLst>
+              <a:ext uri="{FF2B5EF4-FFF2-40B4-BE49-F238E27FC236}">
+                <a16:creationId xmlns:a16="http://schemas.microsoft.com/office/drawing/2014/main" id="{75634664-DA25-4B9A-B44C-F6D842AE5D03}"/>
+              </a:ext>
+            </a:extLst>
+          </p:cNvPr>
+          <p:cNvGraphicFramePr>
+            <a:graphicFrameLocks noGrp="1"/>
+          </p:cNvGraphicFramePr>
+          <p:nvPr>
+            <p:extLst>
+              <p:ext uri="{D42A27DB-BD31-4B8C-83A1-F6EECF244321}">
+                <p14:modId xmlns:p14="http://schemas.microsoft.com/office/powerpoint/2010/main" val="3497243029"/>
+              </p:ext>
+            </p:extLst>
+          </p:nvPr>
+        </p:nvGraphicFramePr>
+        <p:xfrm>
+          <a:off x="258363" y="1770120"/>
+          <a:ext cx="8591739" cy="1021080"/>
+        </p:xfrm>
+        <a:graphic>
+          <a:graphicData uri="http://schemas.openxmlformats.org/drawingml/2006/table">
+            <a:tbl>
+              <a:tblPr firstRow="1" bandRow="1">
+                <a:tableStyleId>{2D5ABB26-0587-4C30-8999-92F81FD0307C}</a:tableStyleId>
+              </a:tblPr>
+              <a:tblGrid>
+                <a:gridCol w="1149791">
+                  <a:extLst>
+                    <a:ext uri="{9D8B030D-6E8A-4147-A177-3AD203B41FA5}">
+                      <a16:colId xmlns:a16="http://schemas.microsoft.com/office/drawing/2014/main" val="4200011834"/>
+                    </a:ext>
+                  </a:extLst>
+                </a:gridCol>
+                <a:gridCol w="235390">
+                  <a:extLst>
+                    <a:ext uri="{9D8B030D-6E8A-4147-A177-3AD203B41FA5}">
+                      <a16:colId xmlns:a16="http://schemas.microsoft.com/office/drawing/2014/main" val="2045396137"/>
+                    </a:ext>
+                  </a:extLst>
+                </a:gridCol>
+                <a:gridCol w="823865">
+                  <a:extLst>
+                    <a:ext uri="{9D8B030D-6E8A-4147-A177-3AD203B41FA5}">
+                      <a16:colId xmlns:a16="http://schemas.microsoft.com/office/drawing/2014/main" val="1307632904"/>
+                    </a:ext>
+                  </a:extLst>
+                </a:gridCol>
+                <a:gridCol w="298764">
+                  <a:extLst>
+                    <a:ext uri="{9D8B030D-6E8A-4147-A177-3AD203B41FA5}">
+                      <a16:colId xmlns:a16="http://schemas.microsoft.com/office/drawing/2014/main" val="3409259925"/>
+                    </a:ext>
+                  </a:extLst>
+                </a:gridCol>
+                <a:gridCol w="950614">
+                  <a:extLst>
+                    <a:ext uri="{9D8B030D-6E8A-4147-A177-3AD203B41FA5}">
+                      <a16:colId xmlns:a16="http://schemas.microsoft.com/office/drawing/2014/main" val="3322586312"/>
+                    </a:ext>
+                  </a:extLst>
+                </a:gridCol>
+                <a:gridCol w="289711">
+                  <a:extLst>
+                    <a:ext uri="{9D8B030D-6E8A-4147-A177-3AD203B41FA5}">
+                      <a16:colId xmlns:a16="http://schemas.microsoft.com/office/drawing/2014/main" val="3580350163"/>
+                    </a:ext>
+                  </a:extLst>
+                </a:gridCol>
+                <a:gridCol w="1176951">
+                  <a:extLst>
+                    <a:ext uri="{9D8B030D-6E8A-4147-A177-3AD203B41FA5}">
+                      <a16:colId xmlns:a16="http://schemas.microsoft.com/office/drawing/2014/main" val="2026280938"/>
+                    </a:ext>
+                  </a:extLst>
+                </a:gridCol>
+                <a:gridCol w="362138">
+                  <a:extLst>
+                    <a:ext uri="{9D8B030D-6E8A-4147-A177-3AD203B41FA5}">
+                      <a16:colId xmlns:a16="http://schemas.microsoft.com/office/drawing/2014/main" val="2858053005"/>
+                    </a:ext>
+                  </a:extLst>
+                </a:gridCol>
+                <a:gridCol w="1231221">
+                  <a:extLst>
+                    <a:ext uri="{9D8B030D-6E8A-4147-A177-3AD203B41FA5}">
+                      <a16:colId xmlns:a16="http://schemas.microsoft.com/office/drawing/2014/main" val="488407553"/>
+                    </a:ext>
+                  </a:extLst>
+                </a:gridCol>
+                <a:gridCol w="208280">
+                  <a:extLst>
+                    <a:ext uri="{9D8B030D-6E8A-4147-A177-3AD203B41FA5}">
+                      <a16:colId xmlns:a16="http://schemas.microsoft.com/office/drawing/2014/main" val="2043652952"/>
+                    </a:ext>
+                  </a:extLst>
+                </a:gridCol>
+                <a:gridCol w="651799">
+                  <a:extLst>
+                    <a:ext uri="{9D8B030D-6E8A-4147-A177-3AD203B41FA5}">
+                      <a16:colId xmlns:a16="http://schemas.microsoft.com/office/drawing/2014/main" val="2356173879"/>
+                    </a:ext>
+                  </a:extLst>
+                </a:gridCol>
+                <a:gridCol w="208280">
+                  <a:extLst>
+                    <a:ext uri="{9D8B030D-6E8A-4147-A177-3AD203B41FA5}">
+                      <a16:colId xmlns:a16="http://schemas.microsoft.com/office/drawing/2014/main" val="1625032845"/>
+                    </a:ext>
+                  </a:extLst>
+                </a:gridCol>
+                <a:gridCol w="1004935">
+                  <a:extLst>
+                    <a:ext uri="{9D8B030D-6E8A-4147-A177-3AD203B41FA5}">
+                      <a16:colId xmlns:a16="http://schemas.microsoft.com/office/drawing/2014/main" val="2867910828"/>
+                    </a:ext>
+                  </a:extLst>
+                </a:gridCol>
+              </a:tblGrid>
+              <a:tr h="268579">
+                <a:tc>
+                  <a:txBody>
+                    <a:bodyPr/>
+                    <a:lstStyle/>
+                    <a:p>
+                      <a:pPr algn="ctr"/>
+                      <a:r>
+                        <a:rPr lang="de-DE" sz="1500" b="1" dirty="0"/>
+                        <a:t>GHG </a:t>
+                      </a:r>
+                      <a:r>
+                        <a:rPr lang="de-DE" sz="1500" b="1" dirty="0" err="1"/>
+                        <a:t>aB</a:t>
+                      </a:r>
+                      <a:r>
+                        <a:rPr lang="de-DE" sz="1500" b="1" dirty="0"/>
+                        <a:t> </a:t>
+                      </a:r>
+                    </a:p>
+                  </a:txBody>
+                  <a:tcPr/>
+                </a:tc>
+                <a:tc>
+                  <a:txBody>
+                    <a:bodyPr/>
+                    <a:lstStyle/>
+                    <a:p>
+                      <a:pPr algn="ctr"/>
+                      <a:r>
+                        <a:rPr lang="de-DE" sz="1500" b="1" dirty="0"/>
+                        <a:t>= </a:t>
+                      </a:r>
+                    </a:p>
+                  </a:txBody>
+                  <a:tcPr/>
+                </a:tc>
+                <a:tc>
+                  <a:txBody>
+                    <a:bodyPr/>
+                    <a:lstStyle/>
+                    <a:p>
+                      <a:pPr algn="ctr"/>
+                      <a:r>
+                        <a:rPr lang="de-DE" sz="1500" b="1" dirty="0" err="1"/>
+                        <a:t>fB</a:t>
+                      </a:r>
+                      <a:endParaRPr lang="de-DE" sz="1500" b="1" dirty="0"/>
+                    </a:p>
+                  </a:txBody>
+                  <a:tcPr/>
+                </a:tc>
+                <a:tc>
+                  <a:txBody>
+                    <a:bodyPr/>
+                    <a:lstStyle/>
+                    <a:p>
+                      <a:pPr algn="ctr"/>
+                      <a:r>
+                        <a:rPr lang="de-DE" sz="1500" b="1" dirty="0"/>
+                        <a:t>+ </a:t>
+                      </a:r>
+                    </a:p>
+                  </a:txBody>
+                  <a:tcPr/>
+                </a:tc>
+                <a:tc>
+                  <a:txBody>
+                    <a:bodyPr/>
+                    <a:lstStyle/>
+                    <a:p>
+                      <a:pPr algn="ctr"/>
+                      <a:r>
+                        <a:rPr lang="de-DE" sz="1500" b="1" dirty="0" err="1"/>
+                        <a:t>fwbB</a:t>
+                      </a:r>
+                      <a:endParaRPr lang="de-DE" sz="1500" b="1" dirty="0"/>
+                    </a:p>
+                  </a:txBody>
+                  <a:tcPr/>
+                </a:tc>
+                <a:tc>
+                  <a:txBody>
+                    <a:bodyPr/>
+                    <a:lstStyle/>
+                    <a:p>
+                      <a:pPr algn="ctr"/>
+                      <a:r>
+                        <a:rPr lang="de-DE" sz="1500" b="1" dirty="0"/>
+                        <a:t>+ </a:t>
+                      </a:r>
+                    </a:p>
+                  </a:txBody>
+                  <a:tcPr/>
+                </a:tc>
+                <a:tc>
+                  <a:txBody>
+                    <a:bodyPr/>
+                    <a:lstStyle/>
+                    <a:p>
+                      <a:pPr algn="ctr"/>
+                      <a:r>
+                        <a:rPr lang="de-DE" sz="1500" b="1" dirty="0" err="1"/>
+                        <a:t>swB</a:t>
+                      </a:r>
+                      <a:endParaRPr lang="de-DE" sz="1500" b="1" dirty="0"/>
+                    </a:p>
+                  </a:txBody>
+                  <a:tcPr/>
+                </a:tc>
+                <a:tc>
+                  <a:txBody>
+                    <a:bodyPr/>
+                    <a:lstStyle/>
+                    <a:p>
+                      <a:pPr algn="ctr"/>
+                      <a:r>
+                        <a:rPr lang="de-DE" sz="1500" b="1" dirty="0"/>
+                        <a:t>+ </a:t>
+                      </a:r>
+                    </a:p>
+                  </a:txBody>
+                  <a:tcPr/>
+                </a:tc>
+                <a:tc>
+                  <a:txBody>
+                    <a:bodyPr/>
+                    <a:lstStyle/>
+                    <a:p>
+                      <a:pPr algn="ctr"/>
+                      <a:r>
+                        <a:rPr lang="de-DE" sz="1500" b="1" dirty="0" err="1"/>
+                        <a:t>swbB</a:t>
+                      </a:r>
+                      <a:endParaRPr lang="de-DE" sz="1500" b="1" dirty="0"/>
+                    </a:p>
+                  </a:txBody>
+                  <a:tcPr/>
+                </a:tc>
+                <a:tc>
+                  <a:txBody>
+                    <a:bodyPr/>
+                    <a:lstStyle/>
+                    <a:p>
+                      <a:pPr algn="ctr"/>
+                      <a:r>
+                        <a:rPr lang="de-DE" sz="1500" b="1" dirty="0">
+                          <a:solidFill>
+                            <a:schemeClr val="bg2">
+                              <a:lumMod val="50000"/>
+                            </a:schemeClr>
+                          </a:solidFill>
+                        </a:rPr>
+                        <a:t>+ </a:t>
+                      </a:r>
+                    </a:p>
+                  </a:txBody>
+                  <a:tcPr/>
+                </a:tc>
+                <a:tc>
+                  <a:txBody>
+                    <a:bodyPr/>
+                    <a:lstStyle/>
+                    <a:p>
+                      <a:pPr algn="ctr"/>
+                      <a:r>
+                        <a:rPr lang="de-DE" sz="1500" b="1" dirty="0" err="1">
+                          <a:solidFill>
+                            <a:schemeClr val="bg2">
+                              <a:lumMod val="50000"/>
+                            </a:schemeClr>
+                          </a:solidFill>
+                        </a:rPr>
+                        <a:t>stB</a:t>
+                      </a:r>
+                      <a:endParaRPr lang="de-DE" sz="1500" b="1" dirty="0">
+                        <a:solidFill>
+                          <a:schemeClr val="bg2">
+                            <a:lumMod val="50000"/>
+                          </a:schemeClr>
+                        </a:solidFill>
+                      </a:endParaRPr>
+                    </a:p>
+                  </a:txBody>
+                  <a:tcPr/>
+                </a:tc>
+                <a:tc>
+                  <a:txBody>
+                    <a:bodyPr/>
+                    <a:lstStyle/>
+                    <a:p>
+                      <a:pPr algn="ctr"/>
+                      <a:r>
+                        <a:rPr lang="de-DE" sz="1500" b="1" dirty="0">
+                          <a:solidFill>
+                            <a:schemeClr val="bg2">
+                              <a:lumMod val="50000"/>
+                            </a:schemeClr>
+                          </a:solidFill>
+                        </a:rPr>
+                        <a:t>+ </a:t>
+                      </a:r>
+                    </a:p>
+                  </a:txBody>
+                  <a:tcPr/>
+                </a:tc>
+                <a:tc>
+                  <a:txBody>
+                    <a:bodyPr/>
+                    <a:lstStyle/>
+                    <a:p>
+                      <a:pPr algn="ctr"/>
+                      <a:r>
+                        <a:rPr lang="de-DE" sz="1500" b="1" dirty="0" err="1">
+                          <a:solidFill>
+                            <a:schemeClr val="bg2">
+                              <a:lumMod val="50000"/>
+                            </a:schemeClr>
+                          </a:solidFill>
+                        </a:rPr>
+                        <a:t>stbB</a:t>
+                      </a:r>
+                      <a:endParaRPr lang="de-DE" sz="1500" b="1" dirty="0">
+                        <a:solidFill>
+                          <a:schemeClr val="bg2">
+                            <a:lumMod val="50000"/>
+                          </a:schemeClr>
+                        </a:solidFill>
+                      </a:endParaRPr>
+                    </a:p>
+                  </a:txBody>
+                  <a:tcPr/>
+                </a:tc>
+                <a:extLst>
+                  <a:ext uri="{0D108BD9-81ED-4DB2-BD59-A6C34878D82A}">
+                    <a16:rowId xmlns:a16="http://schemas.microsoft.com/office/drawing/2014/main" val="1308814329"/>
+                  </a:ext>
+                </a:extLst>
+              </a:tr>
+              <a:tr h="460421">
+                <a:tc>
+                  <a:txBody>
+                    <a:bodyPr/>
+                    <a:lstStyle/>
+                    <a:p>
+                      <a:pPr marL="0" marR="0" lvl="0" indent="0" algn="ctr" defTabSz="685800" rtl="0" eaLnBrk="1" fontAlgn="auto" latinLnBrk="0" hangingPunct="1">
+                        <a:lnSpc>
+                          <a:spcPct val="100000"/>
+                        </a:lnSpc>
+                        <a:spcBef>
+                          <a:spcPts val="0"/>
+                        </a:spcBef>
+                        <a:spcAft>
+                          <a:spcPts val="0"/>
+                        </a:spcAft>
+                        <a:buClrTx/>
+                        <a:buSzTx/>
+                        <a:buFontTx/>
+                        <a:buNone/>
+                        <a:tabLst/>
+                        <a:defRPr/>
+                      </a:pPr>
+                      <a:r>
+                        <a:rPr lang="de-DE" sz="1000" dirty="0" err="1"/>
+                        <a:t>Aboveground</a:t>
+                      </a:r>
+                      <a:r>
+                        <a:rPr lang="de-DE" sz="1000" dirty="0"/>
+                        <a:t> </a:t>
+                      </a:r>
+                      <a:r>
+                        <a:rPr lang="de-DE" sz="1000" dirty="0" err="1"/>
+                        <a:t>biomass</a:t>
+                      </a:r>
+                      <a:r>
+                        <a:rPr lang="de-DE" sz="1000" dirty="0"/>
+                        <a:t> </a:t>
+                      </a:r>
+                      <a:r>
+                        <a:rPr lang="de-DE" sz="1000" dirty="0" err="1"/>
+                        <a:t>calcuated</a:t>
+                      </a:r>
+                      <a:r>
+                        <a:rPr lang="de-DE" sz="1000" dirty="0"/>
+                        <a:t> </a:t>
+                      </a:r>
+                      <a:r>
+                        <a:rPr lang="de-DE" sz="1000" dirty="0" err="1"/>
+                        <a:t>by</a:t>
+                      </a:r>
+                      <a:r>
+                        <a:rPr lang="de-DE" sz="1000" dirty="0"/>
+                        <a:t> GHGI </a:t>
+                      </a:r>
+                      <a:r>
+                        <a:rPr lang="de-DE" sz="1000" dirty="0" err="1"/>
+                        <a:t>functions</a:t>
+                      </a:r>
+                      <a:endParaRPr lang="de-DE" sz="1000" dirty="0">
+                        <a:solidFill>
+                          <a:schemeClr val="bg2">
+                            <a:lumMod val="50000"/>
+                          </a:schemeClr>
+                        </a:solidFill>
+                      </a:endParaRPr>
+                    </a:p>
+                  </a:txBody>
+                  <a:tcPr/>
+                </a:tc>
+                <a:tc>
+                  <a:txBody>
+                    <a:bodyPr/>
+                    <a:lstStyle/>
+                    <a:p>
+                      <a:pPr algn="ctr"/>
+                      <a:endParaRPr lang="de-DE" sz="1000" dirty="0"/>
+                    </a:p>
+                  </a:txBody>
+                  <a:tcPr/>
+                </a:tc>
+                <a:tc gridSpan="2">
+                  <a:txBody>
+                    <a:bodyPr/>
+                    <a:lstStyle/>
+                    <a:p>
+                      <a:pPr algn="ctr"/>
+                      <a:r>
+                        <a:rPr lang="de-DE" sz="1000" dirty="0" err="1"/>
+                        <a:t>foliage</a:t>
+                      </a:r>
+                      <a:endParaRPr lang="de-DE" sz="1000" dirty="0"/>
+                    </a:p>
+                    <a:p>
+                      <a:pPr algn="ctr"/>
+                      <a:r>
+                        <a:rPr lang="de-DE" sz="1000" dirty="0"/>
+                        <a:t>Nadelmasse (für LH nicht inkl.)</a:t>
+                      </a:r>
+                    </a:p>
+                  </a:txBody>
+                  <a:tcPr/>
+                </a:tc>
+                <a:tc hMerge="1">
+                  <a:txBody>
+                    <a:bodyPr/>
+                    <a:lstStyle/>
+                    <a:p>
+                      <a:endParaRPr lang="de-DE" dirty="0"/>
+                    </a:p>
+                  </a:txBody>
+                  <a:tcPr/>
+                </a:tc>
+                <a:tc gridSpan="2">
+                  <a:txBody>
+                    <a:bodyPr/>
+                    <a:lstStyle/>
+                    <a:p>
+                      <a:pPr algn="ctr"/>
+                      <a:r>
+                        <a:rPr lang="de-DE" sz="1000" dirty="0" err="1"/>
+                        <a:t>fine</a:t>
+                      </a:r>
+                      <a:r>
+                        <a:rPr lang="de-DE" sz="1000" dirty="0"/>
+                        <a:t> </a:t>
+                      </a:r>
+                      <a:r>
+                        <a:rPr lang="de-DE" sz="1000" dirty="0" err="1"/>
+                        <a:t>wood</a:t>
+                      </a:r>
+                      <a:r>
+                        <a:rPr lang="de-DE" sz="1000" dirty="0"/>
+                        <a:t> incl. </a:t>
+                      </a:r>
+                      <a:r>
+                        <a:rPr lang="de-DE" sz="1000" dirty="0" err="1"/>
+                        <a:t>bark</a:t>
+                      </a:r>
+                      <a:endParaRPr lang="de-DE" sz="1000" dirty="0"/>
+                    </a:p>
+                    <a:p>
+                      <a:pPr algn="ctr"/>
+                      <a:r>
+                        <a:rPr lang="de-DE" sz="1000" dirty="0"/>
+                        <a:t>Nichtderbholz </a:t>
+                      </a:r>
+                    </a:p>
+                    <a:p>
+                      <a:pPr algn="ctr"/>
+                      <a:r>
+                        <a:rPr lang="de-DE" sz="1000" dirty="0"/>
+                        <a:t>inkl. Rinde</a:t>
+                      </a:r>
+                    </a:p>
+                    <a:p>
+                      <a:pPr algn="ctr"/>
+                      <a:endParaRPr lang="de-DE" sz="1000" dirty="0"/>
+                    </a:p>
+                  </a:txBody>
+                  <a:tcPr/>
+                </a:tc>
+                <a:tc hMerge="1">
+                  <a:txBody>
+                    <a:bodyPr/>
+                    <a:lstStyle/>
+                    <a:p>
+                      <a:endParaRPr lang="de-DE" dirty="0"/>
+                    </a:p>
+                  </a:txBody>
+                  <a:tcPr/>
+                </a:tc>
+                <a:tc>
+                  <a:txBody>
+                    <a:bodyPr/>
+                    <a:lstStyle/>
+                    <a:p>
+                      <a:pPr algn="ctr"/>
+                      <a:r>
+                        <a:rPr lang="de-DE" sz="1000" dirty="0"/>
+                        <a:t>Solid </a:t>
+                      </a:r>
+                      <a:r>
+                        <a:rPr lang="de-DE" sz="1000" dirty="0" err="1"/>
+                        <a:t>wood</a:t>
+                      </a:r>
+                      <a:r>
+                        <a:rPr lang="de-DE" sz="1000" dirty="0"/>
+                        <a:t> </a:t>
+                      </a:r>
+                      <a:r>
+                        <a:rPr lang="de-DE" sz="1000" dirty="0" err="1"/>
+                        <a:t>w.b</a:t>
+                      </a:r>
+                      <a:r>
+                        <a:rPr lang="de-DE" sz="1000" dirty="0"/>
+                        <a:t>.</a:t>
+                      </a:r>
+                    </a:p>
+                    <a:p>
+                      <a:pPr algn="ctr"/>
+                      <a:r>
+                        <a:rPr lang="de-DE" sz="1000" dirty="0"/>
+                        <a:t>Derbholz </a:t>
+                      </a:r>
+                      <a:r>
+                        <a:rPr lang="de-DE" sz="1000" dirty="0" err="1"/>
+                        <a:t>o.R</a:t>
+                      </a:r>
+                      <a:r>
+                        <a:rPr lang="de-DE" sz="1000" dirty="0"/>
+                        <a:t>.</a:t>
+                      </a:r>
+                    </a:p>
+                  </a:txBody>
+                  <a:tcPr/>
+                </a:tc>
+                <a:tc>
+                  <a:txBody>
+                    <a:bodyPr/>
+                    <a:lstStyle/>
+                    <a:p>
+                      <a:pPr algn="ctr"/>
+                      <a:endParaRPr lang="de-DE" sz="1000" dirty="0"/>
+                    </a:p>
+                  </a:txBody>
+                  <a:tcPr/>
+                </a:tc>
+                <a:tc>
+                  <a:txBody>
+                    <a:bodyPr/>
+                    <a:lstStyle/>
+                    <a:p>
+                      <a:pPr algn="ctr"/>
+                      <a:r>
+                        <a:rPr lang="de-DE" sz="1000" dirty="0" err="1"/>
+                        <a:t>bark</a:t>
+                      </a:r>
+                      <a:r>
+                        <a:rPr lang="de-DE" sz="1000" dirty="0"/>
+                        <a:t> </a:t>
+                      </a:r>
+                      <a:r>
+                        <a:rPr lang="de-DE" sz="1000" dirty="0" err="1"/>
+                        <a:t>of</a:t>
+                      </a:r>
+                      <a:r>
+                        <a:rPr lang="de-DE" sz="1000" dirty="0"/>
+                        <a:t> solid </a:t>
+                      </a:r>
+                      <a:r>
+                        <a:rPr lang="de-DE" sz="1000" dirty="0" err="1"/>
+                        <a:t>wood</a:t>
+                      </a:r>
+                      <a:endParaRPr lang="de-DE" sz="1000" dirty="0"/>
+                    </a:p>
+                    <a:p>
+                      <a:pPr algn="ctr"/>
+                      <a:r>
+                        <a:rPr lang="de-DE" sz="1000" dirty="0" err="1"/>
+                        <a:t>Derholzrinde</a:t>
+                      </a:r>
+                      <a:endParaRPr lang="de-DE" sz="1000" dirty="0"/>
+                    </a:p>
+                  </a:txBody>
+                  <a:tcPr/>
+                </a:tc>
+                <a:tc>
+                  <a:txBody>
+                    <a:bodyPr/>
+                    <a:lstStyle/>
+                    <a:p>
+                      <a:pPr algn="ctr"/>
+                      <a:endParaRPr lang="de-DE" sz="1000" dirty="0"/>
+                    </a:p>
+                  </a:txBody>
+                  <a:tcPr/>
+                </a:tc>
+                <a:tc>
+                  <a:txBody>
+                    <a:bodyPr/>
+                    <a:lstStyle/>
+                    <a:p>
+                      <a:pPr algn="ctr"/>
+                      <a:r>
+                        <a:rPr lang="de-DE" sz="1000" dirty="0" err="1"/>
+                        <a:t>stump</a:t>
+                      </a:r>
+                      <a:endParaRPr lang="de-DE" sz="1000" dirty="0"/>
+                    </a:p>
+                    <a:p>
+                      <a:pPr algn="ctr"/>
+                      <a:r>
+                        <a:rPr lang="de-DE" sz="1000" dirty="0"/>
+                        <a:t>Stock</a:t>
+                      </a:r>
+                    </a:p>
+                  </a:txBody>
+                  <a:tcPr/>
+                </a:tc>
+                <a:tc>
+                  <a:txBody>
+                    <a:bodyPr/>
+                    <a:lstStyle/>
+                    <a:p>
+                      <a:pPr algn="ctr"/>
+                      <a:endParaRPr lang="de-DE" sz="1000" dirty="0"/>
+                    </a:p>
+                  </a:txBody>
+                  <a:tcPr/>
+                </a:tc>
+                <a:tc>
+                  <a:txBody>
+                    <a:bodyPr/>
+                    <a:lstStyle/>
+                    <a:p>
+                      <a:pPr algn="ctr"/>
+                      <a:r>
+                        <a:rPr lang="de-DE" sz="1000" dirty="0" err="1"/>
+                        <a:t>bark</a:t>
+                      </a:r>
+                      <a:r>
+                        <a:rPr lang="de-DE" sz="1000" dirty="0"/>
+                        <a:t> ob </a:t>
+                      </a:r>
+                      <a:r>
+                        <a:rPr lang="de-DE" sz="1000" dirty="0" err="1"/>
+                        <a:t>stump</a:t>
+                      </a:r>
+                      <a:endParaRPr lang="de-DE" sz="1000" dirty="0"/>
+                    </a:p>
+                    <a:p>
+                      <a:pPr algn="ctr"/>
+                      <a:r>
+                        <a:rPr lang="de-DE" sz="1000" dirty="0"/>
+                        <a:t>Stockrinde</a:t>
+                      </a:r>
+                    </a:p>
+                  </a:txBody>
+                  <a:tcPr/>
+                </a:tc>
+                <a:extLst>
+                  <a:ext uri="{0D108BD9-81ED-4DB2-BD59-A6C34878D82A}">
+                    <a16:rowId xmlns:a16="http://schemas.microsoft.com/office/drawing/2014/main" val="317469444"/>
+                  </a:ext>
+                </a:extLst>
+              </a:tr>
+            </a:tbl>
+          </a:graphicData>
+        </a:graphic>
+      </p:graphicFrame>
+      <p:sp>
+        <p:nvSpPr>
+          <p:cNvPr id="14" name="Geschweifte Klammer rechts 13">
+            <a:extLst>
+              <a:ext uri="{FF2B5EF4-FFF2-40B4-BE49-F238E27FC236}">
+                <a16:creationId xmlns:a16="http://schemas.microsoft.com/office/drawing/2014/main" id="{60883F6A-4F26-4A91-A703-CB01A6405C4E}"/>
+              </a:ext>
+            </a:extLst>
+          </p:cNvPr>
+          <p:cNvSpPr/>
+          <p:nvPr/>
+        </p:nvSpPr>
+        <p:spPr>
+          <a:xfrm rot="16200000">
+            <a:off x="5070839" y="-1782070"/>
+            <a:ext cx="293164" cy="7026550"/>
+          </a:xfrm>
+          <a:prstGeom prst="rightBrace">
+            <a:avLst>
+              <a:gd name="adj1" fmla="val 8333"/>
+              <a:gd name="adj2" fmla="val 49294"/>
+            </a:avLst>
+          </a:prstGeom>
+        </p:spPr>
+        <p:style>
+          <a:lnRef idx="1">
+            <a:schemeClr val="accent1"/>
+          </a:lnRef>
+          <a:fillRef idx="0">
+            <a:schemeClr val="accent1"/>
+          </a:fillRef>
+          <a:effectRef idx="0">
+            <a:schemeClr val="accent1"/>
+          </a:effectRef>
+          <a:fontRef idx="minor">
+            <a:schemeClr val="tx1"/>
+          </a:fontRef>
+        </p:style>
+        <p:txBody>
+          <a:bodyPr rtlCol="0" anchor="ctr"/>
+          <a:lstStyle/>
+          <a:p>
+            <a:pPr algn="ctr"/>
+            <a:endParaRPr lang="de-DE"/>
+          </a:p>
+        </p:txBody>
+      </p:sp>
+      <p:sp>
+        <p:nvSpPr>
+          <p:cNvPr id="15" name="Textfeld 14">
+            <a:extLst>
+              <a:ext uri="{FF2B5EF4-FFF2-40B4-BE49-F238E27FC236}">
+                <a16:creationId xmlns:a16="http://schemas.microsoft.com/office/drawing/2014/main" id="{9782EF23-F21A-4A6F-B866-9B84621162D5}"/>
+              </a:ext>
+            </a:extLst>
+          </p:cNvPr>
+          <p:cNvSpPr txBox="1"/>
+          <p:nvPr/>
+        </p:nvSpPr>
+        <p:spPr>
+          <a:xfrm>
+            <a:off x="3840211" y="1274405"/>
+            <a:ext cx="2993231" cy="281616"/>
+          </a:xfrm>
+          <a:prstGeom prst="rect">
+            <a:avLst/>
+          </a:prstGeom>
+          <a:noFill/>
+        </p:spPr>
+        <p:txBody>
+          <a:bodyPr wrap="square" lIns="0" tIns="0" rIns="0" bIns="0" rtlCol="0">
+            <a:spAutoFit/>
+          </a:bodyPr>
+          <a:lstStyle/>
+          <a:p>
+            <a:pPr marL="0">
+              <a:lnSpc>
+                <a:spcPts val="2400"/>
+              </a:lnSpc>
+              <a:spcAft>
+                <a:spcPts val="1200"/>
+              </a:spcAft>
+            </a:pPr>
+            <a:r>
+              <a:rPr lang="de-DE" sz="1500" dirty="0">
+                <a:solidFill>
+                  <a:schemeClr val="tx2"/>
+                </a:solidFill>
+              </a:rPr>
+              <a:t>External </a:t>
+            </a:r>
+            <a:r>
+              <a:rPr lang="de-DE" sz="1500" dirty="0" err="1">
+                <a:solidFill>
+                  <a:schemeClr val="tx2"/>
+                </a:solidFill>
+              </a:rPr>
+              <a:t>calculated</a:t>
+            </a:r>
+            <a:r>
+              <a:rPr lang="de-DE" sz="1500" dirty="0">
+                <a:solidFill>
+                  <a:schemeClr val="tx2"/>
+                </a:solidFill>
+              </a:rPr>
+              <a:t> </a:t>
+            </a:r>
+            <a:r>
+              <a:rPr lang="de-DE" sz="1500" dirty="0" err="1">
+                <a:solidFill>
+                  <a:schemeClr val="tx2"/>
+                </a:solidFill>
+              </a:rPr>
+              <a:t>compartiments</a:t>
+            </a:r>
+            <a:endParaRPr lang="de-DE" sz="1500" dirty="0">
+              <a:solidFill>
+                <a:schemeClr val="tx2"/>
+              </a:solidFill>
+            </a:endParaRPr>
+          </a:p>
+        </p:txBody>
+      </p:sp>
+      <p:sp>
+        <p:nvSpPr>
+          <p:cNvPr id="17" name="Geschweifte Klammer rechts 16">
+            <a:extLst>
+              <a:ext uri="{FF2B5EF4-FFF2-40B4-BE49-F238E27FC236}">
+                <a16:creationId xmlns:a16="http://schemas.microsoft.com/office/drawing/2014/main" id="{527FCA93-70A9-45F1-A542-2949BFE4051A}"/>
+              </a:ext>
+            </a:extLst>
+          </p:cNvPr>
+          <p:cNvSpPr/>
+          <p:nvPr/>
+        </p:nvSpPr>
+        <p:spPr>
+          <a:xfrm rot="16200000">
+            <a:off x="708071" y="1275467"/>
+            <a:ext cx="293164" cy="989306"/>
+          </a:xfrm>
+          <a:prstGeom prst="rightBrace">
+            <a:avLst>
+              <a:gd name="adj1" fmla="val 8333"/>
+              <a:gd name="adj2" fmla="val 49294"/>
+            </a:avLst>
+          </a:prstGeom>
+        </p:spPr>
+        <p:style>
+          <a:lnRef idx="1">
+            <a:schemeClr val="accent1"/>
+          </a:lnRef>
+          <a:fillRef idx="0">
+            <a:schemeClr val="accent1"/>
+          </a:fillRef>
+          <a:effectRef idx="0">
+            <a:schemeClr val="accent1"/>
+          </a:effectRef>
+          <a:fontRef idx="minor">
+            <a:schemeClr val="tx1"/>
+          </a:fontRef>
+        </p:style>
+        <p:txBody>
+          <a:bodyPr rtlCol="0" anchor="ctr"/>
+          <a:lstStyle/>
+          <a:p>
+            <a:pPr algn="ctr"/>
+            <a:endParaRPr lang="de-DE"/>
+          </a:p>
+        </p:txBody>
+      </p:sp>
+      <p:sp>
+        <p:nvSpPr>
+          <p:cNvPr id="18" name="Textfeld 17">
+            <a:extLst>
+              <a:ext uri="{FF2B5EF4-FFF2-40B4-BE49-F238E27FC236}">
+                <a16:creationId xmlns:a16="http://schemas.microsoft.com/office/drawing/2014/main" id="{C8D9B47F-E74F-4289-9E0B-423417FFC48F}"/>
+              </a:ext>
+            </a:extLst>
+          </p:cNvPr>
+          <p:cNvSpPr txBox="1"/>
+          <p:nvPr/>
+        </p:nvSpPr>
+        <p:spPr>
+          <a:xfrm>
+            <a:off x="360000" y="995504"/>
+            <a:ext cx="1530580" cy="589392"/>
+          </a:xfrm>
+          <a:prstGeom prst="rect">
+            <a:avLst/>
+          </a:prstGeom>
+          <a:noFill/>
+        </p:spPr>
+        <p:txBody>
+          <a:bodyPr wrap="square" lIns="0" tIns="0" rIns="0" bIns="0" rtlCol="0">
+            <a:spAutoFit/>
+          </a:bodyPr>
+          <a:lstStyle/>
+          <a:p>
+            <a:pPr marL="0">
+              <a:lnSpc>
+                <a:spcPts val="2400"/>
+              </a:lnSpc>
+              <a:spcAft>
+                <a:spcPts val="1200"/>
+              </a:spcAft>
+            </a:pPr>
+            <a:r>
+              <a:rPr lang="de-DE" sz="1500" dirty="0">
+                <a:solidFill>
+                  <a:schemeClr val="tx2"/>
+                </a:solidFill>
+              </a:rPr>
+              <a:t>Total </a:t>
+            </a:r>
+            <a:r>
+              <a:rPr lang="de-DE" sz="1500" dirty="0" err="1">
+                <a:solidFill>
+                  <a:schemeClr val="tx2"/>
+                </a:solidFill>
+              </a:rPr>
+              <a:t>biomass</a:t>
+            </a:r>
+            <a:r>
+              <a:rPr lang="de-DE" sz="1500" dirty="0">
+                <a:solidFill>
+                  <a:schemeClr val="tx2"/>
+                </a:solidFill>
+              </a:rPr>
+              <a:t> </a:t>
+            </a:r>
+            <a:r>
+              <a:rPr lang="de-DE" sz="1500" dirty="0" err="1">
+                <a:solidFill>
+                  <a:schemeClr val="tx2"/>
+                </a:solidFill>
+              </a:rPr>
+              <a:t>calcualted</a:t>
+            </a:r>
+            <a:r>
+              <a:rPr lang="de-DE" sz="1500" dirty="0">
+                <a:solidFill>
+                  <a:schemeClr val="tx2"/>
+                </a:solidFill>
+              </a:rPr>
+              <a:t> </a:t>
+            </a:r>
+            <a:r>
+              <a:rPr lang="de-DE" sz="1500" dirty="0" err="1">
+                <a:solidFill>
+                  <a:schemeClr val="tx2"/>
+                </a:solidFill>
+              </a:rPr>
+              <a:t>by</a:t>
+            </a:r>
+            <a:r>
+              <a:rPr lang="de-DE" sz="1500" dirty="0">
+                <a:solidFill>
+                  <a:schemeClr val="tx2"/>
+                </a:solidFill>
+              </a:rPr>
+              <a:t> GHGI</a:t>
+            </a:r>
+          </a:p>
+        </p:txBody>
+      </p:sp>
     </p:spTree>
     <p:extLst>
       <p:ext uri="{BB962C8B-B14F-4D97-AF65-F5344CB8AC3E}">
@@ -27365,6 +27923,3408 @@
 </file>
 
 <file path=ppt/slides/slide14.xml><?xml version="1.0" encoding="utf-8"?>
+<p:sld xmlns:a="http://schemas.openxmlformats.org/drawingml/2006/main" xmlns:r="http://schemas.openxmlformats.org/officeDocument/2006/relationships" xmlns:p="http://schemas.openxmlformats.org/presentationml/2006/main">
+  <p:cSld>
+    <p:spTree>
+      <p:nvGrpSpPr>
+        <p:cNvPr id="1" name=""/>
+        <p:cNvGrpSpPr/>
+        <p:nvPr/>
+      </p:nvGrpSpPr>
+      <p:grpSpPr>
+        <a:xfrm>
+          <a:off x="0" y="0"/>
+          <a:ext cx="0" cy="0"/>
+          <a:chOff x="0" y="0"/>
+          <a:chExt cx="0" cy="0"/>
+        </a:xfrm>
+      </p:grpSpPr>
+      <p:sp>
+        <p:nvSpPr>
+          <p:cNvPr id="2" name="Titel 1">
+            <a:extLst>
+              <a:ext uri="{FF2B5EF4-FFF2-40B4-BE49-F238E27FC236}">
+                <a16:creationId xmlns:a16="http://schemas.microsoft.com/office/drawing/2014/main" id="{B46450EE-5D92-410B-B4EF-8D24367C487B}"/>
+              </a:ext>
+            </a:extLst>
+          </p:cNvPr>
+          <p:cNvSpPr>
+            <a:spLocks noGrp="1"/>
+          </p:cNvSpPr>
+          <p:nvPr>
+            <p:ph type="title"/>
+          </p:nvPr>
+        </p:nvSpPr>
+        <p:spPr/>
+        <p:txBody>
+          <a:bodyPr/>
+          <a:lstStyle/>
+          <a:p>
+            <a:r>
+              <a:rPr lang="de-DE" dirty="0"/>
+              <a:t>Berechnung</a:t>
+            </a:r>
+          </a:p>
+        </p:txBody>
+      </p:sp>
+      <p:graphicFrame>
+        <p:nvGraphicFramePr>
+          <p:cNvPr id="5" name="Tabelle 4">
+            <a:extLst>
+              <a:ext uri="{FF2B5EF4-FFF2-40B4-BE49-F238E27FC236}">
+                <a16:creationId xmlns:a16="http://schemas.microsoft.com/office/drawing/2014/main" id="{35EF3231-1555-40CA-94A2-43522822553E}"/>
+              </a:ext>
+            </a:extLst>
+          </p:cNvPr>
+          <p:cNvGraphicFramePr>
+            <a:graphicFrameLocks noGrp="1"/>
+          </p:cNvGraphicFramePr>
+          <p:nvPr>
+            <p:extLst>
+              <p:ext uri="{D42A27DB-BD31-4B8C-83A1-F6EECF244321}">
+                <p14:modId xmlns:p14="http://schemas.microsoft.com/office/powerpoint/2010/main" val="3577287551"/>
+              </p:ext>
+            </p:extLst>
+          </p:nvPr>
+        </p:nvGraphicFramePr>
+        <p:xfrm>
+          <a:off x="404924" y="3029077"/>
+          <a:ext cx="8370697" cy="1645920"/>
+        </p:xfrm>
+        <a:graphic>
+          <a:graphicData uri="http://schemas.openxmlformats.org/drawingml/2006/table">
+            <a:tbl>
+              <a:tblPr firstRow="1" bandRow="1">
+                <a:tableStyleId>{2D5ABB26-0587-4C30-8999-92F81FD0307C}</a:tableStyleId>
+              </a:tblPr>
+              <a:tblGrid>
+                <a:gridCol w="1026053">
+                  <a:extLst>
+                    <a:ext uri="{9D8B030D-6E8A-4147-A177-3AD203B41FA5}">
+                      <a16:colId xmlns:a16="http://schemas.microsoft.com/office/drawing/2014/main" val="4200011834"/>
+                    </a:ext>
+                  </a:extLst>
+                </a:gridCol>
+                <a:gridCol w="270731">
+                  <a:extLst>
+                    <a:ext uri="{9D8B030D-6E8A-4147-A177-3AD203B41FA5}">
+                      <a16:colId xmlns:a16="http://schemas.microsoft.com/office/drawing/2014/main" val="2045396137"/>
+                    </a:ext>
+                  </a:extLst>
+                </a:gridCol>
+                <a:gridCol w="878186">
+                  <a:extLst>
+                    <a:ext uri="{9D8B030D-6E8A-4147-A177-3AD203B41FA5}">
+                      <a16:colId xmlns:a16="http://schemas.microsoft.com/office/drawing/2014/main" val="696288936"/>
+                    </a:ext>
+                  </a:extLst>
+                </a:gridCol>
+                <a:gridCol w="217283">
+                  <a:extLst>
+                    <a:ext uri="{9D8B030D-6E8A-4147-A177-3AD203B41FA5}">
+                      <a16:colId xmlns:a16="http://schemas.microsoft.com/office/drawing/2014/main" val="2305764395"/>
+                    </a:ext>
+                  </a:extLst>
+                </a:gridCol>
+                <a:gridCol w="929098">
+                  <a:extLst>
+                    <a:ext uri="{9D8B030D-6E8A-4147-A177-3AD203B41FA5}">
+                      <a16:colId xmlns:a16="http://schemas.microsoft.com/office/drawing/2014/main" val="1307632904"/>
+                    </a:ext>
+                  </a:extLst>
+                </a:gridCol>
+                <a:gridCol w="247853">
+                  <a:extLst>
+                    <a:ext uri="{9D8B030D-6E8A-4147-A177-3AD203B41FA5}">
+                      <a16:colId xmlns:a16="http://schemas.microsoft.com/office/drawing/2014/main" val="3409259925"/>
+                    </a:ext>
+                  </a:extLst>
+                </a:gridCol>
+                <a:gridCol w="1224687">
+                  <a:extLst>
+                    <a:ext uri="{9D8B030D-6E8A-4147-A177-3AD203B41FA5}">
+                      <a16:colId xmlns:a16="http://schemas.microsoft.com/office/drawing/2014/main" val="3322586312"/>
+                    </a:ext>
+                  </a:extLst>
+                </a:gridCol>
+                <a:gridCol w="214814">
+                  <a:extLst>
+                    <a:ext uri="{9D8B030D-6E8A-4147-A177-3AD203B41FA5}">
+                      <a16:colId xmlns:a16="http://schemas.microsoft.com/office/drawing/2014/main" val="3580350163"/>
+                    </a:ext>
+                  </a:extLst>
+                </a:gridCol>
+                <a:gridCol w="1131633">
+                  <a:extLst>
+                    <a:ext uri="{9D8B030D-6E8A-4147-A177-3AD203B41FA5}">
+                      <a16:colId xmlns:a16="http://schemas.microsoft.com/office/drawing/2014/main" val="488407553"/>
+                    </a:ext>
+                  </a:extLst>
+                </a:gridCol>
+                <a:gridCol w="208280">
+                  <a:extLst>
+                    <a:ext uri="{9D8B030D-6E8A-4147-A177-3AD203B41FA5}">
+                      <a16:colId xmlns:a16="http://schemas.microsoft.com/office/drawing/2014/main" val="2043652952"/>
+                    </a:ext>
+                  </a:extLst>
+                </a:gridCol>
+                <a:gridCol w="879714">
+                  <a:extLst>
+                    <a:ext uri="{9D8B030D-6E8A-4147-A177-3AD203B41FA5}">
+                      <a16:colId xmlns:a16="http://schemas.microsoft.com/office/drawing/2014/main" val="2356173879"/>
+                    </a:ext>
+                  </a:extLst>
+                </a:gridCol>
+                <a:gridCol w="215755">
+                  <a:extLst>
+                    <a:ext uri="{9D8B030D-6E8A-4147-A177-3AD203B41FA5}">
+                      <a16:colId xmlns:a16="http://schemas.microsoft.com/office/drawing/2014/main" val="1625032845"/>
+                    </a:ext>
+                  </a:extLst>
+                </a:gridCol>
+                <a:gridCol w="926610">
+                  <a:extLst>
+                    <a:ext uri="{9D8B030D-6E8A-4147-A177-3AD203B41FA5}">
+                      <a16:colId xmlns:a16="http://schemas.microsoft.com/office/drawing/2014/main" val="2867910828"/>
+                    </a:ext>
+                  </a:extLst>
+                </a:gridCol>
+              </a:tblGrid>
+              <a:tr h="268579">
+                <a:tc>
+                  <a:txBody>
+                    <a:bodyPr/>
+                    <a:lstStyle/>
+                    <a:p>
+                      <a:pPr algn="ctr"/>
+                      <a:r>
+                        <a:rPr lang="de-DE" sz="1200" b="1" dirty="0">
+                          <a:solidFill>
+                            <a:schemeClr val="accent3">
+                              <a:lumMod val="75000"/>
+                            </a:schemeClr>
+                          </a:solidFill>
+                        </a:rPr>
+                        <a:t>GHG </a:t>
+                      </a:r>
+                      <a:r>
+                        <a:rPr lang="de-DE" sz="1200" b="1" dirty="0" err="1">
+                          <a:solidFill>
+                            <a:schemeClr val="accent3">
+                              <a:lumMod val="75000"/>
+                            </a:schemeClr>
+                          </a:solidFill>
+                        </a:rPr>
+                        <a:t>swB</a:t>
+                      </a:r>
+                      <a:endParaRPr lang="de-DE" sz="1200" b="1" dirty="0">
+                        <a:solidFill>
+                          <a:schemeClr val="accent3">
+                            <a:lumMod val="75000"/>
+                          </a:schemeClr>
+                        </a:solidFill>
+                      </a:endParaRPr>
+                    </a:p>
+                  </a:txBody>
+                  <a:tcPr/>
+                </a:tc>
+                <a:tc>
+                  <a:txBody>
+                    <a:bodyPr/>
+                    <a:lstStyle/>
+                    <a:p>
+                      <a:pPr algn="ctr"/>
+                      <a:r>
+                        <a:rPr lang="de-DE" sz="1200" b="1" dirty="0"/>
+                        <a:t>= </a:t>
+                      </a:r>
+                    </a:p>
+                  </a:txBody>
+                  <a:tcPr/>
+                </a:tc>
+                <a:tc>
+                  <a:txBody>
+                    <a:bodyPr/>
+                    <a:lstStyle/>
+                    <a:p>
+                      <a:pPr algn="ctr"/>
+                      <a:r>
+                        <a:rPr lang="de-DE" sz="1200" b="1" dirty="0"/>
+                        <a:t>GHG </a:t>
+                      </a:r>
+                      <a:r>
+                        <a:rPr lang="de-DE" sz="1200" b="1" dirty="0" err="1"/>
+                        <a:t>aB</a:t>
+                      </a:r>
+                      <a:endParaRPr lang="de-DE" sz="1200" b="1" dirty="0"/>
+                    </a:p>
+                  </a:txBody>
+                  <a:tcPr/>
+                </a:tc>
+                <a:tc>
+                  <a:txBody>
+                    <a:bodyPr/>
+                    <a:lstStyle/>
+                    <a:p>
+                      <a:pPr algn="ctr"/>
+                      <a:r>
+                        <a:rPr lang="de-DE" sz="1200" b="1" dirty="0"/>
+                        <a:t>-</a:t>
+                      </a:r>
+                    </a:p>
+                  </a:txBody>
+                  <a:tcPr/>
+                </a:tc>
+                <a:tc>
+                  <a:txBody>
+                    <a:bodyPr/>
+                    <a:lstStyle/>
+                    <a:p>
+                      <a:pPr algn="ctr"/>
+                      <a:r>
+                        <a:rPr lang="de-DE" sz="1200" b="1" dirty="0"/>
+                        <a:t>(</a:t>
+                      </a:r>
+                      <a:r>
+                        <a:rPr lang="de-DE" sz="1200" b="1" dirty="0" err="1"/>
+                        <a:t>TapeS</a:t>
+                      </a:r>
+                      <a:r>
+                        <a:rPr lang="de-DE" sz="1200" b="1" dirty="0"/>
+                        <a:t> </a:t>
+                      </a:r>
+                      <a:r>
+                        <a:rPr lang="de-DE" sz="1200" b="1" dirty="0" err="1"/>
+                        <a:t>fB</a:t>
+                      </a:r>
+                      <a:endParaRPr lang="de-DE" sz="1200" b="1" dirty="0"/>
+                    </a:p>
+                  </a:txBody>
+                  <a:tcPr/>
+                </a:tc>
+                <a:tc>
+                  <a:txBody>
+                    <a:bodyPr/>
+                    <a:lstStyle/>
+                    <a:p>
+                      <a:pPr algn="ctr"/>
+                      <a:r>
+                        <a:rPr lang="de-DE" sz="1200" b="1" dirty="0"/>
+                        <a:t>+ </a:t>
+                      </a:r>
+                    </a:p>
+                  </a:txBody>
+                  <a:tcPr/>
+                </a:tc>
+                <a:tc>
+                  <a:txBody>
+                    <a:bodyPr/>
+                    <a:lstStyle/>
+                    <a:p>
+                      <a:pPr algn="ctr"/>
+                      <a:r>
+                        <a:rPr lang="de-DE" sz="1200" b="1" dirty="0" err="1"/>
+                        <a:t>TapeS</a:t>
+                      </a:r>
+                      <a:r>
+                        <a:rPr lang="de-DE" sz="1200" b="1" dirty="0"/>
+                        <a:t> </a:t>
+                      </a:r>
+                      <a:r>
+                        <a:rPr lang="de-DE" sz="1200" b="1" dirty="0" err="1"/>
+                        <a:t>fwbB</a:t>
+                      </a:r>
+                      <a:endParaRPr lang="de-DE" sz="1200" b="1" dirty="0"/>
+                    </a:p>
+                  </a:txBody>
+                  <a:tcPr/>
+                </a:tc>
+                <a:tc>
+                  <a:txBody>
+                    <a:bodyPr/>
+                    <a:lstStyle/>
+                    <a:p>
+                      <a:pPr algn="ctr"/>
+                      <a:r>
+                        <a:rPr lang="de-DE" sz="1200" b="1" dirty="0"/>
+                        <a:t>+ </a:t>
+                      </a:r>
+                    </a:p>
+                  </a:txBody>
+                  <a:tcPr/>
+                </a:tc>
+                <a:tc>
+                  <a:txBody>
+                    <a:bodyPr/>
+                    <a:lstStyle/>
+                    <a:p>
+                      <a:pPr algn="ctr"/>
+                      <a:r>
+                        <a:rPr lang="de-DE" sz="1200" b="1" dirty="0" err="1"/>
+                        <a:t>TapeS</a:t>
+                      </a:r>
+                      <a:r>
+                        <a:rPr lang="de-DE" sz="1200" b="1" dirty="0"/>
+                        <a:t> </a:t>
+                      </a:r>
+                      <a:r>
+                        <a:rPr lang="de-DE" sz="1200" b="1" dirty="0" err="1"/>
+                        <a:t>swbB</a:t>
+                      </a:r>
+                      <a:endParaRPr lang="de-DE" sz="1200" b="1" dirty="0"/>
+                    </a:p>
+                  </a:txBody>
+                  <a:tcPr/>
+                </a:tc>
+                <a:tc>
+                  <a:txBody>
+                    <a:bodyPr/>
+                    <a:lstStyle/>
+                    <a:p>
+                      <a:pPr algn="ctr"/>
+                      <a:r>
+                        <a:rPr lang="de-DE" sz="1200" b="1" dirty="0">
+                          <a:solidFill>
+                            <a:schemeClr val="bg2">
+                              <a:lumMod val="50000"/>
+                            </a:schemeClr>
+                          </a:solidFill>
+                        </a:rPr>
+                        <a:t>+ </a:t>
+                      </a:r>
+                    </a:p>
+                  </a:txBody>
+                  <a:tcPr/>
+                </a:tc>
+                <a:tc>
+                  <a:txBody>
+                    <a:bodyPr/>
+                    <a:lstStyle/>
+                    <a:p>
+                      <a:pPr algn="ctr"/>
+                      <a:r>
+                        <a:rPr lang="de-DE" sz="1200" b="1" dirty="0" err="1">
+                          <a:solidFill>
+                            <a:schemeClr val="tx1">
+                              <a:lumMod val="50000"/>
+                              <a:lumOff val="50000"/>
+                            </a:schemeClr>
+                          </a:solidFill>
+                        </a:rPr>
+                        <a:t>TapeS</a:t>
+                      </a:r>
+                      <a:r>
+                        <a:rPr lang="de-DE" sz="1200" b="1" dirty="0">
+                          <a:solidFill>
+                            <a:schemeClr val="bg2">
+                              <a:lumMod val="50000"/>
+                            </a:schemeClr>
+                          </a:solidFill>
+                        </a:rPr>
+                        <a:t> </a:t>
+                      </a:r>
+                      <a:r>
+                        <a:rPr lang="de-DE" sz="1200" b="1" dirty="0" err="1">
+                          <a:solidFill>
+                            <a:schemeClr val="bg2">
+                              <a:lumMod val="50000"/>
+                            </a:schemeClr>
+                          </a:solidFill>
+                        </a:rPr>
+                        <a:t>stB</a:t>
+                      </a:r>
+                      <a:endParaRPr lang="de-DE" sz="1200" b="1" dirty="0">
+                        <a:solidFill>
+                          <a:schemeClr val="bg2">
+                            <a:lumMod val="50000"/>
+                          </a:schemeClr>
+                        </a:solidFill>
+                      </a:endParaRPr>
+                    </a:p>
+                  </a:txBody>
+                  <a:tcPr/>
+                </a:tc>
+                <a:tc>
+                  <a:txBody>
+                    <a:bodyPr/>
+                    <a:lstStyle/>
+                    <a:p>
+                      <a:pPr algn="ctr"/>
+                      <a:r>
+                        <a:rPr lang="de-DE" sz="1200" b="1" dirty="0">
+                          <a:solidFill>
+                            <a:schemeClr val="bg2">
+                              <a:lumMod val="50000"/>
+                            </a:schemeClr>
+                          </a:solidFill>
+                        </a:rPr>
+                        <a:t>+ </a:t>
+                      </a:r>
+                    </a:p>
+                  </a:txBody>
+                  <a:tcPr/>
+                </a:tc>
+                <a:tc>
+                  <a:txBody>
+                    <a:bodyPr/>
+                    <a:lstStyle/>
+                    <a:p>
+                      <a:pPr algn="ctr"/>
+                      <a:r>
+                        <a:rPr lang="de-DE" sz="1200" b="1" dirty="0" err="1">
+                          <a:solidFill>
+                            <a:schemeClr val="tx1">
+                              <a:lumMod val="50000"/>
+                              <a:lumOff val="50000"/>
+                            </a:schemeClr>
+                          </a:solidFill>
+                        </a:rPr>
+                        <a:t>TapeS</a:t>
+                      </a:r>
+                      <a:r>
+                        <a:rPr lang="de-DE" sz="1200" b="1" dirty="0">
+                          <a:solidFill>
+                            <a:schemeClr val="bg2">
+                              <a:lumMod val="50000"/>
+                            </a:schemeClr>
+                          </a:solidFill>
+                        </a:rPr>
+                        <a:t> </a:t>
+                      </a:r>
+                      <a:r>
+                        <a:rPr lang="de-DE" sz="1200" b="1" dirty="0" err="1">
+                          <a:solidFill>
+                            <a:schemeClr val="bg2">
+                              <a:lumMod val="50000"/>
+                            </a:schemeClr>
+                          </a:solidFill>
+                        </a:rPr>
+                        <a:t>stbB</a:t>
+                      </a:r>
+                      <a:r>
+                        <a:rPr lang="de-DE" sz="1200" b="1" dirty="0">
+                          <a:solidFill>
+                            <a:schemeClr val="bg2">
+                              <a:lumMod val="50000"/>
+                            </a:schemeClr>
+                          </a:solidFill>
+                        </a:rPr>
+                        <a:t>)</a:t>
+                      </a:r>
+                    </a:p>
+                  </a:txBody>
+                  <a:tcPr/>
+                </a:tc>
+                <a:extLst>
+                  <a:ext uri="{0D108BD9-81ED-4DB2-BD59-A6C34878D82A}">
+                    <a16:rowId xmlns:a16="http://schemas.microsoft.com/office/drawing/2014/main" val="1308814329"/>
+                  </a:ext>
+                </a:extLst>
+              </a:tr>
+              <a:tr h="268579">
+                <a:tc>
+                  <a:txBody>
+                    <a:bodyPr/>
+                    <a:lstStyle/>
+                    <a:p>
+                      <a:pPr algn="ctr"/>
+                      <a:r>
+                        <a:rPr lang="de-DE" sz="1200" b="1" dirty="0">
+                          <a:solidFill>
+                            <a:schemeClr val="accent4">
+                              <a:lumMod val="75000"/>
+                            </a:schemeClr>
+                          </a:solidFill>
+                        </a:rPr>
+                        <a:t>GHG </a:t>
+                      </a:r>
+                      <a:r>
+                        <a:rPr lang="de-DE" sz="1200" b="1" dirty="0" err="1">
+                          <a:solidFill>
+                            <a:schemeClr val="accent4">
+                              <a:lumMod val="75000"/>
+                            </a:schemeClr>
+                          </a:solidFill>
+                        </a:rPr>
+                        <a:t>swbB</a:t>
+                      </a:r>
+                      <a:endParaRPr lang="de-DE" sz="1200" b="1" dirty="0">
+                        <a:solidFill>
+                          <a:schemeClr val="accent4">
+                            <a:lumMod val="75000"/>
+                          </a:schemeClr>
+                        </a:solidFill>
+                      </a:endParaRPr>
+                    </a:p>
+                  </a:txBody>
+                  <a:tcPr/>
+                </a:tc>
+                <a:tc>
+                  <a:txBody>
+                    <a:bodyPr/>
+                    <a:lstStyle/>
+                    <a:p>
+                      <a:pPr algn="ctr"/>
+                      <a:r>
+                        <a:rPr lang="de-DE" sz="1200" b="1" dirty="0"/>
+                        <a:t>= </a:t>
+                      </a:r>
+                    </a:p>
+                  </a:txBody>
+                  <a:tcPr/>
+                </a:tc>
+                <a:tc>
+                  <a:txBody>
+                    <a:bodyPr/>
+                    <a:lstStyle/>
+                    <a:p>
+                      <a:pPr algn="ctr"/>
+                      <a:r>
+                        <a:rPr lang="de-DE" sz="1200" b="1" dirty="0"/>
+                        <a:t>GHG </a:t>
+                      </a:r>
+                      <a:r>
+                        <a:rPr lang="de-DE" sz="1200" b="1" dirty="0" err="1"/>
+                        <a:t>aB</a:t>
+                      </a:r>
+                      <a:endParaRPr lang="de-DE" sz="1200" b="1" dirty="0"/>
+                    </a:p>
+                  </a:txBody>
+                  <a:tcPr/>
+                </a:tc>
+                <a:tc>
+                  <a:txBody>
+                    <a:bodyPr/>
+                    <a:lstStyle/>
+                    <a:p>
+                      <a:pPr algn="ctr"/>
+                      <a:r>
+                        <a:rPr lang="de-DE" sz="1200" b="1" dirty="0"/>
+                        <a:t>-</a:t>
+                      </a:r>
+                    </a:p>
+                  </a:txBody>
+                  <a:tcPr/>
+                </a:tc>
+                <a:tc>
+                  <a:txBody>
+                    <a:bodyPr/>
+                    <a:lstStyle/>
+                    <a:p>
+                      <a:pPr algn="ctr"/>
+                      <a:r>
+                        <a:rPr lang="de-DE" sz="1200" b="1" dirty="0"/>
+                        <a:t>(</a:t>
+                      </a:r>
+                      <a:r>
+                        <a:rPr lang="de-DE" sz="1200" b="1" dirty="0" err="1"/>
+                        <a:t>TapeS</a:t>
+                      </a:r>
+                      <a:r>
+                        <a:rPr lang="de-DE" sz="1200" b="1" dirty="0"/>
+                        <a:t> </a:t>
+                      </a:r>
+                      <a:r>
+                        <a:rPr lang="de-DE" sz="1200" b="1" dirty="0" err="1"/>
+                        <a:t>fB</a:t>
+                      </a:r>
+                      <a:endParaRPr lang="de-DE" sz="1200" b="1" dirty="0"/>
+                    </a:p>
+                  </a:txBody>
+                  <a:tcPr/>
+                </a:tc>
+                <a:tc>
+                  <a:txBody>
+                    <a:bodyPr/>
+                    <a:lstStyle/>
+                    <a:p>
+                      <a:pPr algn="ctr"/>
+                      <a:r>
+                        <a:rPr lang="de-DE" sz="1200" b="1" dirty="0"/>
+                        <a:t>+ </a:t>
+                      </a:r>
+                    </a:p>
+                  </a:txBody>
+                  <a:tcPr/>
+                </a:tc>
+                <a:tc>
+                  <a:txBody>
+                    <a:bodyPr/>
+                    <a:lstStyle/>
+                    <a:p>
+                      <a:pPr algn="ctr"/>
+                      <a:r>
+                        <a:rPr lang="de-DE" sz="1200" b="1" dirty="0" err="1"/>
+                        <a:t>TapeS</a:t>
+                      </a:r>
+                      <a:r>
+                        <a:rPr lang="de-DE" sz="1200" b="1" dirty="0"/>
+                        <a:t> </a:t>
+                      </a:r>
+                      <a:r>
+                        <a:rPr lang="de-DE" sz="1200" b="1" dirty="0" err="1"/>
+                        <a:t>fwbB</a:t>
+                      </a:r>
+                      <a:endParaRPr lang="de-DE" sz="1200" b="1" dirty="0"/>
+                    </a:p>
+                  </a:txBody>
+                  <a:tcPr/>
+                </a:tc>
+                <a:tc>
+                  <a:txBody>
+                    <a:bodyPr/>
+                    <a:lstStyle/>
+                    <a:p>
+                      <a:pPr algn="ctr"/>
+                      <a:r>
+                        <a:rPr lang="de-DE" sz="1200" b="1" dirty="0"/>
+                        <a:t>+ </a:t>
+                      </a:r>
+                    </a:p>
+                  </a:txBody>
+                  <a:tcPr/>
+                </a:tc>
+                <a:tc>
+                  <a:txBody>
+                    <a:bodyPr/>
+                    <a:lstStyle/>
+                    <a:p>
+                      <a:pPr marL="0" marR="0" lvl="0" indent="0" algn="ctr" defTabSz="685800" rtl="0" eaLnBrk="1" fontAlgn="auto" latinLnBrk="0" hangingPunct="1">
+                        <a:lnSpc>
+                          <a:spcPct val="100000"/>
+                        </a:lnSpc>
+                        <a:spcBef>
+                          <a:spcPts val="0"/>
+                        </a:spcBef>
+                        <a:spcAft>
+                          <a:spcPts val="0"/>
+                        </a:spcAft>
+                        <a:buClrTx/>
+                        <a:buSzTx/>
+                        <a:buFontTx/>
+                        <a:buNone/>
+                        <a:tabLst/>
+                        <a:defRPr/>
+                      </a:pPr>
+                      <a:r>
+                        <a:rPr lang="de-DE" sz="1200" b="1" dirty="0">
+                          <a:solidFill>
+                            <a:schemeClr val="accent3">
+                              <a:lumMod val="75000"/>
+                            </a:schemeClr>
+                          </a:solidFill>
+                        </a:rPr>
+                        <a:t>GHG </a:t>
+                      </a:r>
+                      <a:r>
+                        <a:rPr lang="de-DE" sz="1200" b="1" dirty="0" err="1">
+                          <a:solidFill>
+                            <a:schemeClr val="accent3">
+                              <a:lumMod val="75000"/>
+                            </a:schemeClr>
+                          </a:solidFill>
+                        </a:rPr>
+                        <a:t>swb</a:t>
+                      </a:r>
+                      <a:endParaRPr lang="de-DE" sz="1200" b="1" dirty="0">
+                        <a:solidFill>
+                          <a:schemeClr val="accent3">
+                            <a:lumMod val="75000"/>
+                          </a:schemeClr>
+                        </a:solidFill>
+                      </a:endParaRPr>
+                    </a:p>
+                  </a:txBody>
+                  <a:tcPr/>
+                </a:tc>
+                <a:tc>
+                  <a:txBody>
+                    <a:bodyPr/>
+                    <a:lstStyle/>
+                    <a:p>
+                      <a:pPr algn="ctr"/>
+                      <a:r>
+                        <a:rPr lang="de-DE" sz="1200" b="1" dirty="0">
+                          <a:solidFill>
+                            <a:schemeClr val="bg2">
+                              <a:lumMod val="50000"/>
+                            </a:schemeClr>
+                          </a:solidFill>
+                        </a:rPr>
+                        <a:t>+ </a:t>
+                      </a:r>
+                    </a:p>
+                  </a:txBody>
+                  <a:tcPr/>
+                </a:tc>
+                <a:tc>
+                  <a:txBody>
+                    <a:bodyPr/>
+                    <a:lstStyle/>
+                    <a:p>
+                      <a:pPr algn="ctr"/>
+                      <a:r>
+                        <a:rPr lang="de-DE" sz="1200" b="1" dirty="0" err="1">
+                          <a:solidFill>
+                            <a:schemeClr val="tx1">
+                              <a:lumMod val="50000"/>
+                              <a:lumOff val="50000"/>
+                            </a:schemeClr>
+                          </a:solidFill>
+                        </a:rPr>
+                        <a:t>TapeS</a:t>
+                      </a:r>
+                      <a:r>
+                        <a:rPr lang="de-DE" sz="1200" b="1" dirty="0">
+                          <a:solidFill>
+                            <a:schemeClr val="tx1">
+                              <a:lumMod val="50000"/>
+                              <a:lumOff val="50000"/>
+                            </a:schemeClr>
+                          </a:solidFill>
+                        </a:rPr>
+                        <a:t> </a:t>
+                      </a:r>
+                      <a:r>
+                        <a:rPr lang="de-DE" sz="1200" b="1" dirty="0" err="1">
+                          <a:solidFill>
+                            <a:schemeClr val="bg2">
+                              <a:lumMod val="50000"/>
+                            </a:schemeClr>
+                          </a:solidFill>
+                        </a:rPr>
+                        <a:t>stB</a:t>
+                      </a:r>
+                      <a:endParaRPr lang="de-DE" sz="1200" b="1" dirty="0">
+                        <a:solidFill>
+                          <a:schemeClr val="bg2">
+                            <a:lumMod val="50000"/>
+                          </a:schemeClr>
+                        </a:solidFill>
+                      </a:endParaRPr>
+                    </a:p>
+                  </a:txBody>
+                  <a:tcPr/>
+                </a:tc>
+                <a:tc>
+                  <a:txBody>
+                    <a:bodyPr/>
+                    <a:lstStyle/>
+                    <a:p>
+                      <a:pPr algn="ctr"/>
+                      <a:r>
+                        <a:rPr lang="de-DE" sz="1200" b="1" dirty="0">
+                          <a:solidFill>
+                            <a:schemeClr val="bg2">
+                              <a:lumMod val="50000"/>
+                            </a:schemeClr>
+                          </a:solidFill>
+                        </a:rPr>
+                        <a:t>+ </a:t>
+                      </a:r>
+                    </a:p>
+                  </a:txBody>
+                  <a:tcPr/>
+                </a:tc>
+                <a:tc>
+                  <a:txBody>
+                    <a:bodyPr/>
+                    <a:lstStyle/>
+                    <a:p>
+                      <a:pPr algn="ctr"/>
+                      <a:r>
+                        <a:rPr lang="de-DE" sz="1200" b="1" dirty="0" err="1">
+                          <a:solidFill>
+                            <a:schemeClr val="tx1">
+                              <a:lumMod val="50000"/>
+                              <a:lumOff val="50000"/>
+                            </a:schemeClr>
+                          </a:solidFill>
+                        </a:rPr>
+                        <a:t>TapeS</a:t>
+                      </a:r>
+                      <a:r>
+                        <a:rPr lang="de-DE" sz="1200" b="1" dirty="0">
+                          <a:solidFill>
+                            <a:schemeClr val="bg2">
+                              <a:lumMod val="50000"/>
+                            </a:schemeClr>
+                          </a:solidFill>
+                        </a:rPr>
+                        <a:t> </a:t>
+                      </a:r>
+                      <a:r>
+                        <a:rPr lang="de-DE" sz="1200" b="1" dirty="0" err="1">
+                          <a:solidFill>
+                            <a:schemeClr val="bg2">
+                              <a:lumMod val="50000"/>
+                            </a:schemeClr>
+                          </a:solidFill>
+                        </a:rPr>
+                        <a:t>stbB</a:t>
+                      </a:r>
+                      <a:r>
+                        <a:rPr lang="de-DE" sz="1200" b="1" dirty="0">
+                          <a:solidFill>
+                            <a:schemeClr val="bg2">
+                              <a:lumMod val="50000"/>
+                            </a:schemeClr>
+                          </a:solidFill>
+                        </a:rPr>
+                        <a:t>)</a:t>
+                      </a:r>
+                    </a:p>
+                  </a:txBody>
+                  <a:tcPr/>
+                </a:tc>
+                <a:extLst>
+                  <a:ext uri="{0D108BD9-81ED-4DB2-BD59-A6C34878D82A}">
+                    <a16:rowId xmlns:a16="http://schemas.microsoft.com/office/drawing/2014/main" val="1302899318"/>
+                  </a:ext>
+                </a:extLst>
+              </a:tr>
+              <a:tr h="268579">
+                <a:tc>
+                  <a:txBody>
+                    <a:bodyPr/>
+                    <a:lstStyle/>
+                    <a:p>
+                      <a:pPr algn="ctr"/>
+                      <a:r>
+                        <a:rPr lang="de-DE" sz="1200" b="1" dirty="0">
+                          <a:solidFill>
+                            <a:schemeClr val="accent6">
+                              <a:lumMod val="75000"/>
+                            </a:schemeClr>
+                          </a:solidFill>
+                        </a:rPr>
+                        <a:t>GHG </a:t>
+                      </a:r>
+                      <a:r>
+                        <a:rPr lang="de-DE" sz="1200" b="1" dirty="0" err="1">
+                          <a:solidFill>
+                            <a:schemeClr val="accent6">
+                              <a:lumMod val="75000"/>
+                            </a:schemeClr>
+                          </a:solidFill>
+                        </a:rPr>
+                        <a:t>fwbB</a:t>
+                      </a:r>
+                      <a:endParaRPr lang="de-DE" sz="1200" b="1" dirty="0">
+                        <a:solidFill>
+                          <a:schemeClr val="accent6">
+                            <a:lumMod val="75000"/>
+                          </a:schemeClr>
+                        </a:solidFill>
+                      </a:endParaRPr>
+                    </a:p>
+                  </a:txBody>
+                  <a:tcPr/>
+                </a:tc>
+                <a:tc>
+                  <a:txBody>
+                    <a:bodyPr/>
+                    <a:lstStyle/>
+                    <a:p>
+                      <a:pPr algn="ctr"/>
+                      <a:r>
+                        <a:rPr lang="de-DE" sz="1200" b="1" dirty="0"/>
+                        <a:t>= </a:t>
+                      </a:r>
+                    </a:p>
+                  </a:txBody>
+                  <a:tcPr/>
+                </a:tc>
+                <a:tc>
+                  <a:txBody>
+                    <a:bodyPr/>
+                    <a:lstStyle/>
+                    <a:p>
+                      <a:pPr algn="ctr"/>
+                      <a:r>
+                        <a:rPr lang="de-DE" sz="1200" b="1" dirty="0"/>
+                        <a:t>GHG </a:t>
+                      </a:r>
+                      <a:r>
+                        <a:rPr lang="de-DE" sz="1200" b="1" dirty="0" err="1"/>
+                        <a:t>aB</a:t>
+                      </a:r>
+                      <a:endParaRPr lang="de-DE" sz="1200" b="1" dirty="0"/>
+                    </a:p>
+                  </a:txBody>
+                  <a:tcPr/>
+                </a:tc>
+                <a:tc>
+                  <a:txBody>
+                    <a:bodyPr/>
+                    <a:lstStyle/>
+                    <a:p>
+                      <a:pPr algn="ctr"/>
+                      <a:r>
+                        <a:rPr lang="de-DE" sz="1200" b="1" dirty="0"/>
+                        <a:t>-</a:t>
+                      </a:r>
+                    </a:p>
+                  </a:txBody>
+                  <a:tcPr/>
+                </a:tc>
+                <a:tc>
+                  <a:txBody>
+                    <a:bodyPr/>
+                    <a:lstStyle/>
+                    <a:p>
+                      <a:pPr algn="ctr"/>
+                      <a:r>
+                        <a:rPr lang="de-DE" sz="1200" b="1" dirty="0"/>
+                        <a:t>(</a:t>
+                      </a:r>
+                      <a:r>
+                        <a:rPr lang="de-DE" sz="1200" b="1" dirty="0" err="1"/>
+                        <a:t>TapeS</a:t>
+                      </a:r>
+                      <a:r>
+                        <a:rPr lang="de-DE" sz="1200" b="1" dirty="0"/>
+                        <a:t> </a:t>
+                      </a:r>
+                      <a:r>
+                        <a:rPr lang="de-DE" sz="1200" b="1" dirty="0" err="1"/>
+                        <a:t>fB</a:t>
+                      </a:r>
+                      <a:endParaRPr lang="de-DE" sz="1200" b="1" dirty="0"/>
+                    </a:p>
+                  </a:txBody>
+                  <a:tcPr/>
+                </a:tc>
+                <a:tc>
+                  <a:txBody>
+                    <a:bodyPr/>
+                    <a:lstStyle/>
+                    <a:p>
+                      <a:pPr algn="ctr"/>
+                      <a:r>
+                        <a:rPr lang="de-DE" sz="1200" b="1" dirty="0"/>
+                        <a:t>+ </a:t>
+                      </a:r>
+                    </a:p>
+                  </a:txBody>
+                  <a:tcPr/>
+                </a:tc>
+                <a:tc>
+                  <a:txBody>
+                    <a:bodyPr/>
+                    <a:lstStyle/>
+                    <a:p>
+                      <a:pPr marL="0" marR="0" lvl="0" indent="0" algn="ctr" defTabSz="685800" rtl="0" eaLnBrk="1" fontAlgn="auto" latinLnBrk="0" hangingPunct="1">
+                        <a:lnSpc>
+                          <a:spcPct val="100000"/>
+                        </a:lnSpc>
+                        <a:spcBef>
+                          <a:spcPts val="0"/>
+                        </a:spcBef>
+                        <a:spcAft>
+                          <a:spcPts val="0"/>
+                        </a:spcAft>
+                        <a:buClrTx/>
+                        <a:buSzTx/>
+                        <a:buFontTx/>
+                        <a:buNone/>
+                        <a:tabLst/>
+                        <a:defRPr/>
+                      </a:pPr>
+                      <a:r>
+                        <a:rPr lang="de-DE" sz="1200" b="1" dirty="0">
+                          <a:solidFill>
+                            <a:schemeClr val="accent4">
+                              <a:lumMod val="75000"/>
+                            </a:schemeClr>
+                          </a:solidFill>
+                        </a:rPr>
+                        <a:t>GHG </a:t>
+                      </a:r>
+                      <a:r>
+                        <a:rPr lang="de-DE" sz="1200" b="1" dirty="0" err="1">
+                          <a:solidFill>
+                            <a:schemeClr val="accent4">
+                              <a:lumMod val="75000"/>
+                            </a:schemeClr>
+                          </a:solidFill>
+                        </a:rPr>
+                        <a:t>swbB</a:t>
+                      </a:r>
+                      <a:endParaRPr lang="de-DE" sz="1200" b="1" dirty="0">
+                        <a:solidFill>
+                          <a:schemeClr val="accent4">
+                            <a:lumMod val="75000"/>
+                          </a:schemeClr>
+                        </a:solidFill>
+                      </a:endParaRPr>
+                    </a:p>
+                  </a:txBody>
+                  <a:tcPr/>
+                </a:tc>
+                <a:tc>
+                  <a:txBody>
+                    <a:bodyPr/>
+                    <a:lstStyle/>
+                    <a:p>
+                      <a:pPr algn="ctr"/>
+                      <a:r>
+                        <a:rPr lang="de-DE" sz="1200" b="1" dirty="0"/>
+                        <a:t>+ </a:t>
+                      </a:r>
+                    </a:p>
+                  </a:txBody>
+                  <a:tcPr/>
+                </a:tc>
+                <a:tc>
+                  <a:txBody>
+                    <a:bodyPr/>
+                    <a:lstStyle/>
+                    <a:p>
+                      <a:pPr marL="0" marR="0" lvl="0" indent="0" algn="ctr" defTabSz="685800" rtl="0" eaLnBrk="1" fontAlgn="auto" latinLnBrk="0" hangingPunct="1">
+                        <a:lnSpc>
+                          <a:spcPct val="100000"/>
+                        </a:lnSpc>
+                        <a:spcBef>
+                          <a:spcPts val="0"/>
+                        </a:spcBef>
+                        <a:spcAft>
+                          <a:spcPts val="0"/>
+                        </a:spcAft>
+                        <a:buClrTx/>
+                        <a:buSzTx/>
+                        <a:buFontTx/>
+                        <a:buNone/>
+                        <a:tabLst/>
+                        <a:defRPr/>
+                      </a:pPr>
+                      <a:r>
+                        <a:rPr lang="de-DE" sz="1200" b="1" dirty="0">
+                          <a:solidFill>
+                            <a:schemeClr val="accent3">
+                              <a:lumMod val="75000"/>
+                            </a:schemeClr>
+                          </a:solidFill>
+                        </a:rPr>
+                        <a:t>GHG </a:t>
+                      </a:r>
+                      <a:r>
+                        <a:rPr lang="de-DE" sz="1200" b="1" dirty="0" err="1">
+                          <a:solidFill>
+                            <a:schemeClr val="accent3">
+                              <a:lumMod val="75000"/>
+                            </a:schemeClr>
+                          </a:solidFill>
+                        </a:rPr>
+                        <a:t>swb</a:t>
+                      </a:r>
+                      <a:r>
+                        <a:rPr lang="de-DE" sz="1200" b="1" dirty="0">
+                          <a:solidFill>
+                            <a:schemeClr val="accent3">
+                              <a:lumMod val="75000"/>
+                            </a:schemeClr>
+                          </a:solidFill>
+                        </a:rPr>
+                        <a:t> </a:t>
+                      </a:r>
+                    </a:p>
+                  </a:txBody>
+                  <a:tcPr/>
+                </a:tc>
+                <a:tc>
+                  <a:txBody>
+                    <a:bodyPr/>
+                    <a:lstStyle/>
+                    <a:p>
+                      <a:pPr algn="ctr"/>
+                      <a:r>
+                        <a:rPr lang="de-DE" sz="1200" b="1" dirty="0">
+                          <a:solidFill>
+                            <a:schemeClr val="bg2">
+                              <a:lumMod val="50000"/>
+                            </a:schemeClr>
+                          </a:solidFill>
+                        </a:rPr>
+                        <a:t>+ </a:t>
+                      </a:r>
+                    </a:p>
+                  </a:txBody>
+                  <a:tcPr/>
+                </a:tc>
+                <a:tc>
+                  <a:txBody>
+                    <a:bodyPr/>
+                    <a:lstStyle/>
+                    <a:p>
+                      <a:pPr algn="ctr"/>
+                      <a:r>
+                        <a:rPr lang="de-DE" sz="1200" b="1" dirty="0" err="1">
+                          <a:solidFill>
+                            <a:schemeClr val="tx1">
+                              <a:lumMod val="50000"/>
+                              <a:lumOff val="50000"/>
+                            </a:schemeClr>
+                          </a:solidFill>
+                        </a:rPr>
+                        <a:t>TapeS</a:t>
+                      </a:r>
+                      <a:r>
+                        <a:rPr lang="de-DE" sz="1200" b="1" dirty="0">
+                          <a:solidFill>
+                            <a:schemeClr val="bg2">
+                              <a:lumMod val="50000"/>
+                            </a:schemeClr>
+                          </a:solidFill>
+                        </a:rPr>
+                        <a:t> </a:t>
+                      </a:r>
+                      <a:r>
+                        <a:rPr lang="de-DE" sz="1200" b="1" dirty="0" err="1">
+                          <a:solidFill>
+                            <a:schemeClr val="bg2">
+                              <a:lumMod val="50000"/>
+                            </a:schemeClr>
+                          </a:solidFill>
+                        </a:rPr>
+                        <a:t>stB</a:t>
+                      </a:r>
+                      <a:endParaRPr lang="de-DE" sz="1200" b="1" dirty="0">
+                        <a:solidFill>
+                          <a:schemeClr val="bg2">
+                            <a:lumMod val="50000"/>
+                          </a:schemeClr>
+                        </a:solidFill>
+                      </a:endParaRPr>
+                    </a:p>
+                  </a:txBody>
+                  <a:tcPr/>
+                </a:tc>
+                <a:tc>
+                  <a:txBody>
+                    <a:bodyPr/>
+                    <a:lstStyle/>
+                    <a:p>
+                      <a:pPr algn="ctr"/>
+                      <a:r>
+                        <a:rPr lang="de-DE" sz="1200" b="1" dirty="0">
+                          <a:solidFill>
+                            <a:schemeClr val="bg2">
+                              <a:lumMod val="50000"/>
+                            </a:schemeClr>
+                          </a:solidFill>
+                        </a:rPr>
+                        <a:t>+ </a:t>
+                      </a:r>
+                    </a:p>
+                  </a:txBody>
+                  <a:tcPr/>
+                </a:tc>
+                <a:tc>
+                  <a:txBody>
+                    <a:bodyPr/>
+                    <a:lstStyle/>
+                    <a:p>
+                      <a:pPr algn="ctr"/>
+                      <a:r>
+                        <a:rPr lang="de-DE" sz="1200" b="1" dirty="0" err="1">
+                          <a:solidFill>
+                            <a:schemeClr val="tx1">
+                              <a:lumMod val="50000"/>
+                              <a:lumOff val="50000"/>
+                            </a:schemeClr>
+                          </a:solidFill>
+                        </a:rPr>
+                        <a:t>TapeS</a:t>
+                      </a:r>
+                      <a:r>
+                        <a:rPr lang="de-DE" sz="1200" b="1" dirty="0">
+                          <a:solidFill>
+                            <a:schemeClr val="bg2">
+                              <a:lumMod val="50000"/>
+                            </a:schemeClr>
+                          </a:solidFill>
+                        </a:rPr>
+                        <a:t> </a:t>
+                      </a:r>
+                      <a:r>
+                        <a:rPr lang="de-DE" sz="1200" b="1" dirty="0" err="1">
+                          <a:solidFill>
+                            <a:schemeClr val="bg2">
+                              <a:lumMod val="50000"/>
+                            </a:schemeClr>
+                          </a:solidFill>
+                        </a:rPr>
+                        <a:t>stbB</a:t>
+                      </a:r>
+                      <a:r>
+                        <a:rPr lang="de-DE" sz="1200" b="1" dirty="0">
+                          <a:solidFill>
+                            <a:schemeClr val="bg2">
+                              <a:lumMod val="50000"/>
+                            </a:schemeClr>
+                          </a:solidFill>
+                        </a:rPr>
+                        <a:t>)</a:t>
+                      </a:r>
+                    </a:p>
+                  </a:txBody>
+                  <a:tcPr/>
+                </a:tc>
+                <a:extLst>
+                  <a:ext uri="{0D108BD9-81ED-4DB2-BD59-A6C34878D82A}">
+                    <a16:rowId xmlns:a16="http://schemas.microsoft.com/office/drawing/2014/main" val="1722602556"/>
+                  </a:ext>
+                </a:extLst>
+              </a:tr>
+              <a:tr h="268579">
+                <a:tc>
+                  <a:txBody>
+                    <a:bodyPr/>
+                    <a:lstStyle/>
+                    <a:p>
+                      <a:pPr algn="ctr"/>
+                      <a:r>
+                        <a:rPr lang="de-DE" sz="1200" b="1" dirty="0">
+                          <a:solidFill>
+                            <a:schemeClr val="accent3">
+                              <a:lumMod val="60000"/>
+                              <a:lumOff val="40000"/>
+                            </a:schemeClr>
+                          </a:solidFill>
+                        </a:rPr>
+                        <a:t>GHG </a:t>
+                      </a:r>
+                      <a:r>
+                        <a:rPr lang="de-DE" sz="1200" b="1" dirty="0" err="1">
+                          <a:solidFill>
+                            <a:schemeClr val="accent3">
+                              <a:lumMod val="60000"/>
+                              <a:lumOff val="40000"/>
+                            </a:schemeClr>
+                          </a:solidFill>
+                        </a:rPr>
+                        <a:t>fB</a:t>
+                      </a:r>
+                      <a:endParaRPr lang="de-DE" sz="1200" b="1" dirty="0">
+                        <a:solidFill>
+                          <a:schemeClr val="accent3">
+                            <a:lumMod val="60000"/>
+                            <a:lumOff val="40000"/>
+                          </a:schemeClr>
+                        </a:solidFill>
+                      </a:endParaRPr>
+                    </a:p>
+                  </a:txBody>
+                  <a:tcPr/>
+                </a:tc>
+                <a:tc>
+                  <a:txBody>
+                    <a:bodyPr/>
+                    <a:lstStyle/>
+                    <a:p>
+                      <a:pPr algn="ctr"/>
+                      <a:r>
+                        <a:rPr lang="de-DE" sz="1200" b="1" dirty="0"/>
+                        <a:t>= </a:t>
+                      </a:r>
+                    </a:p>
+                  </a:txBody>
+                  <a:tcPr/>
+                </a:tc>
+                <a:tc>
+                  <a:txBody>
+                    <a:bodyPr/>
+                    <a:lstStyle/>
+                    <a:p>
+                      <a:pPr algn="ctr"/>
+                      <a:r>
+                        <a:rPr lang="de-DE" sz="1200" b="1" dirty="0"/>
+                        <a:t>GHG </a:t>
+                      </a:r>
+                      <a:r>
+                        <a:rPr lang="de-DE" sz="1200" b="1" dirty="0" err="1"/>
+                        <a:t>aB</a:t>
+                      </a:r>
+                      <a:endParaRPr lang="de-DE" sz="1200" b="1" dirty="0"/>
+                    </a:p>
+                  </a:txBody>
+                  <a:tcPr/>
+                </a:tc>
+                <a:tc>
+                  <a:txBody>
+                    <a:bodyPr/>
+                    <a:lstStyle/>
+                    <a:p>
+                      <a:pPr algn="ctr"/>
+                      <a:r>
+                        <a:rPr lang="de-DE" sz="1200" b="1" dirty="0"/>
+                        <a:t>-</a:t>
+                      </a:r>
+                    </a:p>
+                  </a:txBody>
+                  <a:tcPr/>
+                </a:tc>
+                <a:tc>
+                  <a:txBody>
+                    <a:bodyPr/>
+                    <a:lstStyle/>
+                    <a:p>
+                      <a:pPr marL="0" marR="0" lvl="0" indent="0" algn="ctr" defTabSz="685800" rtl="0" eaLnBrk="1" fontAlgn="auto" latinLnBrk="0" hangingPunct="1">
+                        <a:lnSpc>
+                          <a:spcPct val="100000"/>
+                        </a:lnSpc>
+                        <a:spcBef>
+                          <a:spcPts val="0"/>
+                        </a:spcBef>
+                        <a:spcAft>
+                          <a:spcPts val="0"/>
+                        </a:spcAft>
+                        <a:buClrTx/>
+                        <a:buSzTx/>
+                        <a:buFontTx/>
+                        <a:buNone/>
+                        <a:tabLst/>
+                        <a:defRPr/>
+                      </a:pPr>
+                      <a:r>
+                        <a:rPr lang="de-DE" sz="1200" b="1" dirty="0"/>
+                        <a:t>(</a:t>
+                      </a:r>
+                      <a:r>
+                        <a:rPr lang="de-DE" sz="1200" b="1" dirty="0">
+                          <a:solidFill>
+                            <a:schemeClr val="accent6">
+                              <a:lumMod val="75000"/>
+                            </a:schemeClr>
+                          </a:solidFill>
+                        </a:rPr>
+                        <a:t>GHG </a:t>
+                      </a:r>
+                      <a:r>
+                        <a:rPr lang="de-DE" sz="1200" b="1" dirty="0" err="1">
+                          <a:solidFill>
+                            <a:schemeClr val="accent6">
+                              <a:lumMod val="75000"/>
+                            </a:schemeClr>
+                          </a:solidFill>
+                        </a:rPr>
+                        <a:t>fwbB</a:t>
+                      </a:r>
+                      <a:endParaRPr lang="de-DE" sz="1200" b="1" dirty="0">
+                        <a:solidFill>
+                          <a:schemeClr val="accent6">
+                            <a:lumMod val="75000"/>
+                          </a:schemeClr>
+                        </a:solidFill>
+                      </a:endParaRPr>
+                    </a:p>
+                  </a:txBody>
+                  <a:tcPr/>
+                </a:tc>
+                <a:tc>
+                  <a:txBody>
+                    <a:bodyPr/>
+                    <a:lstStyle/>
+                    <a:p>
+                      <a:pPr algn="ctr"/>
+                      <a:r>
+                        <a:rPr lang="de-DE" sz="1200" b="1" dirty="0"/>
+                        <a:t>+ </a:t>
+                      </a:r>
+                    </a:p>
+                  </a:txBody>
+                  <a:tcPr/>
+                </a:tc>
+                <a:tc>
+                  <a:txBody>
+                    <a:bodyPr/>
+                    <a:lstStyle/>
+                    <a:p>
+                      <a:pPr marL="0" marR="0" lvl="0" indent="0" algn="ctr" defTabSz="685800" rtl="0" eaLnBrk="1" fontAlgn="auto" latinLnBrk="0" hangingPunct="1">
+                        <a:lnSpc>
+                          <a:spcPct val="100000"/>
+                        </a:lnSpc>
+                        <a:spcBef>
+                          <a:spcPts val="0"/>
+                        </a:spcBef>
+                        <a:spcAft>
+                          <a:spcPts val="0"/>
+                        </a:spcAft>
+                        <a:buClrTx/>
+                        <a:buSzTx/>
+                        <a:buFontTx/>
+                        <a:buNone/>
+                        <a:tabLst/>
+                        <a:defRPr/>
+                      </a:pPr>
+                      <a:r>
+                        <a:rPr lang="de-DE" sz="1200" b="1" dirty="0">
+                          <a:solidFill>
+                            <a:schemeClr val="accent4">
+                              <a:lumMod val="75000"/>
+                            </a:schemeClr>
+                          </a:solidFill>
+                        </a:rPr>
+                        <a:t>GHG </a:t>
+                      </a:r>
+                      <a:r>
+                        <a:rPr lang="de-DE" sz="1200" b="1" dirty="0" err="1">
+                          <a:solidFill>
+                            <a:schemeClr val="accent4">
+                              <a:lumMod val="75000"/>
+                            </a:schemeClr>
+                          </a:solidFill>
+                        </a:rPr>
+                        <a:t>swbB</a:t>
+                      </a:r>
+                      <a:endParaRPr lang="de-DE" sz="1200" b="1" dirty="0">
+                        <a:solidFill>
+                          <a:schemeClr val="accent4">
+                            <a:lumMod val="75000"/>
+                          </a:schemeClr>
+                        </a:solidFill>
+                      </a:endParaRPr>
+                    </a:p>
+                  </a:txBody>
+                  <a:tcPr/>
+                </a:tc>
+                <a:tc>
+                  <a:txBody>
+                    <a:bodyPr/>
+                    <a:lstStyle/>
+                    <a:p>
+                      <a:pPr algn="ctr"/>
+                      <a:r>
+                        <a:rPr lang="de-DE" sz="1200" b="1" dirty="0"/>
+                        <a:t>+ </a:t>
+                      </a:r>
+                    </a:p>
+                  </a:txBody>
+                  <a:tcPr/>
+                </a:tc>
+                <a:tc>
+                  <a:txBody>
+                    <a:bodyPr/>
+                    <a:lstStyle/>
+                    <a:p>
+                      <a:pPr marL="0" marR="0" lvl="0" indent="0" algn="ctr" defTabSz="685800" rtl="0" eaLnBrk="1" fontAlgn="auto" latinLnBrk="0" hangingPunct="1">
+                        <a:lnSpc>
+                          <a:spcPct val="100000"/>
+                        </a:lnSpc>
+                        <a:spcBef>
+                          <a:spcPts val="0"/>
+                        </a:spcBef>
+                        <a:spcAft>
+                          <a:spcPts val="0"/>
+                        </a:spcAft>
+                        <a:buClrTx/>
+                        <a:buSzTx/>
+                        <a:buFontTx/>
+                        <a:buNone/>
+                        <a:tabLst/>
+                        <a:defRPr/>
+                      </a:pPr>
+                      <a:r>
+                        <a:rPr lang="de-DE" sz="1200" b="1" dirty="0">
+                          <a:solidFill>
+                            <a:schemeClr val="accent3">
+                              <a:lumMod val="75000"/>
+                            </a:schemeClr>
+                          </a:solidFill>
+                        </a:rPr>
+                        <a:t>GHG </a:t>
+                      </a:r>
+                      <a:r>
+                        <a:rPr lang="de-DE" sz="1200" b="1" dirty="0" err="1">
+                          <a:solidFill>
+                            <a:schemeClr val="accent3">
+                              <a:lumMod val="75000"/>
+                            </a:schemeClr>
+                          </a:solidFill>
+                        </a:rPr>
+                        <a:t>swb</a:t>
+                      </a:r>
+                      <a:r>
+                        <a:rPr lang="de-DE" sz="1200" b="1" dirty="0">
+                          <a:solidFill>
+                            <a:schemeClr val="accent3">
+                              <a:lumMod val="75000"/>
+                            </a:schemeClr>
+                          </a:solidFill>
+                        </a:rPr>
+                        <a:t> </a:t>
+                      </a:r>
+                    </a:p>
+                  </a:txBody>
+                  <a:tcPr/>
+                </a:tc>
+                <a:tc>
+                  <a:txBody>
+                    <a:bodyPr/>
+                    <a:lstStyle/>
+                    <a:p>
+                      <a:pPr algn="ctr"/>
+                      <a:r>
+                        <a:rPr lang="de-DE" sz="1200" b="1" dirty="0">
+                          <a:solidFill>
+                            <a:schemeClr val="bg2">
+                              <a:lumMod val="50000"/>
+                            </a:schemeClr>
+                          </a:solidFill>
+                        </a:rPr>
+                        <a:t>+ </a:t>
+                      </a:r>
+                    </a:p>
+                  </a:txBody>
+                  <a:tcPr/>
+                </a:tc>
+                <a:tc>
+                  <a:txBody>
+                    <a:bodyPr/>
+                    <a:lstStyle/>
+                    <a:p>
+                      <a:pPr algn="ctr"/>
+                      <a:r>
+                        <a:rPr lang="de-DE" sz="1200" b="1" dirty="0" err="1">
+                          <a:solidFill>
+                            <a:schemeClr val="tx1">
+                              <a:lumMod val="50000"/>
+                              <a:lumOff val="50000"/>
+                            </a:schemeClr>
+                          </a:solidFill>
+                        </a:rPr>
+                        <a:t>TapeS</a:t>
+                      </a:r>
+                      <a:r>
+                        <a:rPr lang="de-DE" sz="1200" b="1" dirty="0">
+                          <a:solidFill>
+                            <a:schemeClr val="bg2">
+                              <a:lumMod val="50000"/>
+                            </a:schemeClr>
+                          </a:solidFill>
+                        </a:rPr>
+                        <a:t> </a:t>
+                      </a:r>
+                      <a:r>
+                        <a:rPr lang="de-DE" sz="1200" b="1" dirty="0" err="1">
+                          <a:solidFill>
+                            <a:schemeClr val="bg2">
+                              <a:lumMod val="50000"/>
+                            </a:schemeClr>
+                          </a:solidFill>
+                        </a:rPr>
+                        <a:t>stB</a:t>
+                      </a:r>
+                      <a:endParaRPr lang="de-DE" sz="1200" b="1" dirty="0">
+                        <a:solidFill>
+                          <a:schemeClr val="bg2">
+                            <a:lumMod val="50000"/>
+                          </a:schemeClr>
+                        </a:solidFill>
+                      </a:endParaRPr>
+                    </a:p>
+                  </a:txBody>
+                  <a:tcPr/>
+                </a:tc>
+                <a:tc>
+                  <a:txBody>
+                    <a:bodyPr/>
+                    <a:lstStyle/>
+                    <a:p>
+                      <a:pPr algn="ctr"/>
+                      <a:r>
+                        <a:rPr lang="de-DE" sz="1200" b="1" dirty="0">
+                          <a:solidFill>
+                            <a:schemeClr val="bg2">
+                              <a:lumMod val="50000"/>
+                            </a:schemeClr>
+                          </a:solidFill>
+                        </a:rPr>
+                        <a:t>+ </a:t>
+                      </a:r>
+                    </a:p>
+                  </a:txBody>
+                  <a:tcPr/>
+                </a:tc>
+                <a:tc>
+                  <a:txBody>
+                    <a:bodyPr/>
+                    <a:lstStyle/>
+                    <a:p>
+                      <a:pPr algn="ctr"/>
+                      <a:r>
+                        <a:rPr lang="de-DE" sz="1200" b="1" dirty="0" err="1">
+                          <a:solidFill>
+                            <a:schemeClr val="tx1">
+                              <a:lumMod val="50000"/>
+                              <a:lumOff val="50000"/>
+                            </a:schemeClr>
+                          </a:solidFill>
+                        </a:rPr>
+                        <a:t>TapeS</a:t>
+                      </a:r>
+                      <a:r>
+                        <a:rPr lang="de-DE" sz="1200" b="1" dirty="0">
+                          <a:solidFill>
+                            <a:schemeClr val="bg2">
+                              <a:lumMod val="50000"/>
+                            </a:schemeClr>
+                          </a:solidFill>
+                        </a:rPr>
+                        <a:t> </a:t>
+                      </a:r>
+                      <a:r>
+                        <a:rPr lang="de-DE" sz="1200" b="1" dirty="0" err="1">
+                          <a:solidFill>
+                            <a:schemeClr val="bg2">
+                              <a:lumMod val="50000"/>
+                            </a:schemeClr>
+                          </a:solidFill>
+                        </a:rPr>
+                        <a:t>stbB</a:t>
+                      </a:r>
+                      <a:r>
+                        <a:rPr lang="de-DE" sz="1200" b="1" dirty="0">
+                          <a:solidFill>
+                            <a:schemeClr val="bg2">
+                              <a:lumMod val="50000"/>
+                            </a:schemeClr>
+                          </a:solidFill>
+                        </a:rPr>
+                        <a:t>)</a:t>
+                      </a:r>
+                    </a:p>
+                  </a:txBody>
+                  <a:tcPr/>
+                </a:tc>
+                <a:extLst>
+                  <a:ext uri="{0D108BD9-81ED-4DB2-BD59-A6C34878D82A}">
+                    <a16:rowId xmlns:a16="http://schemas.microsoft.com/office/drawing/2014/main" val="2177128573"/>
+                  </a:ext>
+                </a:extLst>
+              </a:tr>
+              <a:tr h="268579">
+                <a:tc>
+                  <a:txBody>
+                    <a:bodyPr/>
+                    <a:lstStyle/>
+                    <a:p>
+                      <a:pPr algn="ctr"/>
+                      <a:endParaRPr lang="de-DE" sz="1200" b="1" dirty="0">
+                        <a:solidFill>
+                          <a:schemeClr val="accent3">
+                            <a:lumMod val="60000"/>
+                            <a:lumOff val="40000"/>
+                          </a:schemeClr>
+                        </a:solidFill>
+                      </a:endParaRPr>
+                    </a:p>
+                  </a:txBody>
+                  <a:tcPr/>
+                </a:tc>
+                <a:tc>
+                  <a:txBody>
+                    <a:bodyPr/>
+                    <a:lstStyle/>
+                    <a:p>
+                      <a:pPr algn="ctr"/>
+                      <a:endParaRPr lang="de-DE" sz="1200" b="1" dirty="0"/>
+                    </a:p>
+                  </a:txBody>
+                  <a:tcPr/>
+                </a:tc>
+                <a:tc>
+                  <a:txBody>
+                    <a:bodyPr/>
+                    <a:lstStyle/>
+                    <a:p>
+                      <a:pPr algn="ctr"/>
+                      <a:endParaRPr lang="de-DE" sz="1200" b="1" dirty="0"/>
+                    </a:p>
+                  </a:txBody>
+                  <a:tcPr/>
+                </a:tc>
+                <a:tc>
+                  <a:txBody>
+                    <a:bodyPr/>
+                    <a:lstStyle/>
+                    <a:p>
+                      <a:pPr algn="ctr"/>
+                      <a:endParaRPr lang="de-DE" sz="1200" b="1" dirty="0"/>
+                    </a:p>
+                  </a:txBody>
+                  <a:tcPr/>
+                </a:tc>
+                <a:tc>
+                  <a:txBody>
+                    <a:bodyPr/>
+                    <a:lstStyle/>
+                    <a:p>
+                      <a:pPr marL="0" marR="0" lvl="0" indent="0" algn="ctr" defTabSz="685800" rtl="0" eaLnBrk="1" fontAlgn="auto" latinLnBrk="0" hangingPunct="1">
+                        <a:lnSpc>
+                          <a:spcPct val="100000"/>
+                        </a:lnSpc>
+                        <a:spcBef>
+                          <a:spcPts val="0"/>
+                        </a:spcBef>
+                        <a:spcAft>
+                          <a:spcPts val="0"/>
+                        </a:spcAft>
+                        <a:buClrTx/>
+                        <a:buSzTx/>
+                        <a:buFontTx/>
+                        <a:buNone/>
+                        <a:tabLst/>
+                        <a:defRPr/>
+                      </a:pPr>
+                      <a:endParaRPr lang="de-DE" sz="1200" b="1" dirty="0">
+                        <a:solidFill>
+                          <a:schemeClr val="accent6">
+                            <a:lumMod val="75000"/>
+                          </a:schemeClr>
+                        </a:solidFill>
+                      </a:endParaRPr>
+                    </a:p>
+                  </a:txBody>
+                  <a:tcPr/>
+                </a:tc>
+                <a:tc>
+                  <a:txBody>
+                    <a:bodyPr/>
+                    <a:lstStyle/>
+                    <a:p>
+                      <a:pPr algn="ctr"/>
+                      <a:endParaRPr lang="de-DE" sz="1200" b="1" dirty="0"/>
+                    </a:p>
+                  </a:txBody>
+                  <a:tcPr/>
+                </a:tc>
+                <a:tc>
+                  <a:txBody>
+                    <a:bodyPr/>
+                    <a:lstStyle/>
+                    <a:p>
+                      <a:pPr marL="0" marR="0" lvl="0" indent="0" algn="ctr" defTabSz="685800" rtl="0" eaLnBrk="1" fontAlgn="auto" latinLnBrk="0" hangingPunct="1">
+                        <a:lnSpc>
+                          <a:spcPct val="100000"/>
+                        </a:lnSpc>
+                        <a:spcBef>
+                          <a:spcPts val="0"/>
+                        </a:spcBef>
+                        <a:spcAft>
+                          <a:spcPts val="0"/>
+                        </a:spcAft>
+                        <a:buClrTx/>
+                        <a:buSzTx/>
+                        <a:buFontTx/>
+                        <a:buNone/>
+                        <a:tabLst/>
+                        <a:defRPr/>
+                      </a:pPr>
+                      <a:endParaRPr lang="de-DE" sz="1200" b="1" dirty="0">
+                        <a:solidFill>
+                          <a:schemeClr val="accent4">
+                            <a:lumMod val="75000"/>
+                          </a:schemeClr>
+                        </a:solidFill>
+                      </a:endParaRPr>
+                    </a:p>
+                  </a:txBody>
+                  <a:tcPr/>
+                </a:tc>
+                <a:tc>
+                  <a:txBody>
+                    <a:bodyPr/>
+                    <a:lstStyle/>
+                    <a:p>
+                      <a:pPr algn="ctr"/>
+                      <a:endParaRPr lang="de-DE" sz="1200" b="1" dirty="0"/>
+                    </a:p>
+                  </a:txBody>
+                  <a:tcPr/>
+                </a:tc>
+                <a:tc>
+                  <a:txBody>
+                    <a:bodyPr/>
+                    <a:lstStyle/>
+                    <a:p>
+                      <a:pPr marL="0" marR="0" lvl="0" indent="0" algn="ctr" defTabSz="685800" rtl="0" eaLnBrk="1" fontAlgn="auto" latinLnBrk="0" hangingPunct="1">
+                        <a:lnSpc>
+                          <a:spcPct val="100000"/>
+                        </a:lnSpc>
+                        <a:spcBef>
+                          <a:spcPts val="0"/>
+                        </a:spcBef>
+                        <a:spcAft>
+                          <a:spcPts val="0"/>
+                        </a:spcAft>
+                        <a:buClrTx/>
+                        <a:buSzTx/>
+                        <a:buFontTx/>
+                        <a:buNone/>
+                        <a:tabLst/>
+                        <a:defRPr/>
+                      </a:pPr>
+                      <a:endParaRPr lang="de-DE" sz="1200" b="1" dirty="0">
+                        <a:solidFill>
+                          <a:schemeClr val="accent3">
+                            <a:lumMod val="75000"/>
+                          </a:schemeClr>
+                        </a:solidFill>
+                      </a:endParaRPr>
+                    </a:p>
+                  </a:txBody>
+                  <a:tcPr/>
+                </a:tc>
+                <a:tc>
+                  <a:txBody>
+                    <a:bodyPr/>
+                    <a:lstStyle/>
+                    <a:p>
+                      <a:pPr algn="ctr"/>
+                      <a:endParaRPr lang="de-DE" sz="1200" b="1" dirty="0">
+                        <a:solidFill>
+                          <a:schemeClr val="bg2">
+                            <a:lumMod val="50000"/>
+                          </a:schemeClr>
+                        </a:solidFill>
+                      </a:endParaRPr>
+                    </a:p>
+                  </a:txBody>
+                  <a:tcPr/>
+                </a:tc>
+                <a:tc>
+                  <a:txBody>
+                    <a:bodyPr/>
+                    <a:lstStyle/>
+                    <a:p>
+                      <a:pPr algn="ctr"/>
+                      <a:endParaRPr lang="de-DE" sz="1200" b="1" dirty="0">
+                        <a:solidFill>
+                          <a:schemeClr val="bg2">
+                            <a:lumMod val="50000"/>
+                          </a:schemeClr>
+                        </a:solidFill>
+                      </a:endParaRPr>
+                    </a:p>
+                  </a:txBody>
+                  <a:tcPr/>
+                </a:tc>
+                <a:tc>
+                  <a:txBody>
+                    <a:bodyPr/>
+                    <a:lstStyle/>
+                    <a:p>
+                      <a:pPr algn="ctr"/>
+                      <a:endParaRPr lang="de-DE" sz="1200" b="1" dirty="0">
+                        <a:solidFill>
+                          <a:schemeClr val="bg2">
+                            <a:lumMod val="50000"/>
+                          </a:schemeClr>
+                        </a:solidFill>
+                      </a:endParaRPr>
+                    </a:p>
+                  </a:txBody>
+                  <a:tcPr/>
+                </a:tc>
+                <a:tc>
+                  <a:txBody>
+                    <a:bodyPr/>
+                    <a:lstStyle/>
+                    <a:p>
+                      <a:pPr algn="ctr"/>
+                      <a:endParaRPr lang="de-DE" sz="1200" b="1" dirty="0">
+                        <a:solidFill>
+                          <a:schemeClr val="bg2">
+                            <a:lumMod val="50000"/>
+                          </a:schemeClr>
+                        </a:solidFill>
+                      </a:endParaRPr>
+                    </a:p>
+                  </a:txBody>
+                  <a:tcPr/>
+                </a:tc>
+                <a:extLst>
+                  <a:ext uri="{0D108BD9-81ED-4DB2-BD59-A6C34878D82A}">
+                    <a16:rowId xmlns:a16="http://schemas.microsoft.com/office/drawing/2014/main" val="4242782317"/>
+                  </a:ext>
+                </a:extLst>
+              </a:tr>
+              <a:tr h="268579">
+                <a:tc>
+                  <a:txBody>
+                    <a:bodyPr/>
+                    <a:lstStyle/>
+                    <a:p>
+                      <a:pPr algn="ctr"/>
+                      <a:r>
+                        <a:rPr lang="de-DE" sz="1200" b="1" dirty="0">
+                          <a:solidFill>
+                            <a:schemeClr val="tx1"/>
+                          </a:solidFill>
+                        </a:rPr>
+                        <a:t>GHG ab</a:t>
+                      </a:r>
+                    </a:p>
+                  </a:txBody>
+                  <a:tcPr/>
+                </a:tc>
+                <a:tc>
+                  <a:txBody>
+                    <a:bodyPr/>
+                    <a:lstStyle/>
+                    <a:p>
+                      <a:pPr algn="ctr"/>
+                      <a:r>
+                        <a:rPr lang="de-DE" sz="1200" b="1" dirty="0"/>
+                        <a:t>= </a:t>
+                      </a:r>
+                    </a:p>
+                  </a:txBody>
+                  <a:tcPr/>
+                </a:tc>
+                <a:tc>
+                  <a:txBody>
+                    <a:bodyPr/>
+                    <a:lstStyle/>
+                    <a:p>
+                      <a:pPr marL="0" marR="0" lvl="0" indent="0" algn="ctr" defTabSz="685800" rtl="0" eaLnBrk="1" fontAlgn="auto" latinLnBrk="0" hangingPunct="1">
+                        <a:lnSpc>
+                          <a:spcPct val="100000"/>
+                        </a:lnSpc>
+                        <a:spcBef>
+                          <a:spcPts val="0"/>
+                        </a:spcBef>
+                        <a:spcAft>
+                          <a:spcPts val="0"/>
+                        </a:spcAft>
+                        <a:buClrTx/>
+                        <a:buSzTx/>
+                        <a:buFontTx/>
+                        <a:buNone/>
+                        <a:tabLst/>
+                        <a:defRPr/>
+                      </a:pPr>
+                      <a:r>
+                        <a:rPr lang="de-DE" sz="1200" b="1" dirty="0">
+                          <a:solidFill>
+                            <a:schemeClr val="accent3">
+                              <a:lumMod val="60000"/>
+                              <a:lumOff val="40000"/>
+                            </a:schemeClr>
+                          </a:solidFill>
+                        </a:rPr>
+                        <a:t>GHG </a:t>
+                      </a:r>
+                      <a:r>
+                        <a:rPr lang="de-DE" sz="1200" b="1" dirty="0" err="1">
+                          <a:solidFill>
+                            <a:schemeClr val="accent3">
+                              <a:lumMod val="60000"/>
+                              <a:lumOff val="40000"/>
+                            </a:schemeClr>
+                          </a:solidFill>
+                        </a:rPr>
+                        <a:t>fB</a:t>
+                      </a:r>
+                      <a:endParaRPr lang="de-DE" sz="1200" b="1" dirty="0">
+                        <a:solidFill>
+                          <a:schemeClr val="accent3">
+                            <a:lumMod val="60000"/>
+                            <a:lumOff val="40000"/>
+                          </a:schemeClr>
+                        </a:solidFill>
+                      </a:endParaRPr>
+                    </a:p>
+                  </a:txBody>
+                  <a:tcPr/>
+                </a:tc>
+                <a:tc>
+                  <a:txBody>
+                    <a:bodyPr/>
+                    <a:lstStyle/>
+                    <a:p>
+                      <a:pPr algn="ctr"/>
+                      <a:r>
+                        <a:rPr lang="de-DE" sz="1200" b="1" dirty="0"/>
+                        <a:t>+</a:t>
+                      </a:r>
+                    </a:p>
+                  </a:txBody>
+                  <a:tcPr/>
+                </a:tc>
+                <a:tc>
+                  <a:txBody>
+                    <a:bodyPr/>
+                    <a:lstStyle/>
+                    <a:p>
+                      <a:pPr marL="0" marR="0" lvl="0" indent="0" algn="ctr" defTabSz="685800" rtl="0" eaLnBrk="1" fontAlgn="auto" latinLnBrk="0" hangingPunct="1">
+                        <a:lnSpc>
+                          <a:spcPct val="100000"/>
+                        </a:lnSpc>
+                        <a:spcBef>
+                          <a:spcPts val="0"/>
+                        </a:spcBef>
+                        <a:spcAft>
+                          <a:spcPts val="0"/>
+                        </a:spcAft>
+                        <a:buClrTx/>
+                        <a:buSzTx/>
+                        <a:buFontTx/>
+                        <a:buNone/>
+                        <a:tabLst/>
+                        <a:defRPr/>
+                      </a:pPr>
+                      <a:r>
+                        <a:rPr lang="de-DE" sz="1200" b="1" dirty="0">
+                          <a:solidFill>
+                            <a:schemeClr val="accent6">
+                              <a:lumMod val="75000"/>
+                            </a:schemeClr>
+                          </a:solidFill>
+                        </a:rPr>
+                        <a:t>GHG </a:t>
+                      </a:r>
+                      <a:r>
+                        <a:rPr lang="de-DE" sz="1200" b="1" dirty="0" err="1">
+                          <a:solidFill>
+                            <a:schemeClr val="accent6">
+                              <a:lumMod val="75000"/>
+                            </a:schemeClr>
+                          </a:solidFill>
+                        </a:rPr>
+                        <a:t>fwbB</a:t>
+                      </a:r>
+                      <a:endParaRPr lang="de-DE" sz="1200" b="1" dirty="0">
+                        <a:solidFill>
+                          <a:schemeClr val="accent6">
+                            <a:lumMod val="75000"/>
+                          </a:schemeClr>
+                        </a:solidFill>
+                      </a:endParaRPr>
+                    </a:p>
+                  </a:txBody>
+                  <a:tcPr/>
+                </a:tc>
+                <a:tc>
+                  <a:txBody>
+                    <a:bodyPr/>
+                    <a:lstStyle/>
+                    <a:p>
+                      <a:pPr algn="ctr"/>
+                      <a:r>
+                        <a:rPr lang="de-DE" sz="1200" b="1" dirty="0"/>
+                        <a:t>+</a:t>
+                      </a:r>
+                    </a:p>
+                  </a:txBody>
+                  <a:tcPr/>
+                </a:tc>
+                <a:tc>
+                  <a:txBody>
+                    <a:bodyPr/>
+                    <a:lstStyle/>
+                    <a:p>
+                      <a:pPr marL="0" marR="0" lvl="0" indent="0" algn="ctr" defTabSz="685800" rtl="0" eaLnBrk="1" fontAlgn="auto" latinLnBrk="0" hangingPunct="1">
+                        <a:lnSpc>
+                          <a:spcPct val="100000"/>
+                        </a:lnSpc>
+                        <a:spcBef>
+                          <a:spcPts val="0"/>
+                        </a:spcBef>
+                        <a:spcAft>
+                          <a:spcPts val="0"/>
+                        </a:spcAft>
+                        <a:buClrTx/>
+                        <a:buSzTx/>
+                        <a:buFontTx/>
+                        <a:buNone/>
+                        <a:tabLst/>
+                        <a:defRPr/>
+                      </a:pPr>
+                      <a:r>
+                        <a:rPr lang="de-DE" sz="1200" b="1" dirty="0">
+                          <a:solidFill>
+                            <a:schemeClr val="accent4">
+                              <a:lumMod val="75000"/>
+                            </a:schemeClr>
+                          </a:solidFill>
+                        </a:rPr>
+                        <a:t>GHG </a:t>
+                      </a:r>
+                      <a:r>
+                        <a:rPr lang="de-DE" sz="1200" b="1" dirty="0" err="1">
+                          <a:solidFill>
+                            <a:schemeClr val="accent4">
+                              <a:lumMod val="75000"/>
+                            </a:schemeClr>
+                          </a:solidFill>
+                        </a:rPr>
+                        <a:t>swbB</a:t>
+                      </a:r>
+                      <a:endParaRPr lang="de-DE" sz="1200" b="1" dirty="0">
+                        <a:solidFill>
+                          <a:schemeClr val="accent4">
+                            <a:lumMod val="75000"/>
+                          </a:schemeClr>
+                        </a:solidFill>
+                      </a:endParaRPr>
+                    </a:p>
+                  </a:txBody>
+                  <a:tcPr/>
+                </a:tc>
+                <a:tc>
+                  <a:txBody>
+                    <a:bodyPr/>
+                    <a:lstStyle/>
+                    <a:p>
+                      <a:pPr algn="ctr"/>
+                      <a:r>
+                        <a:rPr lang="de-DE" sz="1200" b="1" dirty="0"/>
+                        <a:t>+</a:t>
+                      </a:r>
+                    </a:p>
+                  </a:txBody>
+                  <a:tcPr/>
+                </a:tc>
+                <a:tc>
+                  <a:txBody>
+                    <a:bodyPr/>
+                    <a:lstStyle/>
+                    <a:p>
+                      <a:pPr marL="0" marR="0" lvl="0" indent="0" algn="ctr" defTabSz="685800" rtl="0" eaLnBrk="1" fontAlgn="auto" latinLnBrk="0" hangingPunct="1">
+                        <a:lnSpc>
+                          <a:spcPct val="100000"/>
+                        </a:lnSpc>
+                        <a:spcBef>
+                          <a:spcPts val="0"/>
+                        </a:spcBef>
+                        <a:spcAft>
+                          <a:spcPts val="0"/>
+                        </a:spcAft>
+                        <a:buClrTx/>
+                        <a:buSzTx/>
+                        <a:buFontTx/>
+                        <a:buNone/>
+                        <a:tabLst/>
+                        <a:defRPr/>
+                      </a:pPr>
+                      <a:r>
+                        <a:rPr lang="de-DE" sz="1200" b="1" dirty="0">
+                          <a:solidFill>
+                            <a:schemeClr val="accent3">
+                              <a:lumMod val="75000"/>
+                            </a:schemeClr>
+                          </a:solidFill>
+                        </a:rPr>
+                        <a:t>GHG </a:t>
+                      </a:r>
+                      <a:r>
+                        <a:rPr lang="de-DE" sz="1200" b="1" dirty="0" err="1">
+                          <a:solidFill>
+                            <a:schemeClr val="accent3">
+                              <a:lumMod val="75000"/>
+                            </a:schemeClr>
+                          </a:solidFill>
+                        </a:rPr>
+                        <a:t>swb</a:t>
+                      </a:r>
+                      <a:r>
+                        <a:rPr lang="de-DE" sz="1200" b="1" dirty="0">
+                          <a:solidFill>
+                            <a:schemeClr val="accent3">
+                              <a:lumMod val="75000"/>
+                            </a:schemeClr>
+                          </a:solidFill>
+                        </a:rPr>
+                        <a:t> </a:t>
+                      </a:r>
+                    </a:p>
+                  </a:txBody>
+                  <a:tcPr/>
+                </a:tc>
+                <a:tc>
+                  <a:txBody>
+                    <a:bodyPr/>
+                    <a:lstStyle/>
+                    <a:p>
+                      <a:pPr algn="ctr"/>
+                      <a:r>
+                        <a:rPr lang="de-DE" sz="1200" b="1" dirty="0">
+                          <a:solidFill>
+                            <a:schemeClr val="bg2">
+                              <a:lumMod val="50000"/>
+                            </a:schemeClr>
+                          </a:solidFill>
+                        </a:rPr>
+                        <a:t>+ </a:t>
+                      </a:r>
+                    </a:p>
+                  </a:txBody>
+                  <a:tcPr/>
+                </a:tc>
+                <a:tc>
+                  <a:txBody>
+                    <a:bodyPr/>
+                    <a:lstStyle/>
+                    <a:p>
+                      <a:pPr algn="ctr"/>
+                      <a:r>
+                        <a:rPr lang="de-DE" sz="1200" b="1" dirty="0" err="1">
+                          <a:solidFill>
+                            <a:schemeClr val="tx1">
+                              <a:lumMod val="50000"/>
+                              <a:lumOff val="50000"/>
+                            </a:schemeClr>
+                          </a:solidFill>
+                        </a:rPr>
+                        <a:t>TapeS</a:t>
+                      </a:r>
+                      <a:r>
+                        <a:rPr lang="de-DE" sz="1200" b="1" dirty="0">
+                          <a:solidFill>
+                            <a:schemeClr val="bg2">
+                              <a:lumMod val="50000"/>
+                            </a:schemeClr>
+                          </a:solidFill>
+                        </a:rPr>
+                        <a:t> </a:t>
+                      </a:r>
+                      <a:r>
+                        <a:rPr lang="de-DE" sz="1200" b="1" dirty="0" err="1">
+                          <a:solidFill>
+                            <a:schemeClr val="bg2">
+                              <a:lumMod val="50000"/>
+                            </a:schemeClr>
+                          </a:solidFill>
+                        </a:rPr>
+                        <a:t>stB</a:t>
+                      </a:r>
+                      <a:endParaRPr lang="de-DE" sz="1200" b="1" dirty="0">
+                        <a:solidFill>
+                          <a:schemeClr val="bg2">
+                            <a:lumMod val="50000"/>
+                          </a:schemeClr>
+                        </a:solidFill>
+                      </a:endParaRPr>
+                    </a:p>
+                  </a:txBody>
+                  <a:tcPr/>
+                </a:tc>
+                <a:tc>
+                  <a:txBody>
+                    <a:bodyPr/>
+                    <a:lstStyle/>
+                    <a:p>
+                      <a:pPr algn="ctr"/>
+                      <a:r>
+                        <a:rPr lang="de-DE" sz="1200" b="1" dirty="0">
+                          <a:solidFill>
+                            <a:schemeClr val="bg2">
+                              <a:lumMod val="50000"/>
+                            </a:schemeClr>
+                          </a:solidFill>
+                        </a:rPr>
+                        <a:t>+ </a:t>
+                      </a:r>
+                    </a:p>
+                  </a:txBody>
+                  <a:tcPr/>
+                </a:tc>
+                <a:tc>
+                  <a:txBody>
+                    <a:bodyPr/>
+                    <a:lstStyle/>
+                    <a:p>
+                      <a:pPr algn="ctr"/>
+                      <a:r>
+                        <a:rPr lang="de-DE" sz="1200" b="1" dirty="0" err="1">
+                          <a:solidFill>
+                            <a:schemeClr val="tx1">
+                              <a:lumMod val="50000"/>
+                              <a:lumOff val="50000"/>
+                            </a:schemeClr>
+                          </a:solidFill>
+                        </a:rPr>
+                        <a:t>TapeS</a:t>
+                      </a:r>
+                      <a:r>
+                        <a:rPr lang="de-DE" sz="1200" b="1" dirty="0">
+                          <a:solidFill>
+                            <a:schemeClr val="bg2">
+                              <a:lumMod val="50000"/>
+                            </a:schemeClr>
+                          </a:solidFill>
+                        </a:rPr>
+                        <a:t> </a:t>
+                      </a:r>
+                      <a:r>
+                        <a:rPr lang="de-DE" sz="1200" b="1" dirty="0" err="1">
+                          <a:solidFill>
+                            <a:schemeClr val="bg2">
+                              <a:lumMod val="50000"/>
+                            </a:schemeClr>
+                          </a:solidFill>
+                        </a:rPr>
+                        <a:t>stbB</a:t>
+                      </a:r>
+                      <a:endParaRPr lang="de-DE" sz="1200" b="1" dirty="0">
+                        <a:solidFill>
+                          <a:schemeClr val="bg2">
+                            <a:lumMod val="50000"/>
+                          </a:schemeClr>
+                        </a:solidFill>
+                      </a:endParaRPr>
+                    </a:p>
+                  </a:txBody>
+                  <a:tcPr/>
+                </a:tc>
+                <a:extLst>
+                  <a:ext uri="{0D108BD9-81ED-4DB2-BD59-A6C34878D82A}">
+                    <a16:rowId xmlns:a16="http://schemas.microsoft.com/office/drawing/2014/main" val="1275612826"/>
+                  </a:ext>
+                </a:extLst>
+              </a:tr>
+            </a:tbl>
+          </a:graphicData>
+        </a:graphic>
+      </p:graphicFrame>
+      <p:cxnSp>
+        <p:nvCxnSpPr>
+          <p:cNvPr id="16" name="Verbinder: gewinkelt 15">
+            <a:extLst>
+              <a:ext uri="{FF2B5EF4-FFF2-40B4-BE49-F238E27FC236}">
+                <a16:creationId xmlns:a16="http://schemas.microsoft.com/office/drawing/2014/main" id="{ED1D3C4F-8C17-4611-99CD-3203C047D522}"/>
+              </a:ext>
+            </a:extLst>
+          </p:cNvPr>
+          <p:cNvCxnSpPr>
+            <a:cxnSpLocks/>
+          </p:cNvCxnSpPr>
+          <p:nvPr/>
+        </p:nvCxnSpPr>
+        <p:spPr>
+          <a:xfrm>
+            <a:off x="979714" y="4186467"/>
+            <a:ext cx="1158663" cy="141874"/>
+          </a:xfrm>
+          <a:prstGeom prst="bentConnector3">
+            <a:avLst>
+              <a:gd name="adj1" fmla="val 100221"/>
+            </a:avLst>
+          </a:prstGeom>
+          <a:ln>
+            <a:tailEnd type="triangle"/>
+          </a:ln>
+        </p:spPr>
+        <p:style>
+          <a:lnRef idx="1">
+            <a:schemeClr val="accent1"/>
+          </a:lnRef>
+          <a:fillRef idx="0">
+            <a:schemeClr val="accent1"/>
+          </a:fillRef>
+          <a:effectRef idx="0">
+            <a:schemeClr val="accent1"/>
+          </a:effectRef>
+          <a:fontRef idx="minor">
+            <a:schemeClr val="tx1"/>
+          </a:fontRef>
+        </p:style>
+      </p:cxnSp>
+      <p:graphicFrame>
+        <p:nvGraphicFramePr>
+          <p:cNvPr id="13" name="Tabelle 12">
+            <a:extLst>
+              <a:ext uri="{FF2B5EF4-FFF2-40B4-BE49-F238E27FC236}">
+                <a16:creationId xmlns:a16="http://schemas.microsoft.com/office/drawing/2014/main" id="{88AD7D9E-ED3A-4549-9FD6-3EC0161771DA}"/>
+              </a:ext>
+            </a:extLst>
+          </p:cNvPr>
+          <p:cNvGraphicFramePr>
+            <a:graphicFrameLocks noGrp="1"/>
+          </p:cNvGraphicFramePr>
+          <p:nvPr>
+            <p:extLst>
+              <p:ext uri="{D42A27DB-BD31-4B8C-83A1-F6EECF244321}">
+                <p14:modId xmlns:p14="http://schemas.microsoft.com/office/powerpoint/2010/main" val="3497243029"/>
+              </p:ext>
+            </p:extLst>
+          </p:nvPr>
+        </p:nvGraphicFramePr>
+        <p:xfrm>
+          <a:off x="258363" y="1770120"/>
+          <a:ext cx="8591739" cy="1021080"/>
+        </p:xfrm>
+        <a:graphic>
+          <a:graphicData uri="http://schemas.openxmlformats.org/drawingml/2006/table">
+            <a:tbl>
+              <a:tblPr firstRow="1" bandRow="1">
+                <a:tableStyleId>{2D5ABB26-0587-4C30-8999-92F81FD0307C}</a:tableStyleId>
+              </a:tblPr>
+              <a:tblGrid>
+                <a:gridCol w="1149791">
+                  <a:extLst>
+                    <a:ext uri="{9D8B030D-6E8A-4147-A177-3AD203B41FA5}">
+                      <a16:colId xmlns:a16="http://schemas.microsoft.com/office/drawing/2014/main" val="4200011834"/>
+                    </a:ext>
+                  </a:extLst>
+                </a:gridCol>
+                <a:gridCol w="235390">
+                  <a:extLst>
+                    <a:ext uri="{9D8B030D-6E8A-4147-A177-3AD203B41FA5}">
+                      <a16:colId xmlns:a16="http://schemas.microsoft.com/office/drawing/2014/main" val="2045396137"/>
+                    </a:ext>
+                  </a:extLst>
+                </a:gridCol>
+                <a:gridCol w="823865">
+                  <a:extLst>
+                    <a:ext uri="{9D8B030D-6E8A-4147-A177-3AD203B41FA5}">
+                      <a16:colId xmlns:a16="http://schemas.microsoft.com/office/drawing/2014/main" val="1307632904"/>
+                    </a:ext>
+                  </a:extLst>
+                </a:gridCol>
+                <a:gridCol w="298764">
+                  <a:extLst>
+                    <a:ext uri="{9D8B030D-6E8A-4147-A177-3AD203B41FA5}">
+                      <a16:colId xmlns:a16="http://schemas.microsoft.com/office/drawing/2014/main" val="3409259925"/>
+                    </a:ext>
+                  </a:extLst>
+                </a:gridCol>
+                <a:gridCol w="950614">
+                  <a:extLst>
+                    <a:ext uri="{9D8B030D-6E8A-4147-A177-3AD203B41FA5}">
+                      <a16:colId xmlns:a16="http://schemas.microsoft.com/office/drawing/2014/main" val="3322586312"/>
+                    </a:ext>
+                  </a:extLst>
+                </a:gridCol>
+                <a:gridCol w="289711">
+                  <a:extLst>
+                    <a:ext uri="{9D8B030D-6E8A-4147-A177-3AD203B41FA5}">
+                      <a16:colId xmlns:a16="http://schemas.microsoft.com/office/drawing/2014/main" val="3580350163"/>
+                    </a:ext>
+                  </a:extLst>
+                </a:gridCol>
+                <a:gridCol w="1176951">
+                  <a:extLst>
+                    <a:ext uri="{9D8B030D-6E8A-4147-A177-3AD203B41FA5}">
+                      <a16:colId xmlns:a16="http://schemas.microsoft.com/office/drawing/2014/main" val="2026280938"/>
+                    </a:ext>
+                  </a:extLst>
+                </a:gridCol>
+                <a:gridCol w="362138">
+                  <a:extLst>
+                    <a:ext uri="{9D8B030D-6E8A-4147-A177-3AD203B41FA5}">
+                      <a16:colId xmlns:a16="http://schemas.microsoft.com/office/drawing/2014/main" val="2858053005"/>
+                    </a:ext>
+                  </a:extLst>
+                </a:gridCol>
+                <a:gridCol w="1231221">
+                  <a:extLst>
+                    <a:ext uri="{9D8B030D-6E8A-4147-A177-3AD203B41FA5}">
+                      <a16:colId xmlns:a16="http://schemas.microsoft.com/office/drawing/2014/main" val="488407553"/>
+                    </a:ext>
+                  </a:extLst>
+                </a:gridCol>
+                <a:gridCol w="208280">
+                  <a:extLst>
+                    <a:ext uri="{9D8B030D-6E8A-4147-A177-3AD203B41FA5}">
+                      <a16:colId xmlns:a16="http://schemas.microsoft.com/office/drawing/2014/main" val="2043652952"/>
+                    </a:ext>
+                  </a:extLst>
+                </a:gridCol>
+                <a:gridCol w="651799">
+                  <a:extLst>
+                    <a:ext uri="{9D8B030D-6E8A-4147-A177-3AD203B41FA5}">
+                      <a16:colId xmlns:a16="http://schemas.microsoft.com/office/drawing/2014/main" val="2356173879"/>
+                    </a:ext>
+                  </a:extLst>
+                </a:gridCol>
+                <a:gridCol w="208280">
+                  <a:extLst>
+                    <a:ext uri="{9D8B030D-6E8A-4147-A177-3AD203B41FA5}">
+                      <a16:colId xmlns:a16="http://schemas.microsoft.com/office/drawing/2014/main" val="1625032845"/>
+                    </a:ext>
+                  </a:extLst>
+                </a:gridCol>
+                <a:gridCol w="1004935">
+                  <a:extLst>
+                    <a:ext uri="{9D8B030D-6E8A-4147-A177-3AD203B41FA5}">
+                      <a16:colId xmlns:a16="http://schemas.microsoft.com/office/drawing/2014/main" val="2867910828"/>
+                    </a:ext>
+                  </a:extLst>
+                </a:gridCol>
+              </a:tblGrid>
+              <a:tr h="268579">
+                <a:tc>
+                  <a:txBody>
+                    <a:bodyPr/>
+                    <a:lstStyle/>
+                    <a:p>
+                      <a:pPr algn="ctr"/>
+                      <a:r>
+                        <a:rPr lang="de-DE" sz="1500" b="1" dirty="0"/>
+                        <a:t>GHG </a:t>
+                      </a:r>
+                      <a:r>
+                        <a:rPr lang="de-DE" sz="1500" b="1" dirty="0" err="1"/>
+                        <a:t>aB</a:t>
+                      </a:r>
+                      <a:r>
+                        <a:rPr lang="de-DE" sz="1500" b="1" dirty="0"/>
+                        <a:t> </a:t>
+                      </a:r>
+                    </a:p>
+                  </a:txBody>
+                  <a:tcPr/>
+                </a:tc>
+                <a:tc>
+                  <a:txBody>
+                    <a:bodyPr/>
+                    <a:lstStyle/>
+                    <a:p>
+                      <a:pPr algn="ctr"/>
+                      <a:r>
+                        <a:rPr lang="de-DE" sz="1500" b="1" dirty="0"/>
+                        <a:t>= </a:t>
+                      </a:r>
+                    </a:p>
+                  </a:txBody>
+                  <a:tcPr/>
+                </a:tc>
+                <a:tc>
+                  <a:txBody>
+                    <a:bodyPr/>
+                    <a:lstStyle/>
+                    <a:p>
+                      <a:pPr algn="ctr"/>
+                      <a:r>
+                        <a:rPr lang="de-DE" sz="1500" b="1" dirty="0" err="1"/>
+                        <a:t>fB</a:t>
+                      </a:r>
+                      <a:endParaRPr lang="de-DE" sz="1500" b="1" dirty="0"/>
+                    </a:p>
+                  </a:txBody>
+                  <a:tcPr/>
+                </a:tc>
+                <a:tc>
+                  <a:txBody>
+                    <a:bodyPr/>
+                    <a:lstStyle/>
+                    <a:p>
+                      <a:pPr algn="ctr"/>
+                      <a:r>
+                        <a:rPr lang="de-DE" sz="1500" b="1" dirty="0"/>
+                        <a:t>+ </a:t>
+                      </a:r>
+                    </a:p>
+                  </a:txBody>
+                  <a:tcPr/>
+                </a:tc>
+                <a:tc>
+                  <a:txBody>
+                    <a:bodyPr/>
+                    <a:lstStyle/>
+                    <a:p>
+                      <a:pPr algn="ctr"/>
+                      <a:r>
+                        <a:rPr lang="de-DE" sz="1500" b="1" dirty="0" err="1"/>
+                        <a:t>fwbB</a:t>
+                      </a:r>
+                      <a:endParaRPr lang="de-DE" sz="1500" b="1" dirty="0"/>
+                    </a:p>
+                  </a:txBody>
+                  <a:tcPr/>
+                </a:tc>
+                <a:tc>
+                  <a:txBody>
+                    <a:bodyPr/>
+                    <a:lstStyle/>
+                    <a:p>
+                      <a:pPr algn="ctr"/>
+                      <a:r>
+                        <a:rPr lang="de-DE" sz="1500" b="1" dirty="0"/>
+                        <a:t>+ </a:t>
+                      </a:r>
+                    </a:p>
+                  </a:txBody>
+                  <a:tcPr/>
+                </a:tc>
+                <a:tc>
+                  <a:txBody>
+                    <a:bodyPr/>
+                    <a:lstStyle/>
+                    <a:p>
+                      <a:pPr algn="ctr"/>
+                      <a:r>
+                        <a:rPr lang="de-DE" sz="1500" b="1" dirty="0" err="1"/>
+                        <a:t>swB</a:t>
+                      </a:r>
+                      <a:endParaRPr lang="de-DE" sz="1500" b="1" dirty="0"/>
+                    </a:p>
+                  </a:txBody>
+                  <a:tcPr/>
+                </a:tc>
+                <a:tc>
+                  <a:txBody>
+                    <a:bodyPr/>
+                    <a:lstStyle/>
+                    <a:p>
+                      <a:pPr algn="ctr"/>
+                      <a:r>
+                        <a:rPr lang="de-DE" sz="1500" b="1" dirty="0"/>
+                        <a:t>+ </a:t>
+                      </a:r>
+                    </a:p>
+                  </a:txBody>
+                  <a:tcPr/>
+                </a:tc>
+                <a:tc>
+                  <a:txBody>
+                    <a:bodyPr/>
+                    <a:lstStyle/>
+                    <a:p>
+                      <a:pPr algn="ctr"/>
+                      <a:r>
+                        <a:rPr lang="de-DE" sz="1500" b="1" dirty="0" err="1"/>
+                        <a:t>swbB</a:t>
+                      </a:r>
+                      <a:endParaRPr lang="de-DE" sz="1500" b="1" dirty="0"/>
+                    </a:p>
+                  </a:txBody>
+                  <a:tcPr/>
+                </a:tc>
+                <a:tc>
+                  <a:txBody>
+                    <a:bodyPr/>
+                    <a:lstStyle/>
+                    <a:p>
+                      <a:pPr algn="ctr"/>
+                      <a:r>
+                        <a:rPr lang="de-DE" sz="1500" b="1" dirty="0">
+                          <a:solidFill>
+                            <a:schemeClr val="bg2">
+                              <a:lumMod val="50000"/>
+                            </a:schemeClr>
+                          </a:solidFill>
+                        </a:rPr>
+                        <a:t>+ </a:t>
+                      </a:r>
+                    </a:p>
+                  </a:txBody>
+                  <a:tcPr/>
+                </a:tc>
+                <a:tc>
+                  <a:txBody>
+                    <a:bodyPr/>
+                    <a:lstStyle/>
+                    <a:p>
+                      <a:pPr algn="ctr"/>
+                      <a:r>
+                        <a:rPr lang="de-DE" sz="1500" b="1" dirty="0" err="1">
+                          <a:solidFill>
+                            <a:schemeClr val="bg2">
+                              <a:lumMod val="50000"/>
+                            </a:schemeClr>
+                          </a:solidFill>
+                        </a:rPr>
+                        <a:t>stB</a:t>
+                      </a:r>
+                      <a:endParaRPr lang="de-DE" sz="1500" b="1" dirty="0">
+                        <a:solidFill>
+                          <a:schemeClr val="bg2">
+                            <a:lumMod val="50000"/>
+                          </a:schemeClr>
+                        </a:solidFill>
+                      </a:endParaRPr>
+                    </a:p>
+                  </a:txBody>
+                  <a:tcPr/>
+                </a:tc>
+                <a:tc>
+                  <a:txBody>
+                    <a:bodyPr/>
+                    <a:lstStyle/>
+                    <a:p>
+                      <a:pPr algn="ctr"/>
+                      <a:r>
+                        <a:rPr lang="de-DE" sz="1500" b="1" dirty="0">
+                          <a:solidFill>
+                            <a:schemeClr val="bg2">
+                              <a:lumMod val="50000"/>
+                            </a:schemeClr>
+                          </a:solidFill>
+                        </a:rPr>
+                        <a:t>+ </a:t>
+                      </a:r>
+                    </a:p>
+                  </a:txBody>
+                  <a:tcPr/>
+                </a:tc>
+                <a:tc>
+                  <a:txBody>
+                    <a:bodyPr/>
+                    <a:lstStyle/>
+                    <a:p>
+                      <a:pPr algn="ctr"/>
+                      <a:r>
+                        <a:rPr lang="de-DE" sz="1500" b="1" dirty="0" err="1">
+                          <a:solidFill>
+                            <a:schemeClr val="bg2">
+                              <a:lumMod val="50000"/>
+                            </a:schemeClr>
+                          </a:solidFill>
+                        </a:rPr>
+                        <a:t>stbB</a:t>
+                      </a:r>
+                      <a:endParaRPr lang="de-DE" sz="1500" b="1" dirty="0">
+                        <a:solidFill>
+                          <a:schemeClr val="bg2">
+                            <a:lumMod val="50000"/>
+                          </a:schemeClr>
+                        </a:solidFill>
+                      </a:endParaRPr>
+                    </a:p>
+                  </a:txBody>
+                  <a:tcPr/>
+                </a:tc>
+                <a:extLst>
+                  <a:ext uri="{0D108BD9-81ED-4DB2-BD59-A6C34878D82A}">
+                    <a16:rowId xmlns:a16="http://schemas.microsoft.com/office/drawing/2014/main" val="1308814329"/>
+                  </a:ext>
+                </a:extLst>
+              </a:tr>
+              <a:tr h="460421">
+                <a:tc>
+                  <a:txBody>
+                    <a:bodyPr/>
+                    <a:lstStyle/>
+                    <a:p>
+                      <a:pPr marL="0" marR="0" lvl="0" indent="0" algn="ctr" defTabSz="685800" rtl="0" eaLnBrk="1" fontAlgn="auto" latinLnBrk="0" hangingPunct="1">
+                        <a:lnSpc>
+                          <a:spcPct val="100000"/>
+                        </a:lnSpc>
+                        <a:spcBef>
+                          <a:spcPts val="0"/>
+                        </a:spcBef>
+                        <a:spcAft>
+                          <a:spcPts val="0"/>
+                        </a:spcAft>
+                        <a:buClrTx/>
+                        <a:buSzTx/>
+                        <a:buFontTx/>
+                        <a:buNone/>
+                        <a:tabLst/>
+                        <a:defRPr/>
+                      </a:pPr>
+                      <a:r>
+                        <a:rPr lang="de-DE" sz="1000" dirty="0" err="1"/>
+                        <a:t>Aboveground</a:t>
+                      </a:r>
+                      <a:r>
+                        <a:rPr lang="de-DE" sz="1000" dirty="0"/>
+                        <a:t> </a:t>
+                      </a:r>
+                      <a:r>
+                        <a:rPr lang="de-DE" sz="1000" dirty="0" err="1"/>
+                        <a:t>biomass</a:t>
+                      </a:r>
+                      <a:r>
+                        <a:rPr lang="de-DE" sz="1000" dirty="0"/>
+                        <a:t> </a:t>
+                      </a:r>
+                      <a:r>
+                        <a:rPr lang="de-DE" sz="1000" dirty="0" err="1"/>
+                        <a:t>calcuated</a:t>
+                      </a:r>
+                      <a:r>
+                        <a:rPr lang="de-DE" sz="1000" dirty="0"/>
+                        <a:t> </a:t>
+                      </a:r>
+                      <a:r>
+                        <a:rPr lang="de-DE" sz="1000" dirty="0" err="1"/>
+                        <a:t>by</a:t>
+                      </a:r>
+                      <a:r>
+                        <a:rPr lang="de-DE" sz="1000" dirty="0"/>
+                        <a:t> GHGI </a:t>
+                      </a:r>
+                      <a:r>
+                        <a:rPr lang="de-DE" sz="1000" dirty="0" err="1"/>
+                        <a:t>functions</a:t>
+                      </a:r>
+                      <a:endParaRPr lang="de-DE" sz="1000" dirty="0">
+                        <a:solidFill>
+                          <a:schemeClr val="bg2">
+                            <a:lumMod val="50000"/>
+                          </a:schemeClr>
+                        </a:solidFill>
+                      </a:endParaRPr>
+                    </a:p>
+                  </a:txBody>
+                  <a:tcPr/>
+                </a:tc>
+                <a:tc>
+                  <a:txBody>
+                    <a:bodyPr/>
+                    <a:lstStyle/>
+                    <a:p>
+                      <a:pPr algn="ctr"/>
+                      <a:endParaRPr lang="de-DE" sz="1000" dirty="0"/>
+                    </a:p>
+                  </a:txBody>
+                  <a:tcPr/>
+                </a:tc>
+                <a:tc gridSpan="2">
+                  <a:txBody>
+                    <a:bodyPr/>
+                    <a:lstStyle/>
+                    <a:p>
+                      <a:pPr algn="ctr"/>
+                      <a:r>
+                        <a:rPr lang="de-DE" sz="1000" dirty="0" err="1"/>
+                        <a:t>foliage</a:t>
+                      </a:r>
+                      <a:endParaRPr lang="de-DE" sz="1000" dirty="0"/>
+                    </a:p>
+                    <a:p>
+                      <a:pPr algn="ctr"/>
+                      <a:r>
+                        <a:rPr lang="de-DE" sz="1000" dirty="0"/>
+                        <a:t>Nadelmasse (für LH nicht inkl.)</a:t>
+                      </a:r>
+                    </a:p>
+                  </a:txBody>
+                  <a:tcPr/>
+                </a:tc>
+                <a:tc hMerge="1">
+                  <a:txBody>
+                    <a:bodyPr/>
+                    <a:lstStyle/>
+                    <a:p>
+                      <a:endParaRPr lang="de-DE" dirty="0"/>
+                    </a:p>
+                  </a:txBody>
+                  <a:tcPr/>
+                </a:tc>
+                <a:tc gridSpan="2">
+                  <a:txBody>
+                    <a:bodyPr/>
+                    <a:lstStyle/>
+                    <a:p>
+                      <a:pPr algn="ctr"/>
+                      <a:r>
+                        <a:rPr lang="de-DE" sz="1000" dirty="0" err="1"/>
+                        <a:t>fine</a:t>
+                      </a:r>
+                      <a:r>
+                        <a:rPr lang="de-DE" sz="1000" dirty="0"/>
+                        <a:t> </a:t>
+                      </a:r>
+                      <a:r>
+                        <a:rPr lang="de-DE" sz="1000" dirty="0" err="1"/>
+                        <a:t>wood</a:t>
+                      </a:r>
+                      <a:r>
+                        <a:rPr lang="de-DE" sz="1000" dirty="0"/>
+                        <a:t> incl. </a:t>
+                      </a:r>
+                      <a:r>
+                        <a:rPr lang="de-DE" sz="1000" dirty="0" err="1"/>
+                        <a:t>bark</a:t>
+                      </a:r>
+                      <a:endParaRPr lang="de-DE" sz="1000" dirty="0"/>
+                    </a:p>
+                    <a:p>
+                      <a:pPr algn="ctr"/>
+                      <a:r>
+                        <a:rPr lang="de-DE" sz="1000" dirty="0"/>
+                        <a:t>Nichtderbholz </a:t>
+                      </a:r>
+                    </a:p>
+                    <a:p>
+                      <a:pPr algn="ctr"/>
+                      <a:r>
+                        <a:rPr lang="de-DE" sz="1000" dirty="0"/>
+                        <a:t>inkl. Rinde</a:t>
+                      </a:r>
+                    </a:p>
+                    <a:p>
+                      <a:pPr algn="ctr"/>
+                      <a:endParaRPr lang="de-DE" sz="1000" dirty="0"/>
+                    </a:p>
+                  </a:txBody>
+                  <a:tcPr/>
+                </a:tc>
+                <a:tc hMerge="1">
+                  <a:txBody>
+                    <a:bodyPr/>
+                    <a:lstStyle/>
+                    <a:p>
+                      <a:endParaRPr lang="de-DE" dirty="0"/>
+                    </a:p>
+                  </a:txBody>
+                  <a:tcPr/>
+                </a:tc>
+                <a:tc>
+                  <a:txBody>
+                    <a:bodyPr/>
+                    <a:lstStyle/>
+                    <a:p>
+                      <a:pPr algn="ctr"/>
+                      <a:r>
+                        <a:rPr lang="de-DE" sz="1000" dirty="0"/>
+                        <a:t>Solid </a:t>
+                      </a:r>
+                      <a:r>
+                        <a:rPr lang="de-DE" sz="1000" dirty="0" err="1"/>
+                        <a:t>wood</a:t>
+                      </a:r>
+                      <a:r>
+                        <a:rPr lang="de-DE" sz="1000" dirty="0"/>
+                        <a:t> </a:t>
+                      </a:r>
+                      <a:r>
+                        <a:rPr lang="de-DE" sz="1000" dirty="0" err="1"/>
+                        <a:t>w.b</a:t>
+                      </a:r>
+                      <a:r>
+                        <a:rPr lang="de-DE" sz="1000" dirty="0"/>
+                        <a:t>.</a:t>
+                      </a:r>
+                    </a:p>
+                    <a:p>
+                      <a:pPr algn="ctr"/>
+                      <a:r>
+                        <a:rPr lang="de-DE" sz="1000" dirty="0"/>
+                        <a:t>Derbholz </a:t>
+                      </a:r>
+                      <a:r>
+                        <a:rPr lang="de-DE" sz="1000" dirty="0" err="1"/>
+                        <a:t>o.R</a:t>
+                      </a:r>
+                      <a:r>
+                        <a:rPr lang="de-DE" sz="1000" dirty="0"/>
+                        <a:t>.</a:t>
+                      </a:r>
+                    </a:p>
+                  </a:txBody>
+                  <a:tcPr/>
+                </a:tc>
+                <a:tc>
+                  <a:txBody>
+                    <a:bodyPr/>
+                    <a:lstStyle/>
+                    <a:p>
+                      <a:pPr algn="ctr"/>
+                      <a:endParaRPr lang="de-DE" sz="1000" dirty="0"/>
+                    </a:p>
+                  </a:txBody>
+                  <a:tcPr/>
+                </a:tc>
+                <a:tc>
+                  <a:txBody>
+                    <a:bodyPr/>
+                    <a:lstStyle/>
+                    <a:p>
+                      <a:pPr algn="ctr"/>
+                      <a:r>
+                        <a:rPr lang="de-DE" sz="1000" dirty="0" err="1"/>
+                        <a:t>bark</a:t>
+                      </a:r>
+                      <a:r>
+                        <a:rPr lang="de-DE" sz="1000" dirty="0"/>
+                        <a:t> </a:t>
+                      </a:r>
+                      <a:r>
+                        <a:rPr lang="de-DE" sz="1000" dirty="0" err="1"/>
+                        <a:t>of</a:t>
+                      </a:r>
+                      <a:r>
+                        <a:rPr lang="de-DE" sz="1000" dirty="0"/>
+                        <a:t> solid </a:t>
+                      </a:r>
+                      <a:r>
+                        <a:rPr lang="de-DE" sz="1000" dirty="0" err="1"/>
+                        <a:t>wood</a:t>
+                      </a:r>
+                      <a:endParaRPr lang="de-DE" sz="1000" dirty="0"/>
+                    </a:p>
+                    <a:p>
+                      <a:pPr algn="ctr"/>
+                      <a:r>
+                        <a:rPr lang="de-DE" sz="1000" dirty="0" err="1"/>
+                        <a:t>Derholzrinde</a:t>
+                      </a:r>
+                      <a:endParaRPr lang="de-DE" sz="1000" dirty="0"/>
+                    </a:p>
+                  </a:txBody>
+                  <a:tcPr/>
+                </a:tc>
+                <a:tc>
+                  <a:txBody>
+                    <a:bodyPr/>
+                    <a:lstStyle/>
+                    <a:p>
+                      <a:pPr algn="ctr"/>
+                      <a:endParaRPr lang="de-DE" sz="1000" dirty="0"/>
+                    </a:p>
+                  </a:txBody>
+                  <a:tcPr/>
+                </a:tc>
+                <a:tc>
+                  <a:txBody>
+                    <a:bodyPr/>
+                    <a:lstStyle/>
+                    <a:p>
+                      <a:pPr algn="ctr"/>
+                      <a:r>
+                        <a:rPr lang="de-DE" sz="1000" dirty="0" err="1"/>
+                        <a:t>stump</a:t>
+                      </a:r>
+                      <a:endParaRPr lang="de-DE" sz="1000" dirty="0"/>
+                    </a:p>
+                    <a:p>
+                      <a:pPr algn="ctr"/>
+                      <a:r>
+                        <a:rPr lang="de-DE" sz="1000" dirty="0"/>
+                        <a:t>Stock</a:t>
+                      </a:r>
+                    </a:p>
+                  </a:txBody>
+                  <a:tcPr/>
+                </a:tc>
+                <a:tc>
+                  <a:txBody>
+                    <a:bodyPr/>
+                    <a:lstStyle/>
+                    <a:p>
+                      <a:pPr algn="ctr"/>
+                      <a:endParaRPr lang="de-DE" sz="1000" dirty="0"/>
+                    </a:p>
+                  </a:txBody>
+                  <a:tcPr/>
+                </a:tc>
+                <a:tc>
+                  <a:txBody>
+                    <a:bodyPr/>
+                    <a:lstStyle/>
+                    <a:p>
+                      <a:pPr algn="ctr"/>
+                      <a:r>
+                        <a:rPr lang="de-DE" sz="1000" dirty="0" err="1"/>
+                        <a:t>bark</a:t>
+                      </a:r>
+                      <a:r>
+                        <a:rPr lang="de-DE" sz="1000" dirty="0"/>
+                        <a:t> ob </a:t>
+                      </a:r>
+                      <a:r>
+                        <a:rPr lang="de-DE" sz="1000" dirty="0" err="1"/>
+                        <a:t>stump</a:t>
+                      </a:r>
+                      <a:endParaRPr lang="de-DE" sz="1000" dirty="0"/>
+                    </a:p>
+                    <a:p>
+                      <a:pPr algn="ctr"/>
+                      <a:r>
+                        <a:rPr lang="de-DE" sz="1000" dirty="0"/>
+                        <a:t>Stockrinde</a:t>
+                      </a:r>
+                    </a:p>
+                  </a:txBody>
+                  <a:tcPr/>
+                </a:tc>
+                <a:extLst>
+                  <a:ext uri="{0D108BD9-81ED-4DB2-BD59-A6C34878D82A}">
+                    <a16:rowId xmlns:a16="http://schemas.microsoft.com/office/drawing/2014/main" val="317469444"/>
+                  </a:ext>
+                </a:extLst>
+              </a:tr>
+            </a:tbl>
+          </a:graphicData>
+        </a:graphic>
+      </p:graphicFrame>
+      <p:sp>
+        <p:nvSpPr>
+          <p:cNvPr id="14" name="Geschweifte Klammer rechts 13">
+            <a:extLst>
+              <a:ext uri="{FF2B5EF4-FFF2-40B4-BE49-F238E27FC236}">
+                <a16:creationId xmlns:a16="http://schemas.microsoft.com/office/drawing/2014/main" id="{F51B863D-A43F-4683-B26D-D225C3CD93ED}"/>
+              </a:ext>
+            </a:extLst>
+          </p:cNvPr>
+          <p:cNvSpPr/>
+          <p:nvPr/>
+        </p:nvSpPr>
+        <p:spPr>
+          <a:xfrm rot="16200000">
+            <a:off x="5070839" y="-1782070"/>
+            <a:ext cx="293164" cy="7026550"/>
+          </a:xfrm>
+          <a:prstGeom prst="rightBrace">
+            <a:avLst>
+              <a:gd name="adj1" fmla="val 8333"/>
+              <a:gd name="adj2" fmla="val 49294"/>
+            </a:avLst>
+          </a:prstGeom>
+        </p:spPr>
+        <p:style>
+          <a:lnRef idx="1">
+            <a:schemeClr val="accent1"/>
+          </a:lnRef>
+          <a:fillRef idx="0">
+            <a:schemeClr val="accent1"/>
+          </a:fillRef>
+          <a:effectRef idx="0">
+            <a:schemeClr val="accent1"/>
+          </a:effectRef>
+          <a:fontRef idx="minor">
+            <a:schemeClr val="tx1"/>
+          </a:fontRef>
+        </p:style>
+        <p:txBody>
+          <a:bodyPr rtlCol="0" anchor="ctr"/>
+          <a:lstStyle/>
+          <a:p>
+            <a:pPr algn="ctr"/>
+            <a:endParaRPr lang="de-DE"/>
+          </a:p>
+        </p:txBody>
+      </p:sp>
+      <p:sp>
+        <p:nvSpPr>
+          <p:cNvPr id="15" name="Textfeld 14">
+            <a:extLst>
+              <a:ext uri="{FF2B5EF4-FFF2-40B4-BE49-F238E27FC236}">
+                <a16:creationId xmlns:a16="http://schemas.microsoft.com/office/drawing/2014/main" id="{5890E1E9-01D0-4CD6-9ACB-B0ACE28BD907}"/>
+              </a:ext>
+            </a:extLst>
+          </p:cNvPr>
+          <p:cNvSpPr txBox="1"/>
+          <p:nvPr/>
+        </p:nvSpPr>
+        <p:spPr>
+          <a:xfrm>
+            <a:off x="3840211" y="1274405"/>
+            <a:ext cx="2993231" cy="281616"/>
+          </a:xfrm>
+          <a:prstGeom prst="rect">
+            <a:avLst/>
+          </a:prstGeom>
+          <a:noFill/>
+        </p:spPr>
+        <p:txBody>
+          <a:bodyPr wrap="square" lIns="0" tIns="0" rIns="0" bIns="0" rtlCol="0">
+            <a:spAutoFit/>
+          </a:bodyPr>
+          <a:lstStyle/>
+          <a:p>
+            <a:pPr marL="0">
+              <a:lnSpc>
+                <a:spcPts val="2400"/>
+              </a:lnSpc>
+              <a:spcAft>
+                <a:spcPts val="1200"/>
+              </a:spcAft>
+            </a:pPr>
+            <a:r>
+              <a:rPr lang="de-DE" sz="1500" dirty="0">
+                <a:solidFill>
+                  <a:schemeClr val="tx2"/>
+                </a:solidFill>
+              </a:rPr>
+              <a:t>External </a:t>
+            </a:r>
+            <a:r>
+              <a:rPr lang="de-DE" sz="1500" dirty="0" err="1">
+                <a:solidFill>
+                  <a:schemeClr val="tx2"/>
+                </a:solidFill>
+              </a:rPr>
+              <a:t>calculated</a:t>
+            </a:r>
+            <a:r>
+              <a:rPr lang="de-DE" sz="1500" dirty="0">
+                <a:solidFill>
+                  <a:schemeClr val="tx2"/>
+                </a:solidFill>
+              </a:rPr>
+              <a:t> </a:t>
+            </a:r>
+            <a:r>
+              <a:rPr lang="de-DE" sz="1500" dirty="0" err="1">
+                <a:solidFill>
+                  <a:schemeClr val="tx2"/>
+                </a:solidFill>
+              </a:rPr>
+              <a:t>compartiments</a:t>
+            </a:r>
+            <a:endParaRPr lang="de-DE" sz="1500" dirty="0">
+              <a:solidFill>
+                <a:schemeClr val="tx2"/>
+              </a:solidFill>
+            </a:endParaRPr>
+          </a:p>
+        </p:txBody>
+      </p:sp>
+      <p:sp>
+        <p:nvSpPr>
+          <p:cNvPr id="17" name="Geschweifte Klammer rechts 16">
+            <a:extLst>
+              <a:ext uri="{FF2B5EF4-FFF2-40B4-BE49-F238E27FC236}">
+                <a16:creationId xmlns:a16="http://schemas.microsoft.com/office/drawing/2014/main" id="{A20C75C9-9B96-47AC-B325-626175C2A336}"/>
+              </a:ext>
+            </a:extLst>
+          </p:cNvPr>
+          <p:cNvSpPr/>
+          <p:nvPr/>
+        </p:nvSpPr>
+        <p:spPr>
+          <a:xfrm rot="16200000">
+            <a:off x="708071" y="1275467"/>
+            <a:ext cx="293164" cy="989306"/>
+          </a:xfrm>
+          <a:prstGeom prst="rightBrace">
+            <a:avLst>
+              <a:gd name="adj1" fmla="val 8333"/>
+              <a:gd name="adj2" fmla="val 49294"/>
+            </a:avLst>
+          </a:prstGeom>
+        </p:spPr>
+        <p:style>
+          <a:lnRef idx="1">
+            <a:schemeClr val="accent1"/>
+          </a:lnRef>
+          <a:fillRef idx="0">
+            <a:schemeClr val="accent1"/>
+          </a:fillRef>
+          <a:effectRef idx="0">
+            <a:schemeClr val="accent1"/>
+          </a:effectRef>
+          <a:fontRef idx="minor">
+            <a:schemeClr val="tx1"/>
+          </a:fontRef>
+        </p:style>
+        <p:txBody>
+          <a:bodyPr rtlCol="0" anchor="ctr"/>
+          <a:lstStyle/>
+          <a:p>
+            <a:pPr algn="ctr"/>
+            <a:endParaRPr lang="de-DE"/>
+          </a:p>
+        </p:txBody>
+      </p:sp>
+      <p:sp>
+        <p:nvSpPr>
+          <p:cNvPr id="18" name="Textfeld 17">
+            <a:extLst>
+              <a:ext uri="{FF2B5EF4-FFF2-40B4-BE49-F238E27FC236}">
+                <a16:creationId xmlns:a16="http://schemas.microsoft.com/office/drawing/2014/main" id="{DEFD23E9-C876-455F-A595-F10A11118BCA}"/>
+              </a:ext>
+            </a:extLst>
+          </p:cNvPr>
+          <p:cNvSpPr txBox="1"/>
+          <p:nvPr/>
+        </p:nvSpPr>
+        <p:spPr>
+          <a:xfrm>
+            <a:off x="360000" y="995504"/>
+            <a:ext cx="1530580" cy="589392"/>
+          </a:xfrm>
+          <a:prstGeom prst="rect">
+            <a:avLst/>
+          </a:prstGeom>
+          <a:noFill/>
+        </p:spPr>
+        <p:txBody>
+          <a:bodyPr wrap="square" lIns="0" tIns="0" rIns="0" bIns="0" rtlCol="0">
+            <a:spAutoFit/>
+          </a:bodyPr>
+          <a:lstStyle/>
+          <a:p>
+            <a:pPr marL="0">
+              <a:lnSpc>
+                <a:spcPts val="2400"/>
+              </a:lnSpc>
+              <a:spcAft>
+                <a:spcPts val="1200"/>
+              </a:spcAft>
+            </a:pPr>
+            <a:r>
+              <a:rPr lang="de-DE" sz="1500" dirty="0">
+                <a:solidFill>
+                  <a:schemeClr val="tx2"/>
+                </a:solidFill>
+              </a:rPr>
+              <a:t>Total </a:t>
+            </a:r>
+            <a:r>
+              <a:rPr lang="de-DE" sz="1500" dirty="0" err="1">
+                <a:solidFill>
+                  <a:schemeClr val="tx2"/>
+                </a:solidFill>
+              </a:rPr>
+              <a:t>biomass</a:t>
+            </a:r>
+            <a:r>
+              <a:rPr lang="de-DE" sz="1500" dirty="0">
+                <a:solidFill>
+                  <a:schemeClr val="tx2"/>
+                </a:solidFill>
+              </a:rPr>
+              <a:t> </a:t>
+            </a:r>
+            <a:r>
+              <a:rPr lang="de-DE" sz="1500" dirty="0" err="1">
+                <a:solidFill>
+                  <a:schemeClr val="tx2"/>
+                </a:solidFill>
+              </a:rPr>
+              <a:t>calcualted</a:t>
+            </a:r>
+            <a:r>
+              <a:rPr lang="de-DE" sz="1500" dirty="0">
+                <a:solidFill>
+                  <a:schemeClr val="tx2"/>
+                </a:solidFill>
+              </a:rPr>
+              <a:t> </a:t>
+            </a:r>
+            <a:r>
+              <a:rPr lang="de-DE" sz="1500" dirty="0" err="1">
+                <a:solidFill>
+                  <a:schemeClr val="tx2"/>
+                </a:solidFill>
+              </a:rPr>
+              <a:t>by</a:t>
+            </a:r>
+            <a:r>
+              <a:rPr lang="de-DE" sz="1500" dirty="0">
+                <a:solidFill>
+                  <a:schemeClr val="tx2"/>
+                </a:solidFill>
+              </a:rPr>
+              <a:t> GHGI</a:t>
+            </a:r>
+          </a:p>
+        </p:txBody>
+      </p:sp>
+    </p:spTree>
+    <p:extLst>
+      <p:ext uri="{BB962C8B-B14F-4D97-AF65-F5344CB8AC3E}">
+        <p14:creationId xmlns:p14="http://schemas.microsoft.com/office/powerpoint/2010/main" val="190250835"/>
+      </p:ext>
+    </p:extLst>
+  </p:cSld>
+  <p:clrMapOvr>
+    <a:masterClrMapping/>
+  </p:clrMapOvr>
+</p:sld>
+</file>
+
+<file path=ppt/slides/slide15.xml><?xml version="1.0" encoding="utf-8"?>
 <p:sld xmlns:a="http://schemas.openxmlformats.org/drawingml/2006/main" xmlns:r="http://schemas.openxmlformats.org/officeDocument/2006/relationships" xmlns:p="http://schemas.openxmlformats.org/presentationml/2006/main" show="0">
   <p:cSld>
     <p:spTree>
@@ -28024,7 +31984,7 @@
 </p:sld>
 </file>
 
-<file path=ppt/slides/slide15.xml><?xml version="1.0" encoding="utf-8"?>
+<file path=ppt/slides/slide16.xml><?xml version="1.0" encoding="utf-8"?>
 <p:sld xmlns:a="http://schemas.openxmlformats.org/drawingml/2006/main" xmlns:r="http://schemas.openxmlformats.org/officeDocument/2006/relationships" xmlns:p="http://schemas.openxmlformats.org/presentationml/2006/main">
   <p:cSld>
     <p:spTree>
@@ -28806,7 +32766,7 @@
 </p:sld>
 </file>
 
-<file path=ppt/slides/slide16.xml><?xml version="1.0" encoding="utf-8"?>
+<file path=ppt/slides/slide17.xml><?xml version="1.0" encoding="utf-8"?>
 <p:sld xmlns:a="http://schemas.openxmlformats.org/drawingml/2006/main" xmlns:r="http://schemas.openxmlformats.org/officeDocument/2006/relationships" xmlns:p="http://schemas.openxmlformats.org/presentationml/2006/main">
   <p:cSld>
     <p:spTree>

--- a/info/biomasse_vergleich_MoMoK_BE.pptx
+++ b/info/biomasse_vergleich_MoMoK_BE.pptx
@@ -255,7 +255,7 @@
           <a:p>
             <a:fld id="{29D722E9-6DCE-4201-8B95-B327C6EEA894}" type="datetimeFigureOut">
               <a:rPr lang="de-DE" smtClean="0"/>
-              <a:t>13.04.2023</a:t>
+              <a:t>17.04.2023</a:t>
             </a:fld>
             <a:endParaRPr lang="de-DE"/>
           </a:p>
@@ -421,7 +421,7 @@
             <a:fld id="{7BE26D7E-6EA3-4F2D-BE94-EAA87D4EB8CD}" type="datetimeFigureOut">
               <a:rPr lang="de-DE" smtClean="0"/>
               <a:pPr/>
-              <a:t>13.04.2023</a:t>
+              <a:t>17.04.2023</a:t>
             </a:fld>
             <a:endParaRPr lang="de-DE"/>
           </a:p>

--- a/info/biomasse_vergleich_MoMoK_BE.pptx
+++ b/info/biomasse_vergleich_MoMoK_BE.pptx
@@ -38781,7 +38781,7 @@
 </file>
 
 <file path=ppt/slides/slide17.xml><?xml version="1.0" encoding="utf-8"?>
-<p:sld xmlns:a="http://schemas.openxmlformats.org/drawingml/2006/main" xmlns:r="http://schemas.openxmlformats.org/officeDocument/2006/relationships" xmlns:p="http://schemas.openxmlformats.org/presentationml/2006/main" show="0">
+<p:sld xmlns:a="http://schemas.openxmlformats.org/drawingml/2006/main" xmlns:r="http://schemas.openxmlformats.org/officeDocument/2006/relationships" xmlns:p="http://schemas.openxmlformats.org/presentationml/2006/main">
   <p:cSld>
     <p:spTree>
       <p:nvGrpSpPr>

--- a/info/biomasse_vergleich_MoMoK_BE.pptx
+++ b/info/biomasse_vergleich_MoMoK_BE.pptx
@@ -256,7 +256,7 @@
           <a:p>
             <a:fld id="{29D722E9-6DCE-4201-8B95-B327C6EEA894}" type="datetimeFigureOut">
               <a:rPr lang="de-DE" smtClean="0"/>
-              <a:t>27.04.2023</a:t>
+              <a:t>02.05.2023</a:t>
             </a:fld>
             <a:endParaRPr lang="de-DE"/>
           </a:p>
@@ -422,7 +422,7 @@
             <a:fld id="{7BE26D7E-6EA3-4F2D-BE94-EAA87D4EB8CD}" type="datetimeFigureOut">
               <a:rPr lang="de-DE" smtClean="0"/>
               <a:pPr/>
-              <a:t>27.04.2023</a:t>
+              <a:t>02.05.2023</a:t>
             </a:fld>
             <a:endParaRPr lang="de-DE"/>
           </a:p>
@@ -38396,29 +38396,39 @@
           </a:p>
         </p:txBody>
       </p:sp>
-      <p:sp>
-        <p:nvSpPr>
-          <p:cNvPr id="8" name="Bildplatzhalter 7">
+      <p:pic>
+        <p:nvPicPr>
+          <p:cNvPr id="9" name="Bildplatzhalter 8">
             <a:extLst>
               <a:ext uri="{FF2B5EF4-FFF2-40B4-BE49-F238E27FC236}">
-                <a16:creationId xmlns:a16="http://schemas.microsoft.com/office/drawing/2014/main" id="{5E1D7E87-000D-4297-9E23-A331A91FD953}"/>
+                <a16:creationId xmlns:a16="http://schemas.microsoft.com/office/drawing/2014/main" id="{58E49B8F-7429-414D-ADCC-07F1BF67EAEC}"/>
               </a:ext>
             </a:extLst>
           </p:cNvPr>
-          <p:cNvSpPr>
-            <a:spLocks noGrp="1"/>
-          </p:cNvSpPr>
+          <p:cNvPicPr>
+            <a:picLocks noGrp="1" noChangeAspect="1"/>
+          </p:cNvPicPr>
           <p:nvPr>
             <p:ph type="pic" sz="quarter" idx="4294967295"/>
           </p:nvPr>
-        </p:nvSpPr>
+        </p:nvPicPr>
+        <p:blipFill>
+          <a:blip r:embed="rId3"/>
+          <a:srcRect t="933" b="933"/>
+          <a:stretch>
+            <a:fillRect/>
+          </a:stretch>
+        </p:blipFill>
         <p:spPr>
           <a:xfrm>
-            <a:off x="193433" y="856197"/>
-            <a:ext cx="5809254" cy="3882266"/>
+            <a:off x="193675" y="855663"/>
+            <a:ext cx="5808663" cy="3883025"/>
           </a:xfrm>
+          <a:prstGeom prst="rect">
+            <a:avLst/>
+          </a:prstGeom>
         </p:spPr>
-      </p:sp>
+      </p:pic>
       <p:pic>
         <p:nvPicPr>
           <p:cNvPr id="12" name="Bildplatzhalter 11">
@@ -38436,7 +38446,7 @@
           </p:nvPr>
         </p:nvPicPr>
         <p:blipFill>
-          <a:blip r:embed="rId3">
+          <a:blip r:embed="rId4">
             <a:extLst>
               <a:ext uri="{28A0092B-C50C-407E-A947-70E740481C1C}">
                 <a14:useLocalDpi xmlns:a14="http://schemas.microsoft.com/office/drawing/2010/main" val="0"/>
@@ -38731,42 +38741,6 @@
           </a:p>
         </p:txBody>
       </p:sp>
-      <p:pic>
-        <p:nvPicPr>
-          <p:cNvPr id="16" name="Grafik 15">
-            <a:extLst>
-              <a:ext uri="{FF2B5EF4-FFF2-40B4-BE49-F238E27FC236}">
-                <a16:creationId xmlns:a16="http://schemas.microsoft.com/office/drawing/2014/main" id="{416CE6C7-8567-4218-BB2F-CDC6287318C9}"/>
-              </a:ext>
-            </a:extLst>
-          </p:cNvPr>
-          <p:cNvPicPr>
-            <a:picLocks noChangeAspect="1"/>
-          </p:cNvPicPr>
-          <p:nvPr/>
-        </p:nvPicPr>
-        <p:blipFill>
-          <a:blip r:embed="rId4">
-            <a:extLst>
-              <a:ext uri="{28A0092B-C50C-407E-A947-70E740481C1C}">
-                <a14:useLocalDpi xmlns:a14="http://schemas.microsoft.com/office/drawing/2010/main" val="0"/>
-              </a:ext>
-            </a:extLst>
-          </a:blip>
-          <a:stretch>
-            <a:fillRect/>
-          </a:stretch>
-        </p:blipFill>
-        <p:spPr>
-          <a:xfrm>
-            <a:off x="153097" y="941174"/>
-            <a:ext cx="5851463" cy="3721390"/>
-          </a:xfrm>
-          <a:prstGeom prst="rect">
-            <a:avLst/>
-          </a:prstGeom>
-        </p:spPr>
-      </p:pic>
     </p:spTree>
     <p:extLst>
       <p:ext uri="{BB962C8B-B14F-4D97-AF65-F5344CB8AC3E}">
@@ -39092,24 +39066,35 @@
           </a:p>
         </p:txBody>
       </p:sp>
-      <p:sp>
-        <p:nvSpPr>
-          <p:cNvPr id="29" name="Bildplatzhalter 28">
+      <p:pic>
+        <p:nvPicPr>
+          <p:cNvPr id="7" name="Bildplatzhalter 6">
             <a:extLst>
               <a:ext uri="{FF2B5EF4-FFF2-40B4-BE49-F238E27FC236}">
-                <a16:creationId xmlns:a16="http://schemas.microsoft.com/office/drawing/2014/main" id="{07BB3006-8587-47EE-8964-5F2D54EFD7DA}"/>
+                <a16:creationId xmlns:a16="http://schemas.microsoft.com/office/drawing/2014/main" id="{1EE71CA4-9A52-4875-8A71-B2415BA1AFF7}"/>
               </a:ext>
             </a:extLst>
           </p:cNvPr>
-          <p:cNvSpPr>
-            <a:spLocks noGrp="1"/>
-          </p:cNvSpPr>
+          <p:cNvPicPr>
+            <a:picLocks noGrp="1" noChangeAspect="1"/>
+          </p:cNvPicPr>
           <p:nvPr>
             <p:ph type="pic" sz="quarter" idx="21"/>
           </p:nvPr>
-        </p:nvSpPr>
-        <p:spPr/>
-      </p:sp>
+        </p:nvPicPr>
+        <p:blipFill>
+          <a:blip r:embed="rId4"/>
+          <a:srcRect t="980" b="980"/>
+          <a:stretch>
+            <a:fillRect/>
+          </a:stretch>
+        </p:blipFill>
+        <p:spPr>
+          <a:prstGeom prst="rect">
+            <a:avLst/>
+          </a:prstGeom>
+        </p:spPr>
+      </p:pic>
       <p:sp>
         <p:nvSpPr>
           <p:cNvPr id="15" name="Textplatzhalter 3">
@@ -39309,35 +39294,6 @@
           </a:p>
         </p:txBody>
       </p:sp>
-      <p:pic>
-        <p:nvPicPr>
-          <p:cNvPr id="30" name="Bildplatzhalter 22">
-            <a:extLst>
-              <a:ext uri="{FF2B5EF4-FFF2-40B4-BE49-F238E27FC236}">
-                <a16:creationId xmlns:a16="http://schemas.microsoft.com/office/drawing/2014/main" id="{43B1A471-5E5E-4132-A9FC-E41ABDDA4F94}"/>
-              </a:ext>
-            </a:extLst>
-          </p:cNvPr>
-          <p:cNvPicPr>
-            <a:picLocks noChangeAspect="1"/>
-          </p:cNvPicPr>
-          <p:nvPr/>
-        </p:nvPicPr>
-        <p:blipFill rotWithShape="1">
-          <a:blip r:embed="rId4"/>
-          <a:srcRect l="-408" r="12862"/>
-          <a:stretch/>
-        </p:blipFill>
-        <p:spPr>
-          <a:xfrm>
-            <a:off x="102164" y="855664"/>
-            <a:ext cx="5890326" cy="3915728"/>
-          </a:xfrm>
-          <a:prstGeom prst="rect">
-            <a:avLst/>
-          </a:prstGeom>
-        </p:spPr>
-      </p:pic>
       <p:sp>
         <p:nvSpPr>
           <p:cNvPr id="31" name="Textplatzhalter 9">

--- a/info/biomasse_vergleich_MoMoK_BE.pptx
+++ b/info/biomasse_vergleich_MoMoK_BE.pptx
@@ -256,7 +256,7 @@
           <a:p>
             <a:fld id="{29D722E9-6DCE-4201-8B95-B327C6EEA894}" type="datetimeFigureOut">
               <a:rPr lang="de-DE" smtClean="0"/>
-              <a:t>02.05.2023</a:t>
+              <a:t>22.06.2023</a:t>
             </a:fld>
             <a:endParaRPr lang="de-DE"/>
           </a:p>
@@ -422,7 +422,7 @@
             <a:fld id="{7BE26D7E-6EA3-4F2D-BE94-EAA87D4EB8CD}" type="datetimeFigureOut">
               <a:rPr lang="de-DE" smtClean="0"/>
               <a:pPr/>
-              <a:t>02.05.2023</a:t>
+              <a:t>22.06.2023</a:t>
             </a:fld>
             <a:endParaRPr lang="de-DE"/>
           </a:p>
